--- a/docs/assets/figures.pptx
+++ b/docs/assets/figures.pptx
@@ -10,6 +10,7 @@
     <p:sldId id="258" r:id="rId4"/>
     <p:sldId id="259" r:id="rId5"/>
     <p:sldId id="260" r:id="rId6"/>
+    <p:sldId id="261" r:id="rId7"/>
   </p:sldIdLst>
   <p:sldSz cx="12192000" cy="6858000"/>
   <p:notesSz cx="6858000" cy="9144000"/>
@@ -6582,6 +6583,770 @@
 </p:sld>
 </file>
 
+<file path=ppt/slides/slide6.xml><?xml version="1.0" encoding="utf-8"?>
+<p:sld xmlns:a="http://schemas.openxmlformats.org/drawingml/2006/main" xmlns:r="http://schemas.openxmlformats.org/officeDocument/2006/relationships" xmlns:p="http://schemas.openxmlformats.org/presentationml/2006/main">
+  <p:cSld>
+    <p:spTree>
+      <p:nvGrpSpPr>
+        <p:cNvPr id="1" name=""/>
+        <p:cNvGrpSpPr/>
+        <p:nvPr/>
+      </p:nvGrpSpPr>
+      <p:grpSpPr>
+        <a:xfrm>
+          <a:off x="0" y="0"/>
+          <a:ext cx="0" cy="0"/>
+          <a:chOff x="0" y="0"/>
+          <a:chExt cx="0" cy="0"/>
+        </a:xfrm>
+      </p:grpSpPr>
+      <p:sp>
+        <p:nvSpPr>
+          <p:cNvPr id="4" name="正方形/長方形 3">
+            <a:extLst>
+              <a:ext uri="{FF2B5EF4-FFF2-40B4-BE49-F238E27FC236}">
+                <a16:creationId xmlns:a16="http://schemas.microsoft.com/office/drawing/2014/main" id="{F767DF8B-2CAA-4281-88CA-3BC42CFF7855}"/>
+              </a:ext>
+            </a:extLst>
+          </p:cNvPr>
+          <p:cNvSpPr/>
+          <p:nvPr/>
+        </p:nvSpPr>
+        <p:spPr>
+          <a:xfrm>
+            <a:off x="235667" y="401325"/>
+            <a:ext cx="4260915" cy="659876"/>
+          </a:xfrm>
+          <a:prstGeom prst="rect">
+            <a:avLst/>
+          </a:prstGeom>
+          <a:solidFill>
+            <a:schemeClr val="accent2"/>
+          </a:solidFill>
+          <a:ln>
+            <a:noFill/>
+          </a:ln>
+        </p:spPr>
+        <p:style>
+          <a:lnRef idx="2">
+            <a:schemeClr val="accent1">
+              <a:shade val="50000"/>
+            </a:schemeClr>
+          </a:lnRef>
+          <a:fillRef idx="1">
+            <a:schemeClr val="accent1"/>
+          </a:fillRef>
+          <a:effectRef idx="0">
+            <a:schemeClr val="accent1"/>
+          </a:effectRef>
+          <a:fontRef idx="minor">
+            <a:schemeClr val="lt1"/>
+          </a:fontRef>
+        </p:style>
+        <p:txBody>
+          <a:bodyPr rtlCol="0" anchor="ctr"/>
+          <a:lstStyle/>
+          <a:p>
+            <a:pPr algn="ctr"/>
+            <a:r>
+              <a:rPr lang="en-US" altLang="ja-JP" sz="2400" b="1" dirty="0">
+                <a:latin typeface="Segoe UI" panose="020B0502040204020203" pitchFamily="34" charset="0"/>
+                <a:cs typeface="Segoe UI" panose="020B0502040204020203" pitchFamily="34" charset="0"/>
+              </a:rPr>
+              <a:t>AOT shared cache header</a:t>
+            </a:r>
+            <a:endParaRPr kumimoji="1" lang="ja-JP" altLang="en-US" sz="2400" b="1" dirty="0">
+              <a:latin typeface="Segoe UI" panose="020B0502040204020203" pitchFamily="34" charset="0"/>
+              <a:cs typeface="Segoe UI" panose="020B0502040204020203" pitchFamily="34" charset="0"/>
+            </a:endParaRPr>
+          </a:p>
+        </p:txBody>
+      </p:sp>
+      <p:grpSp>
+        <p:nvGrpSpPr>
+          <p:cNvPr id="9" name="グループ化 8">
+            <a:extLst>
+              <a:ext uri="{FF2B5EF4-FFF2-40B4-BE49-F238E27FC236}">
+                <a16:creationId xmlns:a16="http://schemas.microsoft.com/office/drawing/2014/main" id="{782F227D-567B-4141-90ED-F075FBC1F499}"/>
+              </a:ext>
+            </a:extLst>
+          </p:cNvPr>
+          <p:cNvGrpSpPr/>
+          <p:nvPr/>
+        </p:nvGrpSpPr>
+        <p:grpSpPr>
+          <a:xfrm>
+            <a:off x="94267" y="1278116"/>
+            <a:ext cx="4543720" cy="2243579"/>
+            <a:chOff x="94267" y="1664617"/>
+            <a:chExt cx="4543720" cy="2243579"/>
+          </a:xfrm>
+        </p:grpSpPr>
+        <p:sp>
+          <p:nvSpPr>
+            <p:cNvPr id="5" name="正方形/長方形 4">
+              <a:extLst>
+                <a:ext uri="{FF2B5EF4-FFF2-40B4-BE49-F238E27FC236}">
+                  <a16:creationId xmlns:a16="http://schemas.microsoft.com/office/drawing/2014/main" id="{787408EE-3C06-4F01-9601-B1E92D710729}"/>
+                </a:ext>
+              </a:extLst>
+            </p:cNvPr>
+            <p:cNvSpPr/>
+            <p:nvPr/>
+          </p:nvSpPr>
+          <p:spPr>
+            <a:xfrm>
+              <a:off x="235670" y="1857081"/>
+              <a:ext cx="4260915" cy="498050"/>
+            </a:xfrm>
+            <a:prstGeom prst="rect">
+              <a:avLst/>
+            </a:prstGeom>
+            <a:solidFill>
+              <a:schemeClr val="accent2"/>
+            </a:solidFill>
+            <a:ln>
+              <a:noFill/>
+            </a:ln>
+          </p:spPr>
+          <p:style>
+            <a:lnRef idx="2">
+              <a:schemeClr val="accent1">
+                <a:shade val="50000"/>
+              </a:schemeClr>
+            </a:lnRef>
+            <a:fillRef idx="1">
+              <a:schemeClr val="accent1"/>
+            </a:fillRef>
+            <a:effectRef idx="0">
+              <a:schemeClr val="accent1"/>
+            </a:effectRef>
+            <a:fontRef idx="minor">
+              <a:schemeClr val="lt1"/>
+            </a:fontRef>
+          </p:style>
+          <p:txBody>
+            <a:bodyPr rtlCol="0" anchor="ctr"/>
+            <a:lstStyle/>
+            <a:p>
+              <a:pPr algn="ctr"/>
+              <a:r>
+                <a:rPr kumimoji="1" lang="en-US" altLang="ja-JP" sz="2400" b="1" dirty="0" err="1">
+                  <a:latin typeface="Segoe UI" panose="020B0502040204020203" pitchFamily="34" charset="0"/>
+                  <a:cs typeface="Segoe UI" panose="020B0502040204020203" pitchFamily="34" charset="0"/>
+                </a:rPr>
+                <a:t>CodeFragmentMetaData</a:t>
+              </a:r>
+              <a:endParaRPr kumimoji="1" lang="ja-JP" altLang="en-US" sz="2400" b="1" dirty="0">
+                <a:latin typeface="Segoe UI" panose="020B0502040204020203" pitchFamily="34" charset="0"/>
+                <a:cs typeface="Segoe UI" panose="020B0502040204020203" pitchFamily="34" charset="0"/>
+              </a:endParaRPr>
+            </a:p>
+          </p:txBody>
+        </p:sp>
+        <p:sp>
+          <p:nvSpPr>
+            <p:cNvPr id="6" name="正方形/長方形 5">
+              <a:extLst>
+                <a:ext uri="{FF2B5EF4-FFF2-40B4-BE49-F238E27FC236}">
+                  <a16:creationId xmlns:a16="http://schemas.microsoft.com/office/drawing/2014/main" id="{D43A2EFD-7B8A-4429-AEB6-7DE298E4933A}"/>
+                </a:ext>
+              </a:extLst>
+            </p:cNvPr>
+            <p:cNvSpPr/>
+            <p:nvPr/>
+          </p:nvSpPr>
+          <p:spPr>
+            <a:xfrm>
+              <a:off x="235670" y="2537382"/>
+              <a:ext cx="4260915" cy="498050"/>
+            </a:xfrm>
+            <a:prstGeom prst="rect">
+              <a:avLst/>
+            </a:prstGeom>
+            <a:solidFill>
+              <a:schemeClr val="accent2"/>
+            </a:solidFill>
+            <a:ln>
+              <a:noFill/>
+            </a:ln>
+          </p:spPr>
+          <p:style>
+            <a:lnRef idx="2">
+              <a:schemeClr val="accent1">
+                <a:shade val="50000"/>
+              </a:schemeClr>
+            </a:lnRef>
+            <a:fillRef idx="1">
+              <a:schemeClr val="accent1"/>
+            </a:fillRef>
+            <a:effectRef idx="0">
+              <a:schemeClr val="accent1"/>
+            </a:effectRef>
+            <a:fontRef idx="minor">
+              <a:schemeClr val="lt1"/>
+            </a:fontRef>
+          </p:style>
+          <p:txBody>
+            <a:bodyPr rtlCol="0" anchor="ctr"/>
+            <a:lstStyle/>
+            <a:p>
+              <a:pPr algn="ctr"/>
+              <a:r>
+                <a:rPr kumimoji="1" lang="en-US" altLang="ja-JP" sz="2400" b="1" dirty="0" err="1">
+                  <a:latin typeface="Segoe UI" panose="020B0502040204020203" pitchFamily="34" charset="0"/>
+                  <a:cs typeface="Segoe UI" panose="020B0502040204020203" pitchFamily="34" charset="0"/>
+                </a:rPr>
+                <a:t>BranchData</a:t>
+              </a:r>
+              <a:endParaRPr kumimoji="1" lang="ja-JP" altLang="en-US" sz="2400" b="1" dirty="0">
+                <a:latin typeface="Segoe UI" panose="020B0502040204020203" pitchFamily="34" charset="0"/>
+                <a:cs typeface="Segoe UI" panose="020B0502040204020203" pitchFamily="34" charset="0"/>
+              </a:endParaRPr>
+            </a:p>
+          </p:txBody>
+        </p:sp>
+        <p:sp>
+          <p:nvSpPr>
+            <p:cNvPr id="7" name="正方形/長方形 6">
+              <a:extLst>
+                <a:ext uri="{FF2B5EF4-FFF2-40B4-BE49-F238E27FC236}">
+                  <a16:creationId xmlns:a16="http://schemas.microsoft.com/office/drawing/2014/main" id="{A4F0FFC4-C5A3-4C05-8740-E5E89EFD7938}"/>
+                </a:ext>
+              </a:extLst>
+            </p:cNvPr>
+            <p:cNvSpPr/>
+            <p:nvPr/>
+          </p:nvSpPr>
+          <p:spPr>
+            <a:xfrm>
+              <a:off x="235670" y="3217683"/>
+              <a:ext cx="4260915" cy="498050"/>
+            </a:xfrm>
+            <a:prstGeom prst="rect">
+              <a:avLst/>
+            </a:prstGeom>
+            <a:solidFill>
+              <a:schemeClr val="accent2"/>
+            </a:solidFill>
+            <a:ln>
+              <a:noFill/>
+            </a:ln>
+          </p:spPr>
+          <p:style>
+            <a:lnRef idx="2">
+              <a:schemeClr val="accent1">
+                <a:shade val="50000"/>
+              </a:schemeClr>
+            </a:lnRef>
+            <a:fillRef idx="1">
+              <a:schemeClr val="accent1"/>
+            </a:fillRef>
+            <a:effectRef idx="0">
+              <a:schemeClr val="accent1"/>
+            </a:effectRef>
+            <a:fontRef idx="minor">
+              <a:schemeClr val="lt1"/>
+            </a:fontRef>
+          </p:style>
+          <p:txBody>
+            <a:bodyPr rtlCol="0" anchor="ctr"/>
+            <a:lstStyle/>
+            <a:p>
+              <a:pPr algn="ctr"/>
+              <a:r>
+                <a:rPr kumimoji="1" lang="en-US" altLang="ja-JP" sz="2400" b="1" dirty="0" err="1">
+                  <a:latin typeface="Segoe UI" panose="020B0502040204020203" pitchFamily="34" charset="0"/>
+                  <a:cs typeface="Segoe UI" panose="020B0502040204020203" pitchFamily="34" charset="0"/>
+                </a:rPr>
+                <a:t>InstructionMapData</a:t>
+              </a:r>
+              <a:endParaRPr kumimoji="1" lang="ja-JP" altLang="en-US" sz="2400" b="1" dirty="0">
+                <a:latin typeface="Segoe UI" panose="020B0502040204020203" pitchFamily="34" charset="0"/>
+                <a:cs typeface="Segoe UI" panose="020B0502040204020203" pitchFamily="34" charset="0"/>
+              </a:endParaRPr>
+            </a:p>
+          </p:txBody>
+        </p:sp>
+        <p:sp>
+          <p:nvSpPr>
+            <p:cNvPr id="8" name="四角形: 角を丸くする 7">
+              <a:extLst>
+                <a:ext uri="{FF2B5EF4-FFF2-40B4-BE49-F238E27FC236}">
+                  <a16:creationId xmlns:a16="http://schemas.microsoft.com/office/drawing/2014/main" id="{5815BD11-9ED4-4C25-A6DC-ED1296F550B3}"/>
+                </a:ext>
+              </a:extLst>
+            </p:cNvPr>
+            <p:cNvSpPr/>
+            <p:nvPr/>
+          </p:nvSpPr>
+          <p:spPr>
+            <a:xfrm>
+              <a:off x="94267" y="1664617"/>
+              <a:ext cx="4543720" cy="2243579"/>
+            </a:xfrm>
+            <a:prstGeom prst="roundRect">
+              <a:avLst/>
+            </a:prstGeom>
+            <a:noFill/>
+            <a:ln w="38100">
+              <a:solidFill>
+                <a:schemeClr val="tx1"/>
+              </a:solidFill>
+            </a:ln>
+          </p:spPr>
+          <p:style>
+            <a:lnRef idx="2">
+              <a:schemeClr val="accent1">
+                <a:shade val="50000"/>
+              </a:schemeClr>
+            </a:lnRef>
+            <a:fillRef idx="1">
+              <a:schemeClr val="accent1"/>
+            </a:fillRef>
+            <a:effectRef idx="0">
+              <a:schemeClr val="accent1"/>
+            </a:effectRef>
+            <a:fontRef idx="minor">
+              <a:schemeClr val="lt1"/>
+            </a:fontRef>
+          </p:style>
+          <p:txBody>
+            <a:bodyPr rtlCol="0" anchor="ctr"/>
+            <a:lstStyle/>
+            <a:p>
+              <a:pPr algn="ctr"/>
+              <a:endParaRPr kumimoji="1" lang="ja-JP" altLang="en-US"/>
+            </a:p>
+          </p:txBody>
+        </p:sp>
+      </p:grpSp>
+      <p:sp>
+        <p:nvSpPr>
+          <p:cNvPr id="10" name="テキスト ボックス 9">
+            <a:extLst>
+              <a:ext uri="{FF2B5EF4-FFF2-40B4-BE49-F238E27FC236}">
+                <a16:creationId xmlns:a16="http://schemas.microsoft.com/office/drawing/2014/main" id="{8DB4E4EE-76B2-46D0-A112-EBA725760402}"/>
+              </a:ext>
+            </a:extLst>
+          </p:cNvPr>
+          <p:cNvSpPr txBox="1"/>
+          <p:nvPr/>
+        </p:nvSpPr>
+        <p:spPr>
+          <a:xfrm rot="5400000">
+            <a:off x="2196445" y="3590529"/>
+            <a:ext cx="606256" cy="646331"/>
+          </a:xfrm>
+          <a:prstGeom prst="rect">
+            <a:avLst/>
+          </a:prstGeom>
+          <a:noFill/>
+        </p:spPr>
+        <p:txBody>
+          <a:bodyPr wrap="none" rtlCol="0">
+            <a:spAutoFit/>
+          </a:bodyPr>
+          <a:lstStyle/>
+          <a:p>
+            <a:r>
+              <a:rPr kumimoji="1" lang="en-US" altLang="ja-JP" sz="3600" b="1" dirty="0">
+                <a:latin typeface="Segoe UI" panose="020B0502040204020203" pitchFamily="34" charset="0"/>
+                <a:cs typeface="Segoe UI" panose="020B0502040204020203" pitchFamily="34" charset="0"/>
+              </a:rPr>
+              <a:t>…</a:t>
+            </a:r>
+          </a:p>
+        </p:txBody>
+      </p:sp>
+      <p:sp>
+        <p:nvSpPr>
+          <p:cNvPr id="11" name="正方形/長方形 10">
+            <a:extLst>
+              <a:ext uri="{FF2B5EF4-FFF2-40B4-BE49-F238E27FC236}">
+                <a16:creationId xmlns:a16="http://schemas.microsoft.com/office/drawing/2014/main" id="{EB82AB04-29FB-4B2A-9BA6-BD063F164A67}"/>
+              </a:ext>
+            </a:extLst>
+          </p:cNvPr>
+          <p:cNvSpPr/>
+          <p:nvPr/>
+        </p:nvSpPr>
+        <p:spPr>
+          <a:xfrm>
+            <a:off x="235668" y="4650654"/>
+            <a:ext cx="4260915" cy="457200"/>
+          </a:xfrm>
+          <a:prstGeom prst="rect">
+            <a:avLst/>
+          </a:prstGeom>
+          <a:solidFill>
+            <a:schemeClr val="accent2"/>
+          </a:solidFill>
+          <a:ln>
+            <a:noFill/>
+          </a:ln>
+        </p:spPr>
+        <p:style>
+          <a:lnRef idx="2">
+            <a:schemeClr val="accent1">
+              <a:shade val="50000"/>
+            </a:schemeClr>
+          </a:lnRef>
+          <a:fillRef idx="1">
+            <a:schemeClr val="accent1"/>
+          </a:fillRef>
+          <a:effectRef idx="0">
+            <a:schemeClr val="accent1"/>
+          </a:effectRef>
+          <a:fontRef idx="minor">
+            <a:schemeClr val="lt1"/>
+          </a:fontRef>
+        </p:style>
+        <p:txBody>
+          <a:bodyPr rtlCol="0" anchor="ctr"/>
+          <a:lstStyle/>
+          <a:p>
+            <a:pPr algn="ctr"/>
+            <a:r>
+              <a:rPr lang="en-US" altLang="ja-JP" sz="2400" b="1" dirty="0">
+                <a:latin typeface="Segoe UI" panose="020B0502040204020203" pitchFamily="34" charset="0"/>
+                <a:cs typeface="Segoe UI" panose="020B0502040204020203" pitchFamily="34" charset="0"/>
+              </a:rPr>
+              <a:t>runtime or AOT file</a:t>
+            </a:r>
+            <a:endParaRPr kumimoji="1" lang="ja-JP" altLang="en-US" sz="2400" b="1" dirty="0">
+              <a:latin typeface="Segoe UI" panose="020B0502040204020203" pitchFamily="34" charset="0"/>
+              <a:cs typeface="Segoe UI" panose="020B0502040204020203" pitchFamily="34" charset="0"/>
+            </a:endParaRPr>
+          </a:p>
+        </p:txBody>
+      </p:sp>
+      <p:sp>
+        <p:nvSpPr>
+          <p:cNvPr id="12" name="正方形/長方形 11">
+            <a:extLst>
+              <a:ext uri="{FF2B5EF4-FFF2-40B4-BE49-F238E27FC236}">
+                <a16:creationId xmlns:a16="http://schemas.microsoft.com/office/drawing/2014/main" id="{8DEF8802-A369-4121-84D7-2085E80525B6}"/>
+              </a:ext>
+            </a:extLst>
+          </p:cNvPr>
+          <p:cNvSpPr/>
+          <p:nvPr/>
+        </p:nvSpPr>
+        <p:spPr>
+          <a:xfrm>
+            <a:off x="235667" y="5293935"/>
+            <a:ext cx="4260915" cy="457200"/>
+          </a:xfrm>
+          <a:prstGeom prst="rect">
+            <a:avLst/>
+          </a:prstGeom>
+          <a:solidFill>
+            <a:schemeClr val="accent2"/>
+          </a:solidFill>
+          <a:ln>
+            <a:noFill/>
+          </a:ln>
+        </p:spPr>
+        <p:style>
+          <a:lnRef idx="2">
+            <a:schemeClr val="accent1">
+              <a:shade val="50000"/>
+            </a:schemeClr>
+          </a:lnRef>
+          <a:fillRef idx="1">
+            <a:schemeClr val="accent1"/>
+          </a:fillRef>
+          <a:effectRef idx="0">
+            <a:schemeClr val="accent1"/>
+          </a:effectRef>
+          <a:fontRef idx="minor">
+            <a:schemeClr val="lt1"/>
+          </a:fontRef>
+        </p:style>
+        <p:txBody>
+          <a:bodyPr rtlCol="0" anchor="ctr"/>
+          <a:lstStyle/>
+          <a:p>
+            <a:pPr algn="ctr"/>
+            <a:r>
+              <a:rPr lang="en-US" altLang="ja-JP" sz="2400" b="1" dirty="0">
+                <a:latin typeface="Segoe UI" panose="020B0502040204020203" pitchFamily="34" charset="0"/>
+                <a:cs typeface="Segoe UI" panose="020B0502040204020203" pitchFamily="34" charset="0"/>
+              </a:rPr>
+              <a:t>runtime or AOT file</a:t>
+            </a:r>
+            <a:endParaRPr kumimoji="1" lang="ja-JP" altLang="en-US" sz="2400" b="1" dirty="0">
+              <a:latin typeface="Segoe UI" panose="020B0502040204020203" pitchFamily="34" charset="0"/>
+              <a:cs typeface="Segoe UI" panose="020B0502040204020203" pitchFamily="34" charset="0"/>
+            </a:endParaRPr>
+          </a:p>
+        </p:txBody>
+      </p:sp>
+      <p:sp>
+        <p:nvSpPr>
+          <p:cNvPr id="13" name="テキスト ボックス 12">
+            <a:extLst>
+              <a:ext uri="{FF2B5EF4-FFF2-40B4-BE49-F238E27FC236}">
+                <a16:creationId xmlns:a16="http://schemas.microsoft.com/office/drawing/2014/main" id="{2C6EFB9B-CD26-470E-A319-D2C51E2105BD}"/>
+              </a:ext>
+            </a:extLst>
+          </p:cNvPr>
+          <p:cNvSpPr txBox="1"/>
+          <p:nvPr/>
+        </p:nvSpPr>
+        <p:spPr>
+          <a:xfrm rot="5400000">
+            <a:off x="2196444" y="5731098"/>
+            <a:ext cx="606256" cy="646331"/>
+          </a:xfrm>
+          <a:prstGeom prst="rect">
+            <a:avLst/>
+          </a:prstGeom>
+          <a:noFill/>
+        </p:spPr>
+        <p:txBody>
+          <a:bodyPr wrap="none" rtlCol="0">
+            <a:spAutoFit/>
+          </a:bodyPr>
+          <a:lstStyle/>
+          <a:p>
+            <a:r>
+              <a:rPr kumimoji="1" lang="en-US" altLang="ja-JP" sz="3600" b="1" dirty="0">
+                <a:latin typeface="Segoe UI" panose="020B0502040204020203" pitchFamily="34" charset="0"/>
+                <a:cs typeface="Segoe UI" panose="020B0502040204020203" pitchFamily="34" charset="0"/>
+              </a:rPr>
+              <a:t>…</a:t>
+            </a:r>
+          </a:p>
+        </p:txBody>
+      </p:sp>
+      <p:sp>
+        <p:nvSpPr>
+          <p:cNvPr id="14" name="右中かっこ 13">
+            <a:extLst>
+              <a:ext uri="{FF2B5EF4-FFF2-40B4-BE49-F238E27FC236}">
+                <a16:creationId xmlns:a16="http://schemas.microsoft.com/office/drawing/2014/main" id="{8B74EB1A-E92A-42E6-81A7-5E41DD0E101F}"/>
+              </a:ext>
+            </a:extLst>
+          </p:cNvPr>
+          <p:cNvSpPr/>
+          <p:nvPr/>
+        </p:nvSpPr>
+        <p:spPr>
+          <a:xfrm>
+            <a:off x="4826524" y="1187775"/>
+            <a:ext cx="377072" cy="3242820"/>
+          </a:xfrm>
+          <a:prstGeom prst="rightBrace">
+            <a:avLst/>
+          </a:prstGeom>
+          <a:ln w="38100">
+            <a:solidFill>
+              <a:schemeClr val="tx1"/>
+            </a:solidFill>
+          </a:ln>
+        </p:spPr>
+        <p:style>
+          <a:lnRef idx="1">
+            <a:schemeClr val="accent1"/>
+          </a:lnRef>
+          <a:fillRef idx="0">
+            <a:schemeClr val="accent1"/>
+          </a:fillRef>
+          <a:effectRef idx="0">
+            <a:schemeClr val="accent1"/>
+          </a:effectRef>
+          <a:fontRef idx="minor">
+            <a:schemeClr val="tx1"/>
+          </a:fontRef>
+        </p:style>
+        <p:txBody>
+          <a:bodyPr rtlCol="0" anchor="ctr"/>
+          <a:lstStyle/>
+          <a:p>
+            <a:pPr algn="ctr"/>
+            <a:endParaRPr kumimoji="1" lang="ja-JP" altLang="en-US"/>
+          </a:p>
+        </p:txBody>
+      </p:sp>
+      <p:sp>
+        <p:nvSpPr>
+          <p:cNvPr id="15" name="右中かっこ 14">
+            <a:extLst>
+              <a:ext uri="{FF2B5EF4-FFF2-40B4-BE49-F238E27FC236}">
+                <a16:creationId xmlns:a16="http://schemas.microsoft.com/office/drawing/2014/main" id="{82C83F60-3EA3-4664-8878-46B99C88DD88}"/>
+              </a:ext>
+            </a:extLst>
+          </p:cNvPr>
+          <p:cNvSpPr/>
+          <p:nvPr/>
+        </p:nvSpPr>
+        <p:spPr>
+          <a:xfrm>
+            <a:off x="4826524" y="4522505"/>
+            <a:ext cx="377072" cy="2052000"/>
+          </a:xfrm>
+          <a:prstGeom prst="rightBrace">
+            <a:avLst/>
+          </a:prstGeom>
+          <a:ln w="38100">
+            <a:solidFill>
+              <a:schemeClr val="tx1"/>
+            </a:solidFill>
+          </a:ln>
+        </p:spPr>
+        <p:style>
+          <a:lnRef idx="1">
+            <a:schemeClr val="accent1"/>
+          </a:lnRef>
+          <a:fillRef idx="0">
+            <a:schemeClr val="accent1"/>
+          </a:fillRef>
+          <a:effectRef idx="0">
+            <a:schemeClr val="accent1"/>
+          </a:effectRef>
+          <a:fontRef idx="minor">
+            <a:schemeClr val="tx1"/>
+          </a:fontRef>
+        </p:style>
+        <p:txBody>
+          <a:bodyPr rtlCol="0" anchor="ctr"/>
+          <a:lstStyle/>
+          <a:p>
+            <a:pPr algn="ctr"/>
+            <a:endParaRPr kumimoji="1" lang="ja-JP" altLang="en-US"/>
+          </a:p>
+        </p:txBody>
+      </p:sp>
+      <p:sp>
+        <p:nvSpPr>
+          <p:cNvPr id="18" name="四角形: 角を丸くする 17">
+            <a:extLst>
+              <a:ext uri="{FF2B5EF4-FFF2-40B4-BE49-F238E27FC236}">
+                <a16:creationId xmlns:a16="http://schemas.microsoft.com/office/drawing/2014/main" id="{01EC3DAE-7CC2-4E26-ABEB-1C6BF320EE40}"/>
+              </a:ext>
+            </a:extLst>
+          </p:cNvPr>
+          <p:cNvSpPr/>
+          <p:nvPr/>
+        </p:nvSpPr>
+        <p:spPr>
+          <a:xfrm>
+            <a:off x="5530391" y="2351985"/>
+            <a:ext cx="3651315" cy="914400"/>
+          </a:xfrm>
+          <a:prstGeom prst="roundRect">
+            <a:avLst/>
+          </a:prstGeom>
+        </p:spPr>
+        <p:style>
+          <a:lnRef idx="1">
+            <a:schemeClr val="accent6"/>
+          </a:lnRef>
+          <a:fillRef idx="3">
+            <a:schemeClr val="accent6"/>
+          </a:fillRef>
+          <a:effectRef idx="2">
+            <a:schemeClr val="accent6"/>
+          </a:effectRef>
+          <a:fontRef idx="minor">
+            <a:schemeClr val="lt1"/>
+          </a:fontRef>
+        </p:style>
+        <p:txBody>
+          <a:bodyPr rtlCol="0" anchor="ctr"/>
+          <a:lstStyle/>
+          <a:p>
+            <a:pPr algn="ctr"/>
+            <a:r>
+              <a:rPr kumimoji="1" lang="en-US" altLang="ja-JP" sz="2800" b="1" dirty="0" err="1">
+                <a:latin typeface="Segoe UI" panose="020B0502040204020203" pitchFamily="34" charset="0"/>
+                <a:cs typeface="Segoe UI" panose="020B0502040204020203" pitchFamily="34" charset="0"/>
+              </a:rPr>
+              <a:t>MetaData</a:t>
+            </a:r>
+            <a:r>
+              <a:rPr kumimoji="1" lang="en-US" altLang="ja-JP" sz="2800" b="1" dirty="0">
+                <a:latin typeface="Segoe UI" panose="020B0502040204020203" pitchFamily="34" charset="0"/>
+                <a:cs typeface="Segoe UI" panose="020B0502040204020203" pitchFamily="34" charset="0"/>
+              </a:rPr>
+              <a:t> section</a:t>
+            </a:r>
+            <a:endParaRPr kumimoji="1" lang="ja-JP" altLang="en-US" sz="2800" b="1" dirty="0">
+              <a:latin typeface="Segoe UI" panose="020B0502040204020203" pitchFamily="34" charset="0"/>
+              <a:cs typeface="Segoe UI" panose="020B0502040204020203" pitchFamily="34" charset="0"/>
+            </a:endParaRPr>
+          </a:p>
+        </p:txBody>
+      </p:sp>
+      <p:sp>
+        <p:nvSpPr>
+          <p:cNvPr id="19" name="四角形: 角を丸くする 18">
+            <a:extLst>
+              <a:ext uri="{FF2B5EF4-FFF2-40B4-BE49-F238E27FC236}">
+                <a16:creationId xmlns:a16="http://schemas.microsoft.com/office/drawing/2014/main" id="{7089E660-4C0C-4A0A-8244-B198EE502581}"/>
+              </a:ext>
+            </a:extLst>
+          </p:cNvPr>
+          <p:cNvSpPr/>
+          <p:nvPr/>
+        </p:nvSpPr>
+        <p:spPr>
+          <a:xfrm>
+            <a:off x="5530391" y="5091305"/>
+            <a:ext cx="3651315" cy="914400"/>
+          </a:xfrm>
+          <a:prstGeom prst="roundRect">
+            <a:avLst/>
+          </a:prstGeom>
+        </p:spPr>
+        <p:style>
+          <a:lnRef idx="1">
+            <a:schemeClr val="accent6"/>
+          </a:lnRef>
+          <a:fillRef idx="3">
+            <a:schemeClr val="accent6"/>
+          </a:fillRef>
+          <a:effectRef idx="2">
+            <a:schemeClr val="accent6"/>
+          </a:effectRef>
+          <a:fontRef idx="minor">
+            <a:schemeClr val="lt1"/>
+          </a:fontRef>
+        </p:style>
+        <p:txBody>
+          <a:bodyPr rtlCol="0" anchor="ctr"/>
+          <a:lstStyle/>
+          <a:p>
+            <a:pPr algn="ctr"/>
+            <a:r>
+              <a:rPr kumimoji="1" lang="en-US" altLang="ja-JP" sz="2800" b="1" dirty="0">
+                <a:latin typeface="Segoe UI" panose="020B0502040204020203" pitchFamily="34" charset="0"/>
+                <a:cs typeface="Segoe UI" panose="020B0502040204020203" pitchFamily="34" charset="0"/>
+              </a:rPr>
+              <a:t>Code section</a:t>
+            </a:r>
+            <a:endParaRPr kumimoji="1" lang="ja-JP" altLang="en-US" sz="2800" b="1" dirty="0">
+              <a:latin typeface="Segoe UI" panose="020B0502040204020203" pitchFamily="34" charset="0"/>
+              <a:cs typeface="Segoe UI" panose="020B0502040204020203" pitchFamily="34" charset="0"/>
+            </a:endParaRPr>
+          </a:p>
+        </p:txBody>
+      </p:sp>
+    </p:spTree>
+    <p:extLst>
+      <p:ext uri="{BB962C8B-B14F-4D97-AF65-F5344CB8AC3E}">
+        <p14:creationId xmlns:p14="http://schemas.microsoft.com/office/powerpoint/2010/main" val="1030082968"/>
+      </p:ext>
+    </p:extLst>
+  </p:cSld>
+  <p:clrMapOvr>
+    <a:masterClrMapping/>
+  </p:clrMapOvr>
+</p:sld>
+</file>
+
 <file path=ppt/theme/theme1.xml><?xml version="1.0" encoding="utf-8"?>
 <a:theme xmlns:a="http://schemas.openxmlformats.org/drawingml/2006/main" name="Office テーマ">
   <a:themeElements>

--- a/docs/assets/figures.pptx
+++ b/docs/assets/figures.pptx
@@ -11,6 +11,7 @@
     <p:sldId id="259" r:id="rId5"/>
     <p:sldId id="260" r:id="rId6"/>
     <p:sldId id="261" r:id="rId7"/>
+    <p:sldId id="262" r:id="rId8"/>
   </p:sldIdLst>
   <p:sldSz cx="12192000" cy="6858000"/>
   <p:notesSz cx="6858000" cy="9144000"/>
@@ -264,7 +265,7 @@
           <a:p>
             <a:fld id="{1DFA3FD5-EC74-451D-A3C3-E0FA1B7C5D17}" type="datetimeFigureOut">
               <a:rPr kumimoji="1" lang="ja-JP" altLang="en-US" smtClean="0"/>
-              <a:t>2021/2/24</a:t>
+              <a:t>2021/3/5</a:t>
             </a:fld>
             <a:endParaRPr kumimoji="1" lang="ja-JP" altLang="en-US"/>
           </a:p>
@@ -494,7 +495,7 @@
           <a:p>
             <a:fld id="{1DFA3FD5-EC74-451D-A3C3-E0FA1B7C5D17}" type="datetimeFigureOut">
               <a:rPr kumimoji="1" lang="ja-JP" altLang="en-US" smtClean="0"/>
-              <a:t>2021/2/24</a:t>
+              <a:t>2021/3/5</a:t>
             </a:fld>
             <a:endParaRPr kumimoji="1" lang="ja-JP" altLang="en-US"/>
           </a:p>
@@ -734,7 +735,7 @@
           <a:p>
             <a:fld id="{1DFA3FD5-EC74-451D-A3C3-E0FA1B7C5D17}" type="datetimeFigureOut">
               <a:rPr kumimoji="1" lang="ja-JP" altLang="en-US" smtClean="0"/>
-              <a:t>2021/2/24</a:t>
+              <a:t>2021/3/5</a:t>
             </a:fld>
             <a:endParaRPr kumimoji="1" lang="ja-JP" altLang="en-US"/>
           </a:p>
@@ -964,7 +965,7 @@
           <a:p>
             <a:fld id="{1DFA3FD5-EC74-451D-A3C3-E0FA1B7C5D17}" type="datetimeFigureOut">
               <a:rPr kumimoji="1" lang="ja-JP" altLang="en-US" smtClean="0"/>
-              <a:t>2021/2/24</a:t>
+              <a:t>2021/3/5</a:t>
             </a:fld>
             <a:endParaRPr kumimoji="1" lang="ja-JP" altLang="en-US"/>
           </a:p>
@@ -1239,7 +1240,7 @@
           <a:p>
             <a:fld id="{1DFA3FD5-EC74-451D-A3C3-E0FA1B7C5D17}" type="datetimeFigureOut">
               <a:rPr kumimoji="1" lang="ja-JP" altLang="en-US" smtClean="0"/>
-              <a:t>2021/2/24</a:t>
+              <a:t>2021/3/5</a:t>
             </a:fld>
             <a:endParaRPr kumimoji="1" lang="ja-JP" altLang="en-US"/>
           </a:p>
@@ -1568,7 +1569,7 @@
           <a:p>
             <a:fld id="{1DFA3FD5-EC74-451D-A3C3-E0FA1B7C5D17}" type="datetimeFigureOut">
               <a:rPr kumimoji="1" lang="ja-JP" altLang="en-US" smtClean="0"/>
-              <a:t>2021/2/24</a:t>
+              <a:t>2021/3/5</a:t>
             </a:fld>
             <a:endParaRPr kumimoji="1" lang="ja-JP" altLang="en-US"/>
           </a:p>
@@ -2044,7 +2045,7 @@
           <a:p>
             <a:fld id="{1DFA3FD5-EC74-451D-A3C3-E0FA1B7C5D17}" type="datetimeFigureOut">
               <a:rPr kumimoji="1" lang="ja-JP" altLang="en-US" smtClean="0"/>
-              <a:t>2021/2/24</a:t>
+              <a:t>2021/3/5</a:t>
             </a:fld>
             <a:endParaRPr kumimoji="1" lang="ja-JP" altLang="en-US"/>
           </a:p>
@@ -2185,7 +2186,7 @@
           <a:p>
             <a:fld id="{1DFA3FD5-EC74-451D-A3C3-E0FA1B7C5D17}" type="datetimeFigureOut">
               <a:rPr kumimoji="1" lang="ja-JP" altLang="en-US" smtClean="0"/>
-              <a:t>2021/2/24</a:t>
+              <a:t>2021/3/5</a:t>
             </a:fld>
             <a:endParaRPr kumimoji="1" lang="ja-JP" altLang="en-US"/>
           </a:p>
@@ -2298,7 +2299,7 @@
           <a:p>
             <a:fld id="{1DFA3FD5-EC74-451D-A3C3-E0FA1B7C5D17}" type="datetimeFigureOut">
               <a:rPr kumimoji="1" lang="ja-JP" altLang="en-US" smtClean="0"/>
-              <a:t>2021/2/24</a:t>
+              <a:t>2021/3/5</a:t>
             </a:fld>
             <a:endParaRPr kumimoji="1" lang="ja-JP" altLang="en-US"/>
           </a:p>
@@ -2641,7 +2642,7 @@
           <a:p>
             <a:fld id="{1DFA3FD5-EC74-451D-A3C3-E0FA1B7C5D17}" type="datetimeFigureOut">
               <a:rPr kumimoji="1" lang="ja-JP" altLang="en-US" smtClean="0"/>
-              <a:t>2021/2/24</a:t>
+              <a:t>2021/3/5</a:t>
             </a:fld>
             <a:endParaRPr kumimoji="1" lang="ja-JP" altLang="en-US"/>
           </a:p>
@@ -2929,7 +2930,7 @@
           <a:p>
             <a:fld id="{1DFA3FD5-EC74-451D-A3C3-E0FA1B7C5D17}" type="datetimeFigureOut">
               <a:rPr kumimoji="1" lang="ja-JP" altLang="en-US" smtClean="0"/>
-              <a:t>2021/2/24</a:t>
+              <a:t>2021/3/5</a:t>
             </a:fld>
             <a:endParaRPr kumimoji="1" lang="ja-JP" altLang="en-US"/>
           </a:p>
@@ -3202,7 +3203,7 @@
           <a:p>
             <a:fld id="{1DFA3FD5-EC74-451D-A3C3-E0FA1B7C5D17}" type="datetimeFigureOut">
               <a:rPr kumimoji="1" lang="ja-JP" altLang="en-US" smtClean="0"/>
-              <a:t>2021/2/24</a:t>
+              <a:t>2021/3/5</a:t>
             </a:fld>
             <a:endParaRPr kumimoji="1" lang="ja-JP" altLang="en-US"/>
           </a:p>
@@ -5342,10 +5343,10 @@
       </p:grpSpPr>
       <p:grpSp>
         <p:nvGrpSpPr>
-          <p:cNvPr id="3" name="グループ化 2">
+          <p:cNvPr id="8" name="グループ化 7">
             <a:extLst>
               <a:ext uri="{FF2B5EF4-FFF2-40B4-BE49-F238E27FC236}">
-                <a16:creationId xmlns:a16="http://schemas.microsoft.com/office/drawing/2014/main" id="{9DEA09EA-82E5-49AB-81E4-D3DBD32DC910}"/>
+                <a16:creationId xmlns:a16="http://schemas.microsoft.com/office/drawing/2014/main" id="{7DBBD97D-4812-491C-BD03-FED30F49B9E6}"/>
               </a:ext>
             </a:extLst>
           </p:cNvPr>
@@ -5354,10 +5355,10 @@
         </p:nvGrpSpPr>
         <p:grpSpPr>
           <a:xfrm>
-            <a:off x="494166" y="353663"/>
-            <a:ext cx="11411888" cy="5701203"/>
-            <a:chOff x="494166" y="353663"/>
-            <a:chExt cx="11411888" cy="5701203"/>
+            <a:off x="879536" y="1151693"/>
+            <a:ext cx="11026518" cy="4577358"/>
+            <a:chOff x="879536" y="1151693"/>
+            <a:chExt cx="11026518" cy="4577358"/>
           </a:xfrm>
         </p:grpSpPr>
         <p:sp>
@@ -5374,7 +5375,7 @@
           </p:nvSpPr>
           <p:spPr>
             <a:xfrm>
-              <a:off x="2432115" y="5576765"/>
+              <a:off x="2432115" y="5250950"/>
               <a:ext cx="9473939" cy="478101"/>
             </a:xfrm>
             <a:prstGeom prst="roundRect">
@@ -5464,652 +5465,551 @@
             <a:p>
               <a:pPr algn="ctr"/>
               <a:r>
-                <a:rPr kumimoji="1" lang="en-US" altLang="ja-JP" dirty="0" err="1">
+                <a:rPr kumimoji="1" lang="en-US" altLang="ja-JP" b="1" dirty="0" err="1">
                   <a:solidFill>
-                    <a:schemeClr val="tx1"/>
+                    <a:schemeClr val="bg1"/>
                   </a:solidFill>
                   <a:latin typeface="Source Code Pro" panose="020B0509030403020204" pitchFamily="49" charset="0"/>
                   <a:ea typeface="Source Code Pro" panose="020B0509030403020204" pitchFamily="49" charset="0"/>
                 </a:rPr>
                 <a:t>oahd</a:t>
               </a:r>
-              <a:endParaRPr kumimoji="1" lang="ja-JP" altLang="en-US" dirty="0">
+              <a:endParaRPr kumimoji="1" lang="ja-JP" altLang="en-US" b="1" dirty="0">
                 <a:solidFill>
-                  <a:schemeClr val="tx1"/>
+                  <a:schemeClr val="bg1"/>
                 </a:solidFill>
                 <a:latin typeface="Source Code Pro" panose="020B0509030403020204" pitchFamily="49" charset="0"/>
               </a:endParaRPr>
             </a:p>
           </p:txBody>
         </p:sp>
-        <p:grpSp>
-          <p:nvGrpSpPr>
-            <p:cNvPr id="21" name="グループ化 20">
+        <p:sp>
+          <p:nvSpPr>
+            <p:cNvPr id="5" name="四角形: 角を丸くする 4">
               <a:extLst>
                 <a:ext uri="{FF2B5EF4-FFF2-40B4-BE49-F238E27FC236}">
-                  <a16:creationId xmlns:a16="http://schemas.microsoft.com/office/drawing/2014/main" id="{A2C449F9-EF81-4502-9C6E-A08F322031F5}"/>
+                  <a16:creationId xmlns:a16="http://schemas.microsoft.com/office/drawing/2014/main" id="{A81B3E17-4F52-4B15-9C53-6EB2875B8A52}"/>
                 </a:ext>
               </a:extLst>
             </p:cNvPr>
-            <p:cNvGrpSpPr/>
+            <p:cNvSpPr/>
             <p:nvPr/>
-          </p:nvGrpSpPr>
-          <p:grpSpPr>
+          </p:nvSpPr>
+          <p:spPr>
             <a:xfrm>
-              <a:off x="494166" y="353663"/>
-              <a:ext cx="4751165" cy="4376279"/>
-              <a:chOff x="494166" y="619671"/>
-              <a:chExt cx="4751165" cy="4376279"/>
+              <a:off x="879536" y="1558665"/>
+              <a:ext cx="4751165" cy="2971222"/>
             </a:xfrm>
-          </p:grpSpPr>
-          <p:sp>
-            <p:nvSpPr>
-              <p:cNvPr id="5" name="四角形: 角を丸くする 4">
-                <a:extLst>
-                  <a:ext uri="{FF2B5EF4-FFF2-40B4-BE49-F238E27FC236}">
-                    <a16:creationId xmlns:a16="http://schemas.microsoft.com/office/drawing/2014/main" id="{A81B3E17-4F52-4B15-9C53-6EB2875B8A52}"/>
-                  </a:ext>
-                </a:extLst>
-              </p:cNvPr>
-              <p:cNvSpPr/>
-              <p:nvPr/>
-            </p:nvSpPr>
-            <p:spPr>
-              <a:xfrm>
-                <a:off x="494166" y="1022236"/>
-                <a:ext cx="4751165" cy="3973714"/>
-              </a:xfrm>
-              <a:prstGeom prst="roundRect">
-                <a:avLst/>
-              </a:prstGeom>
+            <a:prstGeom prst="roundRect">
+              <a:avLst/>
+            </a:prstGeom>
+            <a:noFill/>
+            <a:ln w="28575">
+              <a:solidFill>
+                <a:schemeClr val="tx1"/>
+              </a:solidFill>
+            </a:ln>
+          </p:spPr>
+          <p:style>
+            <a:lnRef idx="2">
+              <a:schemeClr val="accent1">
+                <a:shade val="50000"/>
+              </a:schemeClr>
+            </a:lnRef>
+            <a:fillRef idx="1">
+              <a:schemeClr val="accent1"/>
+            </a:fillRef>
+            <a:effectRef idx="0">
+              <a:schemeClr val="accent1"/>
+            </a:effectRef>
+            <a:fontRef idx="minor">
+              <a:schemeClr val="lt1"/>
+            </a:fontRef>
+          </p:style>
+          <p:txBody>
+            <a:bodyPr rtlCol="0" anchor="ctr"/>
+            <a:lstStyle/>
+            <a:p>
+              <a:pPr algn="ctr"/>
+              <a:endParaRPr kumimoji="1" lang="ja-JP" altLang="en-US"/>
+            </a:p>
+          </p:txBody>
+        </p:sp>
+        <p:sp>
+          <p:nvSpPr>
+            <p:cNvPr id="6" name="正方形/長方形 5">
+              <a:extLst>
+                <a:ext uri="{FF2B5EF4-FFF2-40B4-BE49-F238E27FC236}">
+                  <a16:creationId xmlns:a16="http://schemas.microsoft.com/office/drawing/2014/main" id="{3D59DFE6-809F-4EC6-9C7B-BE2551A3FD1D}"/>
+                </a:ext>
+              </a:extLst>
+            </p:cNvPr>
+            <p:cNvSpPr/>
+            <p:nvPr/>
+          </p:nvSpPr>
+          <p:spPr>
+            <a:xfrm>
+              <a:off x="1155167" y="1897640"/>
+              <a:ext cx="4026640" cy="293842"/>
+            </a:xfrm>
+            <a:prstGeom prst="rect">
+              <a:avLst/>
+            </a:prstGeom>
+            <a:solidFill>
+              <a:schemeClr val="accent2"/>
+            </a:solidFill>
+            <a:ln>
               <a:noFill/>
-              <a:ln w="28575">
-                <a:solidFill>
-                  <a:schemeClr val="tx1"/>
-                </a:solidFill>
-              </a:ln>
-            </p:spPr>
-            <p:style>
-              <a:lnRef idx="2">
-                <a:schemeClr val="accent1">
-                  <a:shade val="50000"/>
-                </a:schemeClr>
-              </a:lnRef>
-              <a:fillRef idx="1">
-                <a:schemeClr val="accent1"/>
-              </a:fillRef>
-              <a:effectRef idx="0">
-                <a:schemeClr val="accent1"/>
-              </a:effectRef>
-              <a:fontRef idx="minor">
-                <a:schemeClr val="lt1"/>
-              </a:fontRef>
-            </p:style>
-            <p:txBody>
-              <a:bodyPr rtlCol="0" anchor="ctr"/>
-              <a:lstStyle/>
-              <a:p>
-                <a:pPr algn="ctr"/>
-                <a:endParaRPr kumimoji="1" lang="ja-JP" altLang="en-US"/>
-              </a:p>
-            </p:txBody>
-          </p:sp>
-          <p:sp>
-            <p:nvSpPr>
-              <p:cNvPr id="6" name="正方形/長方形 5">
-                <a:extLst>
-                  <a:ext uri="{FF2B5EF4-FFF2-40B4-BE49-F238E27FC236}">
-                    <a16:creationId xmlns:a16="http://schemas.microsoft.com/office/drawing/2014/main" id="{3D59DFE6-809F-4EC6-9C7B-BE2551A3FD1D}"/>
-                  </a:ext>
-                </a:extLst>
-              </p:cNvPr>
-              <p:cNvSpPr/>
-              <p:nvPr/>
-            </p:nvSpPr>
-            <p:spPr>
-              <a:xfrm>
-                <a:off x="769799" y="1325607"/>
-                <a:ext cx="4026640" cy="293842"/>
-              </a:xfrm>
-              <a:prstGeom prst="rect">
-                <a:avLst/>
-              </a:prstGeom>
-              <a:solidFill>
-                <a:schemeClr val="accent2"/>
-              </a:solidFill>
-              <a:ln>
-                <a:noFill/>
-              </a:ln>
-            </p:spPr>
-            <p:style>
-              <a:lnRef idx="2">
-                <a:schemeClr val="accent1">
-                  <a:shade val="50000"/>
-                </a:schemeClr>
-              </a:lnRef>
-              <a:fillRef idx="1">
-                <a:schemeClr val="accent1"/>
-              </a:fillRef>
-              <a:effectRef idx="0">
-                <a:schemeClr val="accent1"/>
-              </a:effectRef>
-              <a:fontRef idx="minor">
-                <a:schemeClr val="lt1"/>
-              </a:fontRef>
-            </p:style>
-            <p:txBody>
-              <a:bodyPr rtlCol="0" anchor="ctr"/>
-              <a:lstStyle/>
-              <a:p>
-                <a:pPr algn="ctr"/>
-                <a:r>
-                  <a:rPr lang="en-US" altLang="ja-JP" dirty="0">
-                    <a:solidFill>
-                      <a:schemeClr val="tx1"/>
-                    </a:solidFill>
-                    <a:latin typeface="Source Code Pro" panose="020B0509030403020204" pitchFamily="49" charset="0"/>
-                    <a:ea typeface="Source Code Pro" panose="020B0509030403020204" pitchFamily="49" charset="0"/>
-                    <a:cs typeface="Segoe UI" panose="020B0502040204020203" pitchFamily="34" charset="0"/>
-                  </a:rPr>
-                  <a:t>00d232…/</a:t>
-                </a:r>
-                <a:r>
-                  <a:rPr lang="en-US" altLang="ja-JP" dirty="0" err="1">
-                    <a:solidFill>
-                      <a:schemeClr val="tx1"/>
-                    </a:solidFill>
-                    <a:latin typeface="Source Code Pro" panose="020B0509030403020204" pitchFamily="49" charset="0"/>
-                    <a:ea typeface="Source Code Pro" panose="020B0509030403020204" pitchFamily="49" charset="0"/>
-                    <a:cs typeface="Segoe UI" panose="020B0502040204020203" pitchFamily="34" charset="0"/>
-                  </a:rPr>
-                  <a:t>chmod.aot</a:t>
-                </a:r>
-                <a:endParaRPr kumimoji="1" lang="ja-JP" altLang="en-US" dirty="0">
+            </a:ln>
+          </p:spPr>
+          <p:style>
+            <a:lnRef idx="2">
+              <a:schemeClr val="accent1">
+                <a:shade val="50000"/>
+              </a:schemeClr>
+            </a:lnRef>
+            <a:fillRef idx="1">
+              <a:schemeClr val="accent1"/>
+            </a:fillRef>
+            <a:effectRef idx="0">
+              <a:schemeClr val="accent1"/>
+            </a:effectRef>
+            <a:fontRef idx="minor">
+              <a:schemeClr val="lt1"/>
+            </a:fontRef>
+          </p:style>
+          <p:txBody>
+            <a:bodyPr rtlCol="0" anchor="ctr"/>
+            <a:lstStyle/>
+            <a:p>
+              <a:pPr algn="ctr"/>
+              <a:r>
+                <a:rPr lang="en-US" altLang="ja-JP" b="1" dirty="0">
                   <a:solidFill>
-                    <a:schemeClr val="tx1"/>
+                    <a:schemeClr val="bg1"/>
                   </a:solidFill>
                   <a:latin typeface="Source Code Pro" panose="020B0509030403020204" pitchFamily="49" charset="0"/>
+                  <a:ea typeface="Source Code Pro" panose="020B0509030403020204" pitchFamily="49" charset="0"/>
                   <a:cs typeface="Segoe UI" panose="020B0502040204020203" pitchFamily="34" charset="0"/>
-                </a:endParaRPr>
-              </a:p>
-            </p:txBody>
-          </p:sp>
-          <p:sp>
-            <p:nvSpPr>
-              <p:cNvPr id="10" name="テキスト ボックス 9">
-                <a:extLst>
-                  <a:ext uri="{FF2B5EF4-FFF2-40B4-BE49-F238E27FC236}">
-                    <a16:creationId xmlns:a16="http://schemas.microsoft.com/office/drawing/2014/main" id="{B1776E31-9983-4BF4-A08C-118AE8BB3624}"/>
-                  </a:ext>
-                </a:extLst>
-              </p:cNvPr>
-              <p:cNvSpPr txBox="1"/>
-              <p:nvPr/>
-            </p:nvSpPr>
-            <p:spPr>
-              <a:xfrm>
-                <a:off x="1228842" y="619671"/>
-                <a:ext cx="3108543" cy="400110"/>
-              </a:xfrm>
-              <a:prstGeom prst="rect">
-                <a:avLst/>
-              </a:prstGeom>
-              <a:noFill/>
-            </p:spPr>
-            <p:txBody>
-              <a:bodyPr wrap="none" rtlCol="0">
-                <a:spAutoFit/>
-              </a:bodyPr>
-              <a:lstStyle/>
-              <a:p>
-                <a:r>
-                  <a:rPr kumimoji="1" lang="en-US" altLang="ja-JP" sz="2000" dirty="0">
-                    <a:latin typeface="Source Code Pro" panose="020B0509030403020204" pitchFamily="49" charset="0"/>
-                    <a:ea typeface="Source Code Pro" panose="020B0509030403020204" pitchFamily="49" charset="0"/>
-                    <a:cs typeface="Segoe UI" panose="020B0502040204020203" pitchFamily="34" charset="0"/>
-                  </a:rPr>
-                  <a:t>/var/</a:t>
-                </a:r>
-                <a:r>
-                  <a:rPr kumimoji="1" lang="en-US" altLang="ja-JP" sz="2000" dirty="0" err="1">
-                    <a:latin typeface="Source Code Pro" panose="020B0509030403020204" pitchFamily="49" charset="0"/>
-                    <a:ea typeface="Source Code Pro" panose="020B0509030403020204" pitchFamily="49" charset="0"/>
-                    <a:cs typeface="Segoe UI" panose="020B0502040204020203" pitchFamily="34" charset="0"/>
-                  </a:rPr>
-                  <a:t>db</a:t>
-                </a:r>
-                <a:r>
-                  <a:rPr kumimoji="1" lang="en-US" altLang="ja-JP" sz="2000" dirty="0">
-                    <a:latin typeface="Source Code Pro" panose="020B0509030403020204" pitchFamily="49" charset="0"/>
-                    <a:ea typeface="Source Code Pro" panose="020B0509030403020204" pitchFamily="49" charset="0"/>
-                    <a:cs typeface="Segoe UI" panose="020B0502040204020203" pitchFamily="34" charset="0"/>
-                  </a:rPr>
-                  <a:t>/</a:t>
-                </a:r>
-                <a:r>
-                  <a:rPr kumimoji="1" lang="en-US" altLang="ja-JP" sz="2000" dirty="0" err="1">
-                    <a:latin typeface="Source Code Pro" panose="020B0509030403020204" pitchFamily="49" charset="0"/>
-                    <a:ea typeface="Source Code Pro" panose="020B0509030403020204" pitchFamily="49" charset="0"/>
-                    <a:cs typeface="Segoe UI" panose="020B0502040204020203" pitchFamily="34" charset="0"/>
-                  </a:rPr>
-                  <a:t>oah</a:t>
-                </a:r>
-                <a:r>
-                  <a:rPr kumimoji="1" lang="en-US" altLang="ja-JP" sz="2000" dirty="0">
-                    <a:latin typeface="Source Code Pro" panose="020B0509030403020204" pitchFamily="49" charset="0"/>
-                    <a:ea typeface="Source Code Pro" panose="020B0509030403020204" pitchFamily="49" charset="0"/>
-                    <a:cs typeface="Segoe UI" panose="020B0502040204020203" pitchFamily="34" charset="0"/>
-                  </a:rPr>
-                  <a:t>/16c678…</a:t>
-                </a:r>
-                <a:endParaRPr kumimoji="1" lang="ja-JP" altLang="en-US" sz="2000" dirty="0">
-                  <a:latin typeface="Source Code Pro" panose="020B0509030403020204" pitchFamily="49" charset="0"/>
-                  <a:cs typeface="Segoe UI" panose="020B0502040204020203" pitchFamily="34" charset="0"/>
-                </a:endParaRPr>
-              </a:p>
-            </p:txBody>
-          </p:sp>
-          <p:sp>
-            <p:nvSpPr>
-              <p:cNvPr id="11" name="正方形/長方形 10">
-                <a:extLst>
-                  <a:ext uri="{FF2B5EF4-FFF2-40B4-BE49-F238E27FC236}">
-                    <a16:creationId xmlns:a16="http://schemas.microsoft.com/office/drawing/2014/main" id="{78D9E731-2316-430E-9DDA-D32998C78FDE}"/>
-                  </a:ext>
-                </a:extLst>
-              </p:cNvPr>
-              <p:cNvSpPr/>
-              <p:nvPr/>
-            </p:nvSpPr>
-            <p:spPr>
-              <a:xfrm>
-                <a:off x="769798" y="1922820"/>
-                <a:ext cx="4026641" cy="293842"/>
-              </a:xfrm>
-              <a:prstGeom prst="rect">
-                <a:avLst/>
-              </a:prstGeom>
-              <a:solidFill>
-                <a:schemeClr val="accent2"/>
-              </a:solidFill>
-              <a:ln>
-                <a:noFill/>
-              </a:ln>
-            </p:spPr>
-            <p:style>
-              <a:lnRef idx="2">
-                <a:schemeClr val="accent1">
-                  <a:shade val="50000"/>
-                </a:schemeClr>
-              </a:lnRef>
-              <a:fillRef idx="1">
-                <a:schemeClr val="accent1"/>
-              </a:fillRef>
-              <a:effectRef idx="0">
-                <a:schemeClr val="accent1"/>
-              </a:effectRef>
-              <a:fontRef idx="minor">
-                <a:schemeClr val="lt1"/>
-              </a:fontRef>
-            </p:style>
-            <p:txBody>
-              <a:bodyPr rtlCol="0" anchor="ctr"/>
-              <a:lstStyle/>
-              <a:p>
-                <a:pPr algn="ctr"/>
-                <a:r>
-                  <a:rPr lang="en-US" altLang="ja-JP" dirty="0">
-                    <a:solidFill>
-                      <a:schemeClr val="tx1"/>
-                    </a:solidFill>
-                    <a:latin typeface="Source Code Pro" panose="020B0509030403020204" pitchFamily="49" charset="0"/>
-                    <a:ea typeface="Source Code Pro" panose="020B0509030403020204" pitchFamily="49" charset="0"/>
-                    <a:cs typeface="Segoe UI" panose="020B0502040204020203" pitchFamily="34" charset="0"/>
-                  </a:rPr>
-                  <a:t>023f62…/</a:t>
-                </a:r>
-                <a:r>
-                  <a:rPr lang="en-US" altLang="ja-JP" dirty="0" err="1">
-                    <a:solidFill>
-                      <a:schemeClr val="tx1"/>
-                    </a:solidFill>
-                    <a:latin typeface="Source Code Pro" panose="020B0509030403020204" pitchFamily="49" charset="0"/>
-                    <a:ea typeface="Source Code Pro" panose="020B0509030403020204" pitchFamily="49" charset="0"/>
-                    <a:cs typeface="Segoe UI" panose="020B0502040204020203" pitchFamily="34" charset="0"/>
-                  </a:rPr>
-                  <a:t>git.aot</a:t>
-                </a:r>
-                <a:endParaRPr kumimoji="1" lang="ja-JP" altLang="en-US" dirty="0">
+                </a:rPr>
+                <a:t>00d232…/</a:t>
+              </a:r>
+              <a:r>
+                <a:rPr lang="en-US" altLang="ja-JP" b="1" dirty="0" err="1">
                   <a:solidFill>
-                    <a:schemeClr val="tx1"/>
+                    <a:schemeClr val="bg1"/>
                   </a:solidFill>
                   <a:latin typeface="Source Code Pro" panose="020B0509030403020204" pitchFamily="49" charset="0"/>
+                  <a:ea typeface="Source Code Pro" panose="020B0509030403020204" pitchFamily="49" charset="0"/>
                   <a:cs typeface="Segoe UI" panose="020B0502040204020203" pitchFamily="34" charset="0"/>
-                </a:endParaRPr>
-              </a:p>
-            </p:txBody>
-          </p:sp>
-          <p:sp>
-            <p:nvSpPr>
-              <p:cNvPr id="12" name="正方形/長方形 11">
-                <a:extLst>
-                  <a:ext uri="{FF2B5EF4-FFF2-40B4-BE49-F238E27FC236}">
-                    <a16:creationId xmlns:a16="http://schemas.microsoft.com/office/drawing/2014/main" id="{88A6AA35-8FAC-4089-B5D7-8683E1B1282F}"/>
-                  </a:ext>
-                </a:extLst>
-              </p:cNvPr>
-              <p:cNvSpPr/>
-              <p:nvPr/>
-            </p:nvSpPr>
-            <p:spPr>
-              <a:xfrm>
-                <a:off x="769798" y="3117246"/>
-                <a:ext cx="4026642" cy="293842"/>
-              </a:xfrm>
-              <a:prstGeom prst="rect">
-                <a:avLst/>
-              </a:prstGeom>
-              <a:solidFill>
-                <a:schemeClr val="accent2"/>
-              </a:solidFill>
-              <a:ln>
-                <a:noFill/>
-              </a:ln>
-            </p:spPr>
-            <p:style>
-              <a:lnRef idx="2">
-                <a:schemeClr val="accent1">
-                  <a:shade val="50000"/>
-                </a:schemeClr>
-              </a:lnRef>
-              <a:fillRef idx="1">
-                <a:schemeClr val="accent1"/>
-              </a:fillRef>
-              <a:effectRef idx="0">
-                <a:schemeClr val="accent1"/>
-              </a:effectRef>
-              <a:fontRef idx="minor">
-                <a:schemeClr val="lt1"/>
-              </a:fontRef>
-            </p:style>
-            <p:txBody>
-              <a:bodyPr rtlCol="0" anchor="ctr"/>
-              <a:lstStyle/>
-              <a:p>
-                <a:pPr algn="ctr"/>
-                <a:r>
-                  <a:rPr lang="en-US" altLang="ja-JP" dirty="0">
-                    <a:solidFill>
-                      <a:schemeClr val="tx1"/>
-                    </a:solidFill>
-                    <a:latin typeface="Source Code Pro" panose="020B0509030403020204" pitchFamily="49" charset="0"/>
-                    <a:ea typeface="Source Code Pro" panose="020B0509030403020204" pitchFamily="49" charset="0"/>
-                    <a:cs typeface="Segoe UI" panose="020B0502040204020203" pitchFamily="34" charset="0"/>
-                  </a:rPr>
-                  <a:t>045e5e…/</a:t>
-                </a:r>
-                <a:r>
-                  <a:rPr lang="en-US" altLang="ja-JP" dirty="0" err="1">
-                    <a:solidFill>
-                      <a:schemeClr val="tx1"/>
-                    </a:solidFill>
-                    <a:latin typeface="Source Code Pro" panose="020B0509030403020204" pitchFamily="49" charset="0"/>
-                    <a:ea typeface="Source Code Pro" panose="020B0509030403020204" pitchFamily="49" charset="0"/>
-                    <a:cs typeface="Segoe UI" panose="020B0502040204020203" pitchFamily="34" charset="0"/>
-                  </a:rPr>
-                  <a:t>Xcode.aot</a:t>
-                </a:r>
-                <a:endParaRPr kumimoji="1" lang="ja-JP" altLang="en-US" dirty="0">
+                </a:rPr>
+                <a:t>chmod.aot</a:t>
+              </a:r>
+              <a:endParaRPr kumimoji="1" lang="ja-JP" altLang="en-US" b="1" dirty="0">
+                <a:solidFill>
+                  <a:schemeClr val="bg1"/>
+                </a:solidFill>
+                <a:latin typeface="Source Code Pro" panose="020B0509030403020204" pitchFamily="49" charset="0"/>
+                <a:cs typeface="Segoe UI" panose="020B0502040204020203" pitchFamily="34" charset="0"/>
+              </a:endParaRPr>
+            </a:p>
+          </p:txBody>
+        </p:sp>
+        <p:sp>
+          <p:nvSpPr>
+            <p:cNvPr id="10" name="テキスト ボックス 9">
+              <a:extLst>
+                <a:ext uri="{FF2B5EF4-FFF2-40B4-BE49-F238E27FC236}">
+                  <a16:creationId xmlns:a16="http://schemas.microsoft.com/office/drawing/2014/main" id="{B1776E31-9983-4BF4-A08C-118AE8BB3624}"/>
+                </a:ext>
+              </a:extLst>
+            </p:cNvPr>
+            <p:cNvSpPr txBox="1"/>
+            <p:nvPr/>
+          </p:nvSpPr>
+          <p:spPr>
+            <a:xfrm>
+              <a:off x="1614212" y="1151693"/>
+              <a:ext cx="3108543" cy="400110"/>
+            </a:xfrm>
+            <a:prstGeom prst="rect">
+              <a:avLst/>
+            </a:prstGeom>
+            <a:noFill/>
+          </p:spPr>
+          <p:txBody>
+            <a:bodyPr wrap="none" rtlCol="0">
+              <a:spAutoFit/>
+            </a:bodyPr>
+            <a:lstStyle/>
+            <a:p>
+              <a:r>
+                <a:rPr kumimoji="1" lang="en-US" altLang="ja-JP" sz="2000" dirty="0">
+                  <a:latin typeface="Source Code Pro" panose="020B0509030403020204" pitchFamily="49" charset="0"/>
+                  <a:ea typeface="Source Code Pro" panose="020B0509030403020204" pitchFamily="49" charset="0"/>
+                  <a:cs typeface="Segoe UI" panose="020B0502040204020203" pitchFamily="34" charset="0"/>
+                </a:rPr>
+                <a:t>/var/</a:t>
+              </a:r>
+              <a:r>
+                <a:rPr kumimoji="1" lang="en-US" altLang="ja-JP" sz="2000" dirty="0" err="1">
+                  <a:latin typeface="Source Code Pro" panose="020B0509030403020204" pitchFamily="49" charset="0"/>
+                  <a:ea typeface="Source Code Pro" panose="020B0509030403020204" pitchFamily="49" charset="0"/>
+                  <a:cs typeface="Segoe UI" panose="020B0502040204020203" pitchFamily="34" charset="0"/>
+                </a:rPr>
+                <a:t>db</a:t>
+              </a:r>
+              <a:r>
+                <a:rPr kumimoji="1" lang="en-US" altLang="ja-JP" sz="2000" dirty="0">
+                  <a:latin typeface="Source Code Pro" panose="020B0509030403020204" pitchFamily="49" charset="0"/>
+                  <a:ea typeface="Source Code Pro" panose="020B0509030403020204" pitchFamily="49" charset="0"/>
+                  <a:cs typeface="Segoe UI" panose="020B0502040204020203" pitchFamily="34" charset="0"/>
+                </a:rPr>
+                <a:t>/</a:t>
+              </a:r>
+              <a:r>
+                <a:rPr kumimoji="1" lang="en-US" altLang="ja-JP" sz="2000" dirty="0" err="1">
+                  <a:latin typeface="Source Code Pro" panose="020B0509030403020204" pitchFamily="49" charset="0"/>
+                  <a:ea typeface="Source Code Pro" panose="020B0509030403020204" pitchFamily="49" charset="0"/>
+                  <a:cs typeface="Segoe UI" panose="020B0502040204020203" pitchFamily="34" charset="0"/>
+                </a:rPr>
+                <a:t>oah</a:t>
+              </a:r>
+              <a:r>
+                <a:rPr kumimoji="1" lang="en-US" altLang="ja-JP" sz="2000" dirty="0">
+                  <a:latin typeface="Source Code Pro" panose="020B0509030403020204" pitchFamily="49" charset="0"/>
+                  <a:ea typeface="Source Code Pro" panose="020B0509030403020204" pitchFamily="49" charset="0"/>
+                  <a:cs typeface="Segoe UI" panose="020B0502040204020203" pitchFamily="34" charset="0"/>
+                </a:rPr>
+                <a:t>/16c678…</a:t>
+              </a:r>
+              <a:endParaRPr kumimoji="1" lang="ja-JP" altLang="en-US" sz="2000" dirty="0">
+                <a:latin typeface="Source Code Pro" panose="020B0509030403020204" pitchFamily="49" charset="0"/>
+                <a:cs typeface="Segoe UI" panose="020B0502040204020203" pitchFamily="34" charset="0"/>
+              </a:endParaRPr>
+            </a:p>
+          </p:txBody>
+        </p:sp>
+        <p:sp>
+          <p:nvSpPr>
+            <p:cNvPr id="12" name="正方形/長方形 11">
+              <a:extLst>
+                <a:ext uri="{FF2B5EF4-FFF2-40B4-BE49-F238E27FC236}">
+                  <a16:creationId xmlns:a16="http://schemas.microsoft.com/office/drawing/2014/main" id="{88A6AA35-8FAC-4089-B5D7-8683E1B1282F}"/>
+                </a:ext>
+              </a:extLst>
+            </p:cNvPr>
+            <p:cNvSpPr/>
+            <p:nvPr/>
+          </p:nvSpPr>
+          <p:spPr>
+            <a:xfrm>
+              <a:off x="1155162" y="2803134"/>
+              <a:ext cx="4026642" cy="293842"/>
+            </a:xfrm>
+            <a:prstGeom prst="rect">
+              <a:avLst/>
+            </a:prstGeom>
+            <a:solidFill>
+              <a:schemeClr val="accent2"/>
+            </a:solidFill>
+            <a:ln>
+              <a:noFill/>
+            </a:ln>
+          </p:spPr>
+          <p:style>
+            <a:lnRef idx="2">
+              <a:schemeClr val="accent1">
+                <a:shade val="50000"/>
+              </a:schemeClr>
+            </a:lnRef>
+            <a:fillRef idx="1">
+              <a:schemeClr val="accent1"/>
+            </a:fillRef>
+            <a:effectRef idx="0">
+              <a:schemeClr val="accent1"/>
+            </a:effectRef>
+            <a:fontRef idx="minor">
+              <a:schemeClr val="lt1"/>
+            </a:fontRef>
+          </p:style>
+          <p:txBody>
+            <a:bodyPr rtlCol="0" anchor="ctr"/>
+            <a:lstStyle/>
+            <a:p>
+              <a:pPr algn="ctr"/>
+              <a:r>
+                <a:rPr lang="en-US" altLang="ja-JP" b="1" dirty="0">
                   <a:solidFill>
-                    <a:schemeClr val="tx1"/>
+                    <a:schemeClr val="bg1"/>
                   </a:solidFill>
                   <a:latin typeface="Source Code Pro" panose="020B0509030403020204" pitchFamily="49" charset="0"/>
+                  <a:ea typeface="Source Code Pro" panose="020B0509030403020204" pitchFamily="49" charset="0"/>
                   <a:cs typeface="Segoe UI" panose="020B0502040204020203" pitchFamily="34" charset="0"/>
-                </a:endParaRPr>
-              </a:p>
-            </p:txBody>
-          </p:sp>
-          <p:sp>
-            <p:nvSpPr>
-              <p:cNvPr id="13" name="正方形/長方形 12">
-                <a:extLst>
-                  <a:ext uri="{FF2B5EF4-FFF2-40B4-BE49-F238E27FC236}">
-                    <a16:creationId xmlns:a16="http://schemas.microsoft.com/office/drawing/2014/main" id="{C1588202-1D2A-4C3B-B685-54EF83AF0DDC}"/>
-                  </a:ext>
-                </a:extLst>
-              </p:cNvPr>
-              <p:cNvSpPr/>
-              <p:nvPr/>
-            </p:nvSpPr>
-            <p:spPr>
-              <a:xfrm>
-                <a:off x="769798" y="2520033"/>
-                <a:ext cx="4026643" cy="293842"/>
-              </a:xfrm>
-              <a:prstGeom prst="rect">
-                <a:avLst/>
-              </a:prstGeom>
-              <a:solidFill>
-                <a:schemeClr val="accent2"/>
-              </a:solidFill>
-              <a:ln>
-                <a:noFill/>
-              </a:ln>
-            </p:spPr>
-            <p:style>
-              <a:lnRef idx="2">
-                <a:schemeClr val="accent1">
-                  <a:shade val="50000"/>
-                </a:schemeClr>
-              </a:lnRef>
-              <a:fillRef idx="1">
-                <a:schemeClr val="accent1"/>
-              </a:fillRef>
-              <a:effectRef idx="0">
-                <a:schemeClr val="accent1"/>
-              </a:effectRef>
-              <a:fontRef idx="minor">
-                <a:schemeClr val="lt1"/>
-              </a:fontRef>
-            </p:style>
-            <p:txBody>
-              <a:bodyPr rtlCol="0" anchor="ctr"/>
-              <a:lstStyle/>
-              <a:p>
-                <a:pPr algn="ctr"/>
-                <a:r>
-                  <a:rPr lang="en-US" altLang="ja-JP" dirty="0">
-                    <a:solidFill>
-                      <a:schemeClr val="tx1"/>
-                    </a:solidFill>
-                    <a:latin typeface="Source Code Pro" panose="020B0509030403020204" pitchFamily="49" charset="0"/>
-                    <a:ea typeface="Source Code Pro" panose="020B0509030403020204" pitchFamily="49" charset="0"/>
-                    <a:cs typeface="Segoe UI" panose="020B0502040204020203" pitchFamily="34" charset="0"/>
-                  </a:rPr>
-                  <a:t>03a2cd…/</a:t>
-                </a:r>
-                <a:r>
-                  <a:rPr lang="en-US" altLang="ja-JP" dirty="0" err="1">
-                    <a:solidFill>
-                      <a:schemeClr val="tx1"/>
-                    </a:solidFill>
-                    <a:latin typeface="Source Code Pro" panose="020B0509030403020204" pitchFamily="49" charset="0"/>
-                    <a:ea typeface="Source Code Pro" panose="020B0509030403020204" pitchFamily="49" charset="0"/>
-                    <a:cs typeface="Segoe UI" panose="020B0502040204020203" pitchFamily="34" charset="0"/>
-                  </a:rPr>
-                  <a:t>Python.aot</a:t>
-                </a:r>
-                <a:endParaRPr kumimoji="1" lang="ja-JP" altLang="en-US" dirty="0">
+                </a:rPr>
+                <a:t>045e5e…/</a:t>
+              </a:r>
+              <a:r>
+                <a:rPr lang="en-US" altLang="ja-JP" b="1" dirty="0" err="1">
                   <a:solidFill>
-                    <a:schemeClr val="tx1"/>
+                    <a:schemeClr val="bg1"/>
                   </a:solidFill>
                   <a:latin typeface="Source Code Pro" panose="020B0509030403020204" pitchFamily="49" charset="0"/>
+                  <a:ea typeface="Source Code Pro" panose="020B0509030403020204" pitchFamily="49" charset="0"/>
                   <a:cs typeface="Segoe UI" panose="020B0502040204020203" pitchFamily="34" charset="0"/>
-                </a:endParaRPr>
-              </a:p>
-            </p:txBody>
-          </p:sp>
-          <p:sp>
-            <p:nvSpPr>
-              <p:cNvPr id="14" name="正方形/長方形 13">
-                <a:extLst>
-                  <a:ext uri="{FF2B5EF4-FFF2-40B4-BE49-F238E27FC236}">
-                    <a16:creationId xmlns:a16="http://schemas.microsoft.com/office/drawing/2014/main" id="{7B991C71-F192-43D9-BE4E-1BCF5A4C78CF}"/>
-                  </a:ext>
-                </a:extLst>
-              </p:cNvPr>
-              <p:cNvSpPr/>
-              <p:nvPr/>
-            </p:nvSpPr>
-            <p:spPr>
-              <a:xfrm>
-                <a:off x="769793" y="3712004"/>
-                <a:ext cx="4026644" cy="293842"/>
-              </a:xfrm>
-              <a:prstGeom prst="rect">
-                <a:avLst/>
-              </a:prstGeom>
-              <a:solidFill>
-                <a:schemeClr val="accent2"/>
-              </a:solidFill>
-              <a:ln>
-                <a:noFill/>
-              </a:ln>
-            </p:spPr>
-            <p:style>
-              <a:lnRef idx="2">
-                <a:schemeClr val="accent1">
-                  <a:shade val="50000"/>
-                </a:schemeClr>
-              </a:lnRef>
-              <a:fillRef idx="1">
-                <a:schemeClr val="accent1"/>
-              </a:fillRef>
-              <a:effectRef idx="0">
-                <a:schemeClr val="accent1"/>
-              </a:effectRef>
-              <a:fontRef idx="minor">
-                <a:schemeClr val="lt1"/>
-              </a:fontRef>
-            </p:style>
-            <p:txBody>
-              <a:bodyPr rtlCol="0" anchor="ctr"/>
-              <a:lstStyle/>
-              <a:p>
-                <a:pPr algn="ctr"/>
-                <a:r>
-                  <a:rPr lang="en-US" altLang="ja-JP" dirty="0">
-                    <a:solidFill>
-                      <a:schemeClr val="tx1"/>
-                    </a:solidFill>
-                    <a:latin typeface="Source Code Pro" panose="020B0509030403020204" pitchFamily="49" charset="0"/>
-                    <a:ea typeface="Source Code Pro" panose="020B0509030403020204" pitchFamily="49" charset="0"/>
-                    <a:cs typeface="Segoe UI" panose="020B0502040204020203" pitchFamily="34" charset="0"/>
-                  </a:rPr>
-                  <a:t>094be9…/</a:t>
-                </a:r>
-                <a:r>
-                  <a:rPr lang="en-US" altLang="ja-JP" dirty="0" err="1">
-                    <a:solidFill>
-                      <a:schemeClr val="tx1"/>
-                    </a:solidFill>
-                    <a:latin typeface="Source Code Pro" panose="020B0509030403020204" pitchFamily="49" charset="0"/>
-                    <a:ea typeface="Source Code Pro" panose="020B0509030403020204" pitchFamily="49" charset="0"/>
-                    <a:cs typeface="Segoe UI" panose="020B0502040204020203" pitchFamily="34" charset="0"/>
-                  </a:rPr>
-                  <a:t>a.out.aot</a:t>
-                </a:r>
-                <a:endParaRPr kumimoji="1" lang="ja-JP" altLang="en-US" dirty="0">
+                </a:rPr>
+                <a:t>Xcode.aot</a:t>
+              </a:r>
+              <a:endParaRPr kumimoji="1" lang="ja-JP" altLang="en-US" b="1" dirty="0">
+                <a:solidFill>
+                  <a:schemeClr val="bg1"/>
+                </a:solidFill>
+                <a:latin typeface="Source Code Pro" panose="020B0509030403020204" pitchFamily="49" charset="0"/>
+                <a:cs typeface="Segoe UI" panose="020B0502040204020203" pitchFamily="34" charset="0"/>
+              </a:endParaRPr>
+            </a:p>
+          </p:txBody>
+        </p:sp>
+        <p:sp>
+          <p:nvSpPr>
+            <p:cNvPr id="13" name="正方形/長方形 12">
+              <a:extLst>
+                <a:ext uri="{FF2B5EF4-FFF2-40B4-BE49-F238E27FC236}">
+                  <a16:creationId xmlns:a16="http://schemas.microsoft.com/office/drawing/2014/main" id="{C1588202-1D2A-4C3B-B685-54EF83AF0DDC}"/>
+                </a:ext>
+              </a:extLst>
+            </p:cNvPr>
+            <p:cNvSpPr/>
+            <p:nvPr/>
+          </p:nvSpPr>
+          <p:spPr>
+            <a:xfrm>
+              <a:off x="1155164" y="2350387"/>
+              <a:ext cx="4026643" cy="293842"/>
+            </a:xfrm>
+            <a:prstGeom prst="rect">
+              <a:avLst/>
+            </a:prstGeom>
+            <a:solidFill>
+              <a:schemeClr val="accent2"/>
+            </a:solidFill>
+            <a:ln>
+              <a:noFill/>
+            </a:ln>
+          </p:spPr>
+          <p:style>
+            <a:lnRef idx="2">
+              <a:schemeClr val="accent1">
+                <a:shade val="50000"/>
+              </a:schemeClr>
+            </a:lnRef>
+            <a:fillRef idx="1">
+              <a:schemeClr val="accent1"/>
+            </a:fillRef>
+            <a:effectRef idx="0">
+              <a:schemeClr val="accent1"/>
+            </a:effectRef>
+            <a:fontRef idx="minor">
+              <a:schemeClr val="lt1"/>
+            </a:fontRef>
+          </p:style>
+          <p:txBody>
+            <a:bodyPr rtlCol="0" anchor="ctr"/>
+            <a:lstStyle/>
+            <a:p>
+              <a:pPr algn="ctr"/>
+              <a:r>
+                <a:rPr lang="en-US" altLang="ja-JP" b="1" dirty="0">
                   <a:solidFill>
-                    <a:schemeClr val="tx1"/>
+                    <a:schemeClr val="bg1"/>
                   </a:solidFill>
                   <a:latin typeface="Source Code Pro" panose="020B0509030403020204" pitchFamily="49" charset="0"/>
+                  <a:ea typeface="Source Code Pro" panose="020B0509030403020204" pitchFamily="49" charset="0"/>
                   <a:cs typeface="Segoe UI" panose="020B0502040204020203" pitchFamily="34" charset="0"/>
-                </a:endParaRPr>
-              </a:p>
-            </p:txBody>
-          </p:sp>
-          <p:sp>
-            <p:nvSpPr>
-              <p:cNvPr id="15" name="正方形/長方形 14">
-                <a:extLst>
-                  <a:ext uri="{FF2B5EF4-FFF2-40B4-BE49-F238E27FC236}">
-                    <a16:creationId xmlns:a16="http://schemas.microsoft.com/office/drawing/2014/main" id="{FEF3EDAF-1DD2-4255-AB21-C40909EB008F}"/>
-                  </a:ext>
-                </a:extLst>
-              </p:cNvPr>
-              <p:cNvSpPr/>
-              <p:nvPr/>
-            </p:nvSpPr>
-            <p:spPr>
-              <a:xfrm>
-                <a:off x="769792" y="4311672"/>
-                <a:ext cx="4026645" cy="293842"/>
-              </a:xfrm>
-              <a:prstGeom prst="rect">
-                <a:avLst/>
-              </a:prstGeom>
-              <a:solidFill>
-                <a:schemeClr val="accent2"/>
-              </a:solidFill>
-              <a:ln>
-                <a:noFill/>
-              </a:ln>
-            </p:spPr>
-            <p:style>
-              <a:lnRef idx="2">
-                <a:schemeClr val="accent1">
-                  <a:shade val="50000"/>
-                </a:schemeClr>
-              </a:lnRef>
-              <a:fillRef idx="1">
-                <a:schemeClr val="accent1"/>
-              </a:fillRef>
-              <a:effectRef idx="0">
-                <a:schemeClr val="accent1"/>
-              </a:effectRef>
-              <a:fontRef idx="minor">
-                <a:schemeClr val="lt1"/>
-              </a:fontRef>
-            </p:style>
-            <p:txBody>
-              <a:bodyPr rtlCol="0" anchor="ctr"/>
-              <a:lstStyle/>
-              <a:p>
-                <a:pPr algn="ctr"/>
-                <a:r>
-                  <a:rPr lang="en-US" altLang="ja-JP" dirty="0">
-                    <a:solidFill>
-                      <a:schemeClr val="tx1"/>
-                    </a:solidFill>
-                    <a:latin typeface="Source Code Pro" panose="020B0509030403020204" pitchFamily="49" charset="0"/>
-                    <a:ea typeface="Source Code Pro" panose="020B0509030403020204" pitchFamily="49" charset="0"/>
-                    <a:cs typeface="Segoe UI" panose="020B0502040204020203" pitchFamily="34" charset="0"/>
-                  </a:rPr>
-                  <a:t>0c01df…/</a:t>
-                </a:r>
-                <a:r>
-                  <a:rPr lang="en-US" altLang="ja-JP" dirty="0" err="1">
-                    <a:solidFill>
-                      <a:schemeClr val="tx1"/>
-                    </a:solidFill>
-                    <a:latin typeface="Source Code Pro" panose="020B0509030403020204" pitchFamily="49" charset="0"/>
-                    <a:ea typeface="Source Code Pro" panose="020B0509030403020204" pitchFamily="49" charset="0"/>
-                    <a:cs typeface="Segoe UI" panose="020B0502040204020203" pitchFamily="34" charset="0"/>
-                  </a:rPr>
-                  <a:t>libmacho.dylib.aot</a:t>
-                </a:r>
-                <a:endParaRPr kumimoji="1" lang="ja-JP" altLang="en-US" dirty="0">
+                </a:rPr>
+                <a:t>03a2cd…/</a:t>
+              </a:r>
+              <a:r>
+                <a:rPr lang="en-US" altLang="ja-JP" b="1" dirty="0" err="1">
                   <a:solidFill>
-                    <a:schemeClr val="tx1"/>
+                    <a:schemeClr val="bg1"/>
                   </a:solidFill>
                   <a:latin typeface="Source Code Pro" panose="020B0509030403020204" pitchFamily="49" charset="0"/>
+                  <a:ea typeface="Source Code Pro" panose="020B0509030403020204" pitchFamily="49" charset="0"/>
                   <a:cs typeface="Segoe UI" panose="020B0502040204020203" pitchFamily="34" charset="0"/>
-                </a:endParaRPr>
-              </a:p>
-            </p:txBody>
-          </p:sp>
-        </p:grpSp>
+                </a:rPr>
+                <a:t>Python.aot</a:t>
+              </a:r>
+              <a:endParaRPr kumimoji="1" lang="ja-JP" altLang="en-US" b="1" dirty="0">
+                <a:solidFill>
+                  <a:schemeClr val="bg1"/>
+                </a:solidFill>
+                <a:latin typeface="Source Code Pro" panose="020B0509030403020204" pitchFamily="49" charset="0"/>
+                <a:cs typeface="Segoe UI" panose="020B0502040204020203" pitchFamily="34" charset="0"/>
+              </a:endParaRPr>
+            </a:p>
+          </p:txBody>
+        </p:sp>
+        <p:sp>
+          <p:nvSpPr>
+            <p:cNvPr id="14" name="正方形/長方形 13">
+              <a:extLst>
+                <a:ext uri="{FF2B5EF4-FFF2-40B4-BE49-F238E27FC236}">
+                  <a16:creationId xmlns:a16="http://schemas.microsoft.com/office/drawing/2014/main" id="{7B991C71-F192-43D9-BE4E-1BCF5A4C78CF}"/>
+                </a:ext>
+              </a:extLst>
+            </p:cNvPr>
+            <p:cNvSpPr/>
+            <p:nvPr/>
+          </p:nvSpPr>
+          <p:spPr>
+            <a:xfrm>
+              <a:off x="1155162" y="3255881"/>
+              <a:ext cx="4026644" cy="293842"/>
+            </a:xfrm>
+            <a:prstGeom prst="rect">
+              <a:avLst/>
+            </a:prstGeom>
+            <a:solidFill>
+              <a:schemeClr val="accent2"/>
+            </a:solidFill>
+            <a:ln>
+              <a:noFill/>
+            </a:ln>
+          </p:spPr>
+          <p:style>
+            <a:lnRef idx="2">
+              <a:schemeClr val="accent1">
+                <a:shade val="50000"/>
+              </a:schemeClr>
+            </a:lnRef>
+            <a:fillRef idx="1">
+              <a:schemeClr val="accent1"/>
+            </a:fillRef>
+            <a:effectRef idx="0">
+              <a:schemeClr val="accent1"/>
+            </a:effectRef>
+            <a:fontRef idx="minor">
+              <a:schemeClr val="lt1"/>
+            </a:fontRef>
+          </p:style>
+          <p:txBody>
+            <a:bodyPr rtlCol="0" anchor="ctr"/>
+            <a:lstStyle/>
+            <a:p>
+              <a:pPr algn="ctr"/>
+              <a:r>
+                <a:rPr lang="en-US" altLang="ja-JP" b="1" dirty="0">
+                  <a:solidFill>
+                    <a:schemeClr val="bg1"/>
+                  </a:solidFill>
+                  <a:latin typeface="Source Code Pro" panose="020B0509030403020204" pitchFamily="49" charset="0"/>
+                  <a:ea typeface="Source Code Pro" panose="020B0509030403020204" pitchFamily="49" charset="0"/>
+                  <a:cs typeface="Segoe UI" panose="020B0502040204020203" pitchFamily="34" charset="0"/>
+                </a:rPr>
+                <a:t>094be9…/</a:t>
+              </a:r>
+              <a:r>
+                <a:rPr lang="en-US" altLang="ja-JP" b="1" dirty="0" err="1">
+                  <a:solidFill>
+                    <a:schemeClr val="bg1"/>
+                  </a:solidFill>
+                  <a:latin typeface="Source Code Pro" panose="020B0509030403020204" pitchFamily="49" charset="0"/>
+                  <a:ea typeface="Source Code Pro" panose="020B0509030403020204" pitchFamily="49" charset="0"/>
+                  <a:cs typeface="Segoe UI" panose="020B0502040204020203" pitchFamily="34" charset="0"/>
+                </a:rPr>
+                <a:t>a.out.aot</a:t>
+              </a:r>
+              <a:endParaRPr kumimoji="1" lang="ja-JP" altLang="en-US" b="1" dirty="0">
+                <a:solidFill>
+                  <a:schemeClr val="bg1"/>
+                </a:solidFill>
+                <a:latin typeface="Source Code Pro" panose="020B0509030403020204" pitchFamily="49" charset="0"/>
+                <a:cs typeface="Segoe UI" panose="020B0502040204020203" pitchFamily="34" charset="0"/>
+              </a:endParaRPr>
+            </a:p>
+          </p:txBody>
+        </p:sp>
+        <p:sp>
+          <p:nvSpPr>
+            <p:cNvPr id="15" name="正方形/長方形 14">
+              <a:extLst>
+                <a:ext uri="{FF2B5EF4-FFF2-40B4-BE49-F238E27FC236}">
+                  <a16:creationId xmlns:a16="http://schemas.microsoft.com/office/drawing/2014/main" id="{FEF3EDAF-1DD2-4255-AB21-C40909EB008F}"/>
+                </a:ext>
+              </a:extLst>
+            </p:cNvPr>
+            <p:cNvSpPr/>
+            <p:nvPr/>
+          </p:nvSpPr>
+          <p:spPr>
+            <a:xfrm>
+              <a:off x="1155162" y="3704204"/>
+              <a:ext cx="4026645" cy="293842"/>
+            </a:xfrm>
+            <a:prstGeom prst="rect">
+              <a:avLst/>
+            </a:prstGeom>
+            <a:solidFill>
+              <a:schemeClr val="accent2"/>
+            </a:solidFill>
+            <a:ln>
+              <a:noFill/>
+            </a:ln>
+          </p:spPr>
+          <p:style>
+            <a:lnRef idx="2">
+              <a:schemeClr val="accent1">
+                <a:shade val="50000"/>
+              </a:schemeClr>
+            </a:lnRef>
+            <a:fillRef idx="1">
+              <a:schemeClr val="accent1"/>
+            </a:fillRef>
+            <a:effectRef idx="0">
+              <a:schemeClr val="accent1"/>
+            </a:effectRef>
+            <a:fontRef idx="minor">
+              <a:schemeClr val="lt1"/>
+            </a:fontRef>
+          </p:style>
+          <p:txBody>
+            <a:bodyPr rtlCol="0" anchor="ctr"/>
+            <a:lstStyle/>
+            <a:p>
+              <a:pPr algn="ctr"/>
+              <a:r>
+                <a:rPr lang="en-US" altLang="ja-JP" b="1" dirty="0">
+                  <a:solidFill>
+                    <a:schemeClr val="bg1"/>
+                  </a:solidFill>
+                  <a:latin typeface="Source Code Pro" panose="020B0509030403020204" pitchFamily="49" charset="0"/>
+                  <a:ea typeface="Source Code Pro" panose="020B0509030403020204" pitchFamily="49" charset="0"/>
+                  <a:cs typeface="Segoe UI" panose="020B0502040204020203" pitchFamily="34" charset="0"/>
+                </a:rPr>
+                <a:t>0c01df…/</a:t>
+              </a:r>
+              <a:r>
+                <a:rPr lang="en-US" altLang="ja-JP" b="1" dirty="0" err="1">
+                  <a:solidFill>
+                    <a:schemeClr val="bg1"/>
+                  </a:solidFill>
+                  <a:latin typeface="Source Code Pro" panose="020B0509030403020204" pitchFamily="49" charset="0"/>
+                  <a:ea typeface="Source Code Pro" panose="020B0509030403020204" pitchFamily="49" charset="0"/>
+                  <a:cs typeface="Segoe UI" panose="020B0502040204020203" pitchFamily="34" charset="0"/>
+                </a:rPr>
+                <a:t>libmacho.dylib.aot</a:t>
+              </a:r>
+              <a:endParaRPr kumimoji="1" lang="ja-JP" altLang="en-US" b="1" dirty="0">
+                <a:solidFill>
+                  <a:schemeClr val="bg1"/>
+                </a:solidFill>
+                <a:latin typeface="Source Code Pro" panose="020B0509030403020204" pitchFamily="49" charset="0"/>
+                <a:cs typeface="Segoe UI" panose="020B0502040204020203" pitchFamily="34" charset="0"/>
+              </a:endParaRPr>
+            </a:p>
+          </p:txBody>
+        </p:sp>
         <p:sp>
           <p:nvSpPr>
             <p:cNvPr id="17" name="正方形/長方形 16">
@@ -6124,7 +6024,7 @@
           </p:nvSpPr>
           <p:spPr>
             <a:xfrm>
-              <a:off x="2869748" y="5674699"/>
+              <a:off x="2869748" y="5348884"/>
               <a:ext cx="2694496" cy="293842"/>
             </a:xfrm>
             <a:prstGeom prst="rect">
@@ -6159,17 +6059,17 @@
             <a:p>
               <a:pPr algn="ctr"/>
               <a:r>
-                <a:rPr kumimoji="1" lang="en-US" altLang="ja-JP" dirty="0" err="1">
+                <a:rPr kumimoji="1" lang="en-US" altLang="ja-JP" b="1" dirty="0" err="1">
                   <a:solidFill>
-                    <a:schemeClr val="tx1"/>
+                    <a:schemeClr val="bg1"/>
                   </a:solidFill>
                   <a:latin typeface="Source Code Pro" panose="020B0509030403020204" pitchFamily="49" charset="0"/>
                 </a:rPr>
                 <a:t>a.out</a:t>
               </a:r>
-              <a:endParaRPr kumimoji="1" lang="ja-JP" altLang="en-US" dirty="0">
+              <a:endParaRPr kumimoji="1" lang="ja-JP" altLang="en-US" b="1" dirty="0">
                 <a:solidFill>
-                  <a:schemeClr val="tx1"/>
+                  <a:schemeClr val="bg1"/>
                 </a:solidFill>
                 <a:latin typeface="Source Code Pro" panose="020B0509030403020204" pitchFamily="49" charset="0"/>
               </a:endParaRPr>
@@ -6190,7 +6090,7 @@
           </p:nvSpPr>
           <p:spPr>
             <a:xfrm>
-              <a:off x="5810595" y="5674699"/>
+              <a:off x="5810595" y="5348884"/>
               <a:ext cx="2694496" cy="293842"/>
             </a:xfrm>
             <a:prstGeom prst="rect">
@@ -6225,17 +6125,17 @@
             <a:p>
               <a:pPr algn="ctr"/>
               <a:r>
-                <a:rPr kumimoji="1" lang="en-US" altLang="ja-JP" dirty="0">
+                <a:rPr kumimoji="1" lang="en-US" altLang="ja-JP" b="1" dirty="0">
                   <a:solidFill>
-                    <a:schemeClr val="tx1"/>
+                    <a:schemeClr val="bg1"/>
                   </a:solidFill>
                   <a:latin typeface="Source Code Pro" panose="020B0509030403020204" pitchFamily="49" charset="0"/>
                 </a:rPr>
                 <a:t>runtime</a:t>
               </a:r>
-              <a:endParaRPr kumimoji="1" lang="ja-JP" altLang="en-US" dirty="0">
+              <a:endParaRPr kumimoji="1" lang="ja-JP" altLang="en-US" b="1" dirty="0">
                 <a:solidFill>
-                  <a:schemeClr val="tx1"/>
+                  <a:schemeClr val="bg1"/>
                 </a:solidFill>
                 <a:latin typeface="Source Code Pro" panose="020B0509030403020204" pitchFamily="49" charset="0"/>
               </a:endParaRPr>
@@ -6256,7 +6156,7 @@
           </p:nvSpPr>
           <p:spPr>
             <a:xfrm>
-              <a:off x="8751442" y="5674699"/>
+              <a:off x="8751442" y="5348884"/>
               <a:ext cx="2694496" cy="293842"/>
             </a:xfrm>
             <a:prstGeom prst="rect">
@@ -6291,17 +6191,17 @@
             <a:p>
               <a:pPr algn="ctr"/>
               <a:r>
-                <a:rPr kumimoji="1" lang="en-US" altLang="ja-JP" dirty="0" err="1">
+                <a:rPr kumimoji="1" lang="en-US" altLang="ja-JP" b="1" dirty="0" err="1">
                   <a:solidFill>
-                    <a:schemeClr val="tx1"/>
+                    <a:schemeClr val="bg1"/>
                   </a:solidFill>
                   <a:latin typeface="Source Code Pro" panose="020B0509030403020204" pitchFamily="49" charset="0"/>
                 </a:rPr>
                 <a:t>a.out.aot</a:t>
               </a:r>
-              <a:endParaRPr kumimoji="1" lang="ja-JP" altLang="en-US" dirty="0">
+              <a:endParaRPr kumimoji="1" lang="ja-JP" altLang="en-US" b="1" dirty="0">
                 <a:solidFill>
-                  <a:schemeClr val="tx1"/>
+                  <a:schemeClr val="bg1"/>
                 </a:solidFill>
                 <a:latin typeface="Source Code Pro" panose="020B0509030403020204" pitchFamily="49" charset="0"/>
               </a:endParaRPr>
@@ -6322,14 +6222,14 @@
           </p:nvSpPr>
           <p:spPr>
             <a:xfrm rot="5400000">
-              <a:off x="6962044" y="2195119"/>
-              <a:ext cx="1955564" cy="4751165"/>
+              <a:off x="7093671" y="1982218"/>
+              <a:ext cx="1837315" cy="4567733"/>
             </a:xfrm>
             <a:prstGeom prst="bentArrow">
               <a:avLst>
-                <a:gd name="adj1" fmla="val 6251"/>
-                <a:gd name="adj2" fmla="val 9309"/>
-                <a:gd name="adj3" fmla="val 12344"/>
+                <a:gd name="adj1" fmla="val 9561"/>
+                <a:gd name="adj2" fmla="val 13943"/>
+                <a:gd name="adj3" fmla="val 18964"/>
                 <a:gd name="adj4" fmla="val 43750"/>
               </a:avLst>
             </a:prstGeom>
@@ -6391,8 +6291,8 @@
           </p:nvSpPr>
           <p:spPr>
             <a:xfrm>
-              <a:off x="7202083" y="4496586"/>
-              <a:ext cx="235670" cy="989817"/>
+              <a:off x="7202083" y="4423016"/>
+              <a:ext cx="235670" cy="684000"/>
             </a:xfrm>
             <a:prstGeom prst="upArrow">
               <a:avLst/>
@@ -6443,8 +6343,8 @@
           </p:nvSpPr>
           <p:spPr>
             <a:xfrm>
-              <a:off x="7437753" y="4791439"/>
-              <a:ext cx="1252266" cy="400110"/>
+              <a:off x="7437753" y="4529887"/>
+              <a:ext cx="1714124" cy="400110"/>
             </a:xfrm>
             <a:prstGeom prst="rect">
               <a:avLst/>
@@ -6458,11 +6358,32 @@
             <a:lstStyle/>
             <a:p>
               <a:r>
-                <a:rPr kumimoji="1" lang="en-US" altLang="ja-JP" sz="2000" dirty="0">
+                <a:rPr lang="en-US" altLang="ja-JP" sz="2000" dirty="0">
                   <a:latin typeface="Segoe UI" panose="020B0502040204020203" pitchFamily="34" charset="0"/>
                   <a:cs typeface="Segoe UI" panose="020B0502040204020203" pitchFamily="34" charset="0"/>
                 </a:rPr>
-                <a:t>Mach IPC</a:t>
+                <a:t>(1) </a:t>
+              </a:r>
+              <a:r>
+                <a:rPr lang="en-US" altLang="ja-JP" sz="2000" dirty="0" err="1">
+                  <a:latin typeface="Segoe UI" panose="020B0502040204020203" pitchFamily="34" charset="0"/>
+                  <a:cs typeface="Segoe UI" panose="020B0502040204020203" pitchFamily="34" charset="0"/>
+                </a:rPr>
+                <a:t>fd</a:t>
+              </a:r>
+              <a:r>
+                <a:rPr lang="en-US" altLang="ja-JP" sz="2000" dirty="0">
+                  <a:latin typeface="Segoe UI" panose="020B0502040204020203" pitchFamily="34" charset="0"/>
+                  <a:cs typeface="Segoe UI" panose="020B0502040204020203" pitchFamily="34" charset="0"/>
+                </a:rPr>
+                <a:t> of </a:t>
+              </a:r>
+              <a:r>
+                <a:rPr lang="en-US" altLang="ja-JP" sz="2000" dirty="0" err="1">
+                  <a:latin typeface="Segoe UI" panose="020B0502040204020203" pitchFamily="34" charset="0"/>
+                  <a:cs typeface="Segoe UI" panose="020B0502040204020203" pitchFamily="34" charset="0"/>
+                </a:rPr>
+                <a:t>a.out</a:t>
               </a:r>
               <a:endParaRPr kumimoji="1" lang="ja-JP" altLang="en-US" sz="2000" dirty="0">
                 <a:latin typeface="Segoe UI" panose="020B0502040204020203" pitchFamily="34" charset="0"/>
@@ -6485,8 +6406,8 @@
           </p:nvSpPr>
           <p:spPr>
             <a:xfrm rot="10800000">
-              <a:off x="6900427" y="4496586"/>
-              <a:ext cx="235670" cy="989817"/>
+              <a:off x="6922173" y="4423016"/>
+              <a:ext cx="235670" cy="684000"/>
             </a:xfrm>
             <a:prstGeom prst="upArrow">
               <a:avLst/>
@@ -6541,8 +6462,8 @@
           </p:nvSpPr>
           <p:spPr>
             <a:xfrm>
-              <a:off x="6748272" y="3192807"/>
-              <a:ext cx="907621" cy="400110"/>
+              <a:off x="5728463" y="2941411"/>
+              <a:ext cx="4582345" cy="400110"/>
             </a:xfrm>
             <a:prstGeom prst="rect">
               <a:avLst/>
@@ -6556,16 +6477,115 @@
             <a:lstStyle/>
             <a:p>
               <a:r>
-                <a:rPr kumimoji="1" lang="en-US" altLang="ja-JP" sz="2000" dirty="0" err="1">
+                <a:rPr lang="en-US" altLang="ja-JP" sz="2000" dirty="0">
                   <a:latin typeface="Segoe UI" panose="020B0502040204020203" pitchFamily="34" charset="0"/>
                   <a:cs typeface="Segoe UI" panose="020B0502040204020203" pitchFamily="34" charset="0"/>
                 </a:rPr>
-                <a:t>mmap</a:t>
+                <a:t>(3) memory-mapped for each segment</a:t>
               </a:r>
               <a:endParaRPr kumimoji="1" lang="ja-JP" altLang="en-US" sz="2000" dirty="0">
                 <a:latin typeface="Segoe UI" panose="020B0502040204020203" pitchFamily="34" charset="0"/>
                 <a:cs typeface="Segoe UI" panose="020B0502040204020203" pitchFamily="34" charset="0"/>
               </a:endParaRPr>
+            </a:p>
+          </p:txBody>
+        </p:sp>
+        <p:sp>
+          <p:nvSpPr>
+            <p:cNvPr id="22" name="テキスト ボックス 21">
+              <a:extLst>
+                <a:ext uri="{FF2B5EF4-FFF2-40B4-BE49-F238E27FC236}">
+                  <a16:creationId xmlns:a16="http://schemas.microsoft.com/office/drawing/2014/main" id="{A64CE89F-A826-4E54-ADE3-2DEBF6837223}"/>
+                </a:ext>
+              </a:extLst>
+            </p:cNvPr>
+            <p:cNvSpPr txBox="1"/>
+            <p:nvPr/>
+          </p:nvSpPr>
+          <p:spPr>
+            <a:xfrm>
+              <a:off x="4703464" y="4529887"/>
+              <a:ext cx="2214261" cy="400110"/>
+            </a:xfrm>
+            <a:prstGeom prst="rect">
+              <a:avLst/>
+            </a:prstGeom>
+            <a:noFill/>
+          </p:spPr>
+          <p:txBody>
+            <a:bodyPr wrap="none" rtlCol="0">
+              <a:spAutoFit/>
+            </a:bodyPr>
+            <a:lstStyle/>
+            <a:p>
+              <a:r>
+                <a:rPr lang="en-US" altLang="ja-JP" sz="2000" dirty="0">
+                  <a:latin typeface="Segoe UI" panose="020B0502040204020203" pitchFamily="34" charset="0"/>
+                  <a:cs typeface="Segoe UI" panose="020B0502040204020203" pitchFamily="34" charset="0"/>
+                </a:rPr>
+                <a:t>(2) </a:t>
+              </a:r>
+              <a:r>
+                <a:rPr lang="en-US" altLang="ja-JP" sz="2000" dirty="0" err="1">
+                  <a:latin typeface="Segoe UI" panose="020B0502040204020203" pitchFamily="34" charset="0"/>
+                  <a:cs typeface="Segoe UI" panose="020B0502040204020203" pitchFamily="34" charset="0"/>
+                </a:rPr>
+                <a:t>fd</a:t>
+              </a:r>
+              <a:r>
+                <a:rPr lang="en-US" altLang="ja-JP" sz="2000" dirty="0">
+                  <a:latin typeface="Segoe UI" panose="020B0502040204020203" pitchFamily="34" charset="0"/>
+                  <a:cs typeface="Segoe UI" panose="020B0502040204020203" pitchFamily="34" charset="0"/>
+                </a:rPr>
+                <a:t> of </a:t>
+              </a:r>
+              <a:r>
+                <a:rPr lang="en-US" altLang="ja-JP" sz="2000" dirty="0" err="1">
+                  <a:latin typeface="Segoe UI" panose="020B0502040204020203" pitchFamily="34" charset="0"/>
+                  <a:cs typeface="Segoe UI" panose="020B0502040204020203" pitchFamily="34" charset="0"/>
+                </a:rPr>
+                <a:t>a.out.aot</a:t>
+              </a:r>
+              <a:endParaRPr kumimoji="1" lang="ja-JP" altLang="en-US" sz="2000" dirty="0">
+                <a:latin typeface="Segoe UI" panose="020B0502040204020203" pitchFamily="34" charset="0"/>
+                <a:cs typeface="Segoe UI" panose="020B0502040204020203" pitchFamily="34" charset="0"/>
+              </a:endParaRPr>
+            </a:p>
+          </p:txBody>
+        </p:sp>
+        <p:sp>
+          <p:nvSpPr>
+            <p:cNvPr id="7" name="テキスト ボックス 6">
+              <a:extLst>
+                <a:ext uri="{FF2B5EF4-FFF2-40B4-BE49-F238E27FC236}">
+                  <a16:creationId xmlns:a16="http://schemas.microsoft.com/office/drawing/2014/main" id="{EAF59B66-96C7-4FB2-A8B3-CCC32BDA3893}"/>
+                </a:ext>
+              </a:extLst>
+            </p:cNvPr>
+            <p:cNvSpPr txBox="1"/>
+            <p:nvPr/>
+          </p:nvSpPr>
+          <p:spPr>
+            <a:xfrm rot="5400000">
+              <a:off x="3034545" y="4090212"/>
+              <a:ext cx="441146" cy="400110"/>
+            </a:xfrm>
+            <a:prstGeom prst="rect">
+              <a:avLst/>
+            </a:prstGeom>
+            <a:noFill/>
+          </p:spPr>
+          <p:txBody>
+            <a:bodyPr wrap="none" rtlCol="0">
+              <a:spAutoFit/>
+            </a:bodyPr>
+            <a:lstStyle/>
+            <a:p>
+              <a:r>
+                <a:rPr kumimoji="1" lang="en-US" altLang="ja-JP" sz="2000" b="1" dirty="0"/>
+                <a:t>…</a:t>
+              </a:r>
+              <a:endParaRPr kumimoji="1" lang="ja-JP" altLang="en-US" sz="2000" b="1" dirty="0"/>
             </a:p>
           </p:txBody>
         </p:sp>
@@ -6600,74 +6620,12 @@
           <a:chExt cx="0" cy="0"/>
         </a:xfrm>
       </p:grpSpPr>
-      <p:sp>
-        <p:nvSpPr>
-          <p:cNvPr id="4" name="正方形/長方形 3">
+      <p:grpSp>
+        <p:nvGrpSpPr>
+          <p:cNvPr id="24" name="グループ化 23">
             <a:extLst>
               <a:ext uri="{FF2B5EF4-FFF2-40B4-BE49-F238E27FC236}">
-                <a16:creationId xmlns:a16="http://schemas.microsoft.com/office/drawing/2014/main" id="{F767DF8B-2CAA-4281-88CA-3BC42CFF7855}"/>
-              </a:ext>
-            </a:extLst>
-          </p:cNvPr>
-          <p:cNvSpPr/>
-          <p:nvPr/>
-        </p:nvSpPr>
-        <p:spPr>
-          <a:xfrm>
-            <a:off x="235667" y="401325"/>
-            <a:ext cx="4260915" cy="659876"/>
-          </a:xfrm>
-          <a:prstGeom prst="rect">
-            <a:avLst/>
-          </a:prstGeom>
-          <a:solidFill>
-            <a:schemeClr val="accent2"/>
-          </a:solidFill>
-          <a:ln>
-            <a:noFill/>
-          </a:ln>
-        </p:spPr>
-        <p:style>
-          <a:lnRef idx="2">
-            <a:schemeClr val="accent1">
-              <a:shade val="50000"/>
-            </a:schemeClr>
-          </a:lnRef>
-          <a:fillRef idx="1">
-            <a:schemeClr val="accent1"/>
-          </a:fillRef>
-          <a:effectRef idx="0">
-            <a:schemeClr val="accent1"/>
-          </a:effectRef>
-          <a:fontRef idx="minor">
-            <a:schemeClr val="lt1"/>
-          </a:fontRef>
-        </p:style>
-        <p:txBody>
-          <a:bodyPr rtlCol="0" anchor="ctr"/>
-          <a:lstStyle/>
-          <a:p>
-            <a:pPr algn="ctr"/>
-            <a:r>
-              <a:rPr lang="en-US" altLang="ja-JP" sz="2400" b="1" dirty="0">
-                <a:latin typeface="Segoe UI" panose="020B0502040204020203" pitchFamily="34" charset="0"/>
-                <a:cs typeface="Segoe UI" panose="020B0502040204020203" pitchFamily="34" charset="0"/>
-              </a:rPr>
-              <a:t>AOT shared cache header</a:t>
-            </a:r>
-            <a:endParaRPr kumimoji="1" lang="ja-JP" altLang="en-US" sz="2400" b="1" dirty="0">
-              <a:latin typeface="Segoe UI" panose="020B0502040204020203" pitchFamily="34" charset="0"/>
-              <a:cs typeface="Segoe UI" panose="020B0502040204020203" pitchFamily="34" charset="0"/>
-            </a:endParaRPr>
-          </a:p>
-        </p:txBody>
-      </p:sp>
-      <p:grpSp>
-        <p:nvGrpSpPr>
-          <p:cNvPr id="9" name="グループ化 8">
-            <a:extLst>
-              <a:ext uri="{FF2B5EF4-FFF2-40B4-BE49-F238E27FC236}">
-                <a16:creationId xmlns:a16="http://schemas.microsoft.com/office/drawing/2014/main" id="{782F227D-567B-4141-90ED-F075FBC1F499}"/>
+                <a16:creationId xmlns:a16="http://schemas.microsoft.com/office/drawing/2014/main" id="{E2AB15CD-AC88-4BE4-BE36-5359A62BA88C}"/>
               </a:ext>
             </a:extLst>
           </p:cNvPr>
@@ -6676,18 +6634,18 @@
         </p:nvGrpSpPr>
         <p:grpSpPr>
           <a:xfrm>
-            <a:off x="94267" y="1278116"/>
-            <a:ext cx="4543720" cy="2243579"/>
-            <a:chOff x="94267" y="1664617"/>
-            <a:chExt cx="4543720" cy="2243579"/>
+            <a:off x="94266" y="95365"/>
+            <a:ext cx="10444901" cy="6664621"/>
+            <a:chOff x="94266" y="95365"/>
+            <a:chExt cx="10444901" cy="6664621"/>
           </a:xfrm>
         </p:grpSpPr>
         <p:sp>
           <p:nvSpPr>
-            <p:cNvPr id="5" name="正方形/長方形 4">
+            <p:cNvPr id="4" name="正方形/長方形 3">
               <a:extLst>
                 <a:ext uri="{FF2B5EF4-FFF2-40B4-BE49-F238E27FC236}">
-                  <a16:creationId xmlns:a16="http://schemas.microsoft.com/office/drawing/2014/main" id="{787408EE-3C06-4F01-9601-B1E92D710729}"/>
+                  <a16:creationId xmlns:a16="http://schemas.microsoft.com/office/drawing/2014/main" id="{F767DF8B-2CAA-4281-88CA-3BC42CFF7855}"/>
                 </a:ext>
               </a:extLst>
             </p:cNvPr>
@@ -6696,8 +6654,8 @@
           </p:nvSpPr>
           <p:spPr>
             <a:xfrm>
-              <a:off x="235670" y="1857081"/>
-              <a:ext cx="4260915" cy="498050"/>
+              <a:off x="229379" y="95365"/>
+              <a:ext cx="5627809" cy="498050"/>
             </a:xfrm>
             <a:prstGeom prst="rect">
               <a:avLst/>
@@ -6731,11 +6689,11 @@
             <a:p>
               <a:pPr algn="ctr"/>
               <a:r>
-                <a:rPr kumimoji="1" lang="en-US" altLang="ja-JP" sz="2400" b="1" dirty="0" err="1">
+                <a:rPr lang="en-US" altLang="ja-JP" sz="2400" b="1" dirty="0">
                   <a:latin typeface="Segoe UI" panose="020B0502040204020203" pitchFamily="34" charset="0"/>
                   <a:cs typeface="Segoe UI" panose="020B0502040204020203" pitchFamily="34" charset="0"/>
                 </a:rPr>
-                <a:t>CodeFragmentMetaData</a:t>
+                <a:t>AOT shared cache header   </a:t>
               </a:r>
               <a:endParaRPr kumimoji="1" lang="ja-JP" altLang="en-US" sz="2400" b="1" dirty="0">
                 <a:latin typeface="Segoe UI" panose="020B0502040204020203" pitchFamily="34" charset="0"/>
@@ -6744,12 +6702,330 @@
             </a:p>
           </p:txBody>
         </p:sp>
+        <p:grpSp>
+          <p:nvGrpSpPr>
+            <p:cNvPr id="16" name="グループ化 15">
+              <a:extLst>
+                <a:ext uri="{FF2B5EF4-FFF2-40B4-BE49-F238E27FC236}">
+                  <a16:creationId xmlns:a16="http://schemas.microsoft.com/office/drawing/2014/main" id="{AE0BDB08-2C1E-47C9-840E-1185ED8449A1}"/>
+                </a:ext>
+              </a:extLst>
+            </p:cNvPr>
+            <p:cNvGrpSpPr/>
+            <p:nvPr/>
+          </p:nvGrpSpPr>
+          <p:grpSpPr>
+            <a:xfrm>
+              <a:off x="94266" y="785878"/>
+              <a:ext cx="6001733" cy="2243579"/>
+              <a:chOff x="94266" y="1030978"/>
+              <a:chExt cx="6001733" cy="2243579"/>
+            </a:xfrm>
+          </p:grpSpPr>
+          <p:sp>
+            <p:nvSpPr>
+              <p:cNvPr id="5" name="正方形/長方形 4">
+                <a:extLst>
+                  <a:ext uri="{FF2B5EF4-FFF2-40B4-BE49-F238E27FC236}">
+                    <a16:creationId xmlns:a16="http://schemas.microsoft.com/office/drawing/2014/main" id="{787408EE-3C06-4F01-9601-B1E92D710729}"/>
+                  </a:ext>
+                </a:extLst>
+              </p:cNvPr>
+              <p:cNvSpPr/>
+              <p:nvPr/>
+            </p:nvSpPr>
+            <p:spPr>
+              <a:xfrm>
+                <a:off x="235670" y="1223442"/>
+                <a:ext cx="5621520" cy="498050"/>
+              </a:xfrm>
+              <a:prstGeom prst="rect">
+                <a:avLst/>
+              </a:prstGeom>
+              <a:solidFill>
+                <a:schemeClr val="accent2"/>
+              </a:solidFill>
+              <a:ln>
+                <a:noFill/>
+              </a:ln>
+            </p:spPr>
+            <p:style>
+              <a:lnRef idx="2">
+                <a:schemeClr val="accent1">
+                  <a:shade val="50000"/>
+                </a:schemeClr>
+              </a:lnRef>
+              <a:fillRef idx="1">
+                <a:schemeClr val="accent1"/>
+              </a:fillRef>
+              <a:effectRef idx="0">
+                <a:schemeClr val="accent1"/>
+              </a:effectRef>
+              <a:fontRef idx="minor">
+                <a:schemeClr val="lt1"/>
+              </a:fontRef>
+            </p:style>
+            <p:txBody>
+              <a:bodyPr rtlCol="0" anchor="ctr"/>
+              <a:lstStyle/>
+              <a:p>
+                <a:pPr algn="ctr"/>
+                <a:r>
+                  <a:rPr kumimoji="1" lang="en-US" altLang="ja-JP" sz="2400" b="1" dirty="0">
+                    <a:latin typeface="Segoe UI" panose="020B0502040204020203" pitchFamily="34" charset="0"/>
+                    <a:cs typeface="Segoe UI" panose="020B0502040204020203" pitchFamily="34" charset="0"/>
+                  </a:rPr>
+                  <a:t>Code fragment meta </a:t>
+                </a:r>
+                <a:r>
+                  <a:rPr lang="en-US" altLang="ja-JP" sz="2400" b="1" dirty="0">
+                    <a:latin typeface="Segoe UI" panose="020B0502040204020203" pitchFamily="34" charset="0"/>
+                    <a:cs typeface="Segoe UI" panose="020B0502040204020203" pitchFamily="34" charset="0"/>
+                  </a:rPr>
+                  <a:t>d</a:t>
+                </a:r>
+                <a:r>
+                  <a:rPr kumimoji="1" lang="en-US" altLang="ja-JP" sz="2400" b="1" dirty="0">
+                    <a:latin typeface="Segoe UI" panose="020B0502040204020203" pitchFamily="34" charset="0"/>
+                    <a:cs typeface="Segoe UI" panose="020B0502040204020203" pitchFamily="34" charset="0"/>
+                  </a:rPr>
+                  <a:t>ata</a:t>
+                </a:r>
+                <a:endParaRPr kumimoji="1" lang="ja-JP" altLang="en-US" sz="2400" b="1" dirty="0">
+                  <a:latin typeface="Segoe UI" panose="020B0502040204020203" pitchFamily="34" charset="0"/>
+                  <a:cs typeface="Segoe UI" panose="020B0502040204020203" pitchFamily="34" charset="0"/>
+                </a:endParaRPr>
+              </a:p>
+            </p:txBody>
+          </p:sp>
+          <p:sp>
+            <p:nvSpPr>
+              <p:cNvPr id="6" name="正方形/長方形 5">
+                <a:extLst>
+                  <a:ext uri="{FF2B5EF4-FFF2-40B4-BE49-F238E27FC236}">
+                    <a16:creationId xmlns:a16="http://schemas.microsoft.com/office/drawing/2014/main" id="{D43A2EFD-7B8A-4429-AEB6-7DE298E4933A}"/>
+                  </a:ext>
+                </a:extLst>
+              </p:cNvPr>
+              <p:cNvSpPr/>
+              <p:nvPr/>
+            </p:nvSpPr>
+            <p:spPr>
+              <a:xfrm>
+                <a:off x="235670" y="1903743"/>
+                <a:ext cx="5621520" cy="498050"/>
+              </a:xfrm>
+              <a:prstGeom prst="rect">
+                <a:avLst/>
+              </a:prstGeom>
+              <a:solidFill>
+                <a:schemeClr val="accent2"/>
+              </a:solidFill>
+              <a:ln>
+                <a:noFill/>
+              </a:ln>
+            </p:spPr>
+            <p:style>
+              <a:lnRef idx="2">
+                <a:schemeClr val="accent1">
+                  <a:shade val="50000"/>
+                </a:schemeClr>
+              </a:lnRef>
+              <a:fillRef idx="1">
+                <a:schemeClr val="accent1"/>
+              </a:fillRef>
+              <a:effectRef idx="0">
+                <a:schemeClr val="accent1"/>
+              </a:effectRef>
+              <a:fontRef idx="minor">
+                <a:schemeClr val="lt1"/>
+              </a:fontRef>
+            </p:style>
+            <p:txBody>
+              <a:bodyPr rtlCol="0" anchor="ctr"/>
+              <a:lstStyle/>
+              <a:p>
+                <a:pPr algn="ctr"/>
+                <a:r>
+                  <a:rPr kumimoji="1" lang="en-US" altLang="ja-JP" sz="2400" b="1" dirty="0">
+                    <a:latin typeface="Segoe UI" panose="020B0502040204020203" pitchFamily="34" charset="0"/>
+                    <a:cs typeface="Segoe UI" panose="020B0502040204020203" pitchFamily="34" charset="0"/>
+                  </a:rPr>
+                  <a:t>Branch data</a:t>
+                </a:r>
+                <a:endParaRPr kumimoji="1" lang="ja-JP" altLang="en-US" sz="2400" b="1" dirty="0">
+                  <a:latin typeface="Segoe UI" panose="020B0502040204020203" pitchFamily="34" charset="0"/>
+                  <a:cs typeface="Segoe UI" panose="020B0502040204020203" pitchFamily="34" charset="0"/>
+                </a:endParaRPr>
+              </a:p>
+            </p:txBody>
+          </p:sp>
+          <p:sp>
+            <p:nvSpPr>
+              <p:cNvPr id="7" name="正方形/長方形 6">
+                <a:extLst>
+                  <a:ext uri="{FF2B5EF4-FFF2-40B4-BE49-F238E27FC236}">
+                    <a16:creationId xmlns:a16="http://schemas.microsoft.com/office/drawing/2014/main" id="{A4F0FFC4-C5A3-4C05-8740-E5E89EFD7938}"/>
+                  </a:ext>
+                </a:extLst>
+              </p:cNvPr>
+              <p:cNvSpPr/>
+              <p:nvPr/>
+            </p:nvSpPr>
+            <p:spPr>
+              <a:xfrm>
+                <a:off x="235670" y="2584044"/>
+                <a:ext cx="5621520" cy="498050"/>
+              </a:xfrm>
+              <a:prstGeom prst="rect">
+                <a:avLst/>
+              </a:prstGeom>
+              <a:solidFill>
+                <a:schemeClr val="accent2"/>
+              </a:solidFill>
+              <a:ln>
+                <a:noFill/>
+              </a:ln>
+            </p:spPr>
+            <p:style>
+              <a:lnRef idx="2">
+                <a:schemeClr val="accent1">
+                  <a:shade val="50000"/>
+                </a:schemeClr>
+              </a:lnRef>
+              <a:fillRef idx="1">
+                <a:schemeClr val="accent1"/>
+              </a:fillRef>
+              <a:effectRef idx="0">
+                <a:schemeClr val="accent1"/>
+              </a:effectRef>
+              <a:fontRef idx="minor">
+                <a:schemeClr val="lt1"/>
+              </a:fontRef>
+            </p:style>
+            <p:txBody>
+              <a:bodyPr rtlCol="0" anchor="ctr"/>
+              <a:lstStyle/>
+              <a:p>
+                <a:pPr algn="ctr"/>
+                <a:r>
+                  <a:rPr lang="en-US" altLang="ja-JP" sz="2400" b="1" dirty="0">
+                    <a:latin typeface="Segoe UI" panose="020B0502040204020203" pitchFamily="34" charset="0"/>
+                    <a:cs typeface="Segoe UI" panose="020B0502040204020203" pitchFamily="34" charset="0"/>
+                  </a:rPr>
+                  <a:t>I</a:t>
+                </a:r>
+                <a:r>
+                  <a:rPr kumimoji="1" lang="en-US" altLang="ja-JP" sz="2400" b="1" dirty="0">
+                    <a:latin typeface="Segoe UI" panose="020B0502040204020203" pitchFamily="34" charset="0"/>
+                    <a:cs typeface="Segoe UI" panose="020B0502040204020203" pitchFamily="34" charset="0"/>
+                  </a:rPr>
+                  <a:t>nstruction map</a:t>
+                </a:r>
+                <a:endParaRPr kumimoji="1" lang="ja-JP" altLang="en-US" sz="2400" b="1" dirty="0">
+                  <a:latin typeface="Segoe UI" panose="020B0502040204020203" pitchFamily="34" charset="0"/>
+                  <a:cs typeface="Segoe UI" panose="020B0502040204020203" pitchFamily="34" charset="0"/>
+                </a:endParaRPr>
+              </a:p>
+            </p:txBody>
+          </p:sp>
+          <p:sp>
+            <p:nvSpPr>
+              <p:cNvPr id="8" name="四角形: 角を丸くする 7">
+                <a:extLst>
+                  <a:ext uri="{FF2B5EF4-FFF2-40B4-BE49-F238E27FC236}">
+                    <a16:creationId xmlns:a16="http://schemas.microsoft.com/office/drawing/2014/main" id="{5815BD11-9ED4-4C25-A6DC-ED1296F550B3}"/>
+                  </a:ext>
+                </a:extLst>
+              </p:cNvPr>
+              <p:cNvSpPr/>
+              <p:nvPr/>
+            </p:nvSpPr>
+            <p:spPr>
+              <a:xfrm>
+                <a:off x="94266" y="1030978"/>
+                <a:ext cx="6001733" cy="2243579"/>
+              </a:xfrm>
+              <a:prstGeom prst="roundRect">
+                <a:avLst/>
+              </a:prstGeom>
+              <a:noFill/>
+              <a:ln w="38100">
+                <a:solidFill>
+                  <a:schemeClr val="tx1"/>
+                </a:solidFill>
+              </a:ln>
+            </p:spPr>
+            <p:style>
+              <a:lnRef idx="2">
+                <a:schemeClr val="accent1">
+                  <a:shade val="50000"/>
+                </a:schemeClr>
+              </a:lnRef>
+              <a:fillRef idx="1">
+                <a:schemeClr val="accent1"/>
+              </a:fillRef>
+              <a:effectRef idx="0">
+                <a:schemeClr val="accent1"/>
+              </a:effectRef>
+              <a:fontRef idx="minor">
+                <a:schemeClr val="lt1"/>
+              </a:fontRef>
+            </p:style>
+            <p:txBody>
+              <a:bodyPr rtlCol="0" anchor="ctr"/>
+              <a:lstStyle/>
+              <a:p>
+                <a:pPr algn="ctr"/>
+                <a:endParaRPr kumimoji="1" lang="ja-JP" altLang="en-US"/>
+              </a:p>
+            </p:txBody>
+          </p:sp>
+        </p:grpSp>
         <p:sp>
           <p:nvSpPr>
-            <p:cNvPr id="6" name="正方形/長方形 5">
+            <p:cNvPr id="10" name="テキスト ボックス 9">
               <a:extLst>
                 <a:ext uri="{FF2B5EF4-FFF2-40B4-BE49-F238E27FC236}">
-                  <a16:creationId xmlns:a16="http://schemas.microsoft.com/office/drawing/2014/main" id="{D43A2EFD-7B8A-4429-AEB6-7DE298E4933A}"/>
+                  <a16:creationId xmlns:a16="http://schemas.microsoft.com/office/drawing/2014/main" id="{8DB4E4EE-76B2-46D0-A112-EBA725760402}"/>
+                </a:ext>
+              </a:extLst>
+            </p:cNvPr>
+            <p:cNvSpPr txBox="1"/>
+            <p:nvPr/>
+          </p:nvSpPr>
+          <p:spPr>
+            <a:xfrm rot="5400000">
+              <a:off x="3063320" y="2971142"/>
+              <a:ext cx="606256" cy="646331"/>
+            </a:xfrm>
+            <a:prstGeom prst="rect">
+              <a:avLst/>
+            </a:prstGeom>
+            <a:noFill/>
+          </p:spPr>
+          <p:txBody>
+            <a:bodyPr wrap="none" rtlCol="0">
+              <a:spAutoFit/>
+            </a:bodyPr>
+            <a:lstStyle/>
+            <a:p>
+              <a:r>
+                <a:rPr kumimoji="1" lang="en-US" altLang="ja-JP" sz="3600" b="1" dirty="0">
+                  <a:latin typeface="Segoe UI" panose="020B0502040204020203" pitchFamily="34" charset="0"/>
+                  <a:cs typeface="Segoe UI" panose="020B0502040204020203" pitchFamily="34" charset="0"/>
+                </a:rPr>
+                <a:t>…</a:t>
+              </a:r>
+            </a:p>
+          </p:txBody>
+        </p:sp>
+        <p:sp>
+          <p:nvSpPr>
+            <p:cNvPr id="11" name="正方形/長方形 10">
+              <a:extLst>
+                <a:ext uri="{FF2B5EF4-FFF2-40B4-BE49-F238E27FC236}">
+                  <a16:creationId xmlns:a16="http://schemas.microsoft.com/office/drawing/2014/main" id="{EB82AB04-29FB-4B2A-9BA6-BD063F164A67}"/>
                 </a:ext>
               </a:extLst>
             </p:cNvPr>
@@ -6758,8 +7034,8 @@
           </p:nvSpPr>
           <p:spPr>
             <a:xfrm>
-              <a:off x="235670" y="2537382"/>
-              <a:ext cx="4260915" cy="498050"/>
+              <a:off x="235668" y="3611656"/>
+              <a:ext cx="5621522" cy="457200"/>
             </a:xfrm>
             <a:prstGeom prst="rect">
               <a:avLst/>
@@ -6793,11 +7069,11 @@
             <a:p>
               <a:pPr algn="ctr"/>
               <a:r>
-                <a:rPr kumimoji="1" lang="en-US" altLang="ja-JP" sz="2400" b="1" dirty="0" err="1">
+                <a:rPr lang="en-US" altLang="ja-JP" sz="2400" b="1" dirty="0">
                   <a:latin typeface="Segoe UI" panose="020B0502040204020203" pitchFamily="34" charset="0"/>
                   <a:cs typeface="Segoe UI" panose="020B0502040204020203" pitchFamily="34" charset="0"/>
                 </a:rPr>
-                <a:t>BranchData</a:t>
+                <a:t>runtime</a:t>
               </a:r>
               <a:endParaRPr kumimoji="1" lang="ja-JP" altLang="en-US" sz="2400" b="1" dirty="0">
                 <a:latin typeface="Segoe UI" panose="020B0502040204020203" pitchFamily="34" charset="0"/>
@@ -6808,10 +7084,10 @@
         </p:sp>
         <p:sp>
           <p:nvSpPr>
-            <p:cNvPr id="7" name="正方形/長方形 6">
+            <p:cNvPr id="12" name="正方形/長方形 11">
               <a:extLst>
                 <a:ext uri="{FF2B5EF4-FFF2-40B4-BE49-F238E27FC236}">
-                  <a16:creationId xmlns:a16="http://schemas.microsoft.com/office/drawing/2014/main" id="{A4F0FFC4-C5A3-4C05-8740-E5E89EFD7938}"/>
+                  <a16:creationId xmlns:a16="http://schemas.microsoft.com/office/drawing/2014/main" id="{8DEF8802-A369-4121-84D7-2085E80525B6}"/>
                 </a:ext>
               </a:extLst>
             </p:cNvPr>
@@ -6820,8 +7096,8 @@
           </p:nvSpPr>
           <p:spPr>
             <a:xfrm>
-              <a:off x="235670" y="3217683"/>
-              <a:ext cx="4260915" cy="498050"/>
+              <a:off x="235667" y="4254937"/>
+              <a:ext cx="5621522" cy="457200"/>
             </a:xfrm>
             <a:prstGeom prst="rect">
               <a:avLst/>
@@ -6859,7 +7135,14 @@
                   <a:latin typeface="Segoe UI" panose="020B0502040204020203" pitchFamily="34" charset="0"/>
                   <a:cs typeface="Segoe UI" panose="020B0502040204020203" pitchFamily="34" charset="0"/>
                 </a:rPr>
-                <a:t>InstructionMapData</a:t>
+                <a:t>libsystem_blocks.dylib</a:t>
+              </a:r>
+              <a:r>
+                <a:rPr kumimoji="1" lang="en-US" altLang="ja-JP" sz="2400" b="1" dirty="0">
+                  <a:latin typeface="Segoe UI" panose="020B0502040204020203" pitchFamily="34" charset="0"/>
+                  <a:cs typeface="Segoe UI" panose="020B0502040204020203" pitchFamily="34" charset="0"/>
+                </a:rPr>
+                <a:t> (translated)</a:t>
               </a:r>
               <a:endParaRPr kumimoji="1" lang="ja-JP" altLang="en-US" sz="2400" b="1" dirty="0">
                 <a:latin typeface="Segoe UI" panose="020B0502040204020203" pitchFamily="34" charset="0"/>
@@ -6870,10 +7153,48 @@
         </p:sp>
         <p:sp>
           <p:nvSpPr>
-            <p:cNvPr id="8" name="四角形: 角を丸くする 7">
+            <p:cNvPr id="13" name="テキスト ボックス 12">
               <a:extLst>
                 <a:ext uri="{FF2B5EF4-FFF2-40B4-BE49-F238E27FC236}">
-                  <a16:creationId xmlns:a16="http://schemas.microsoft.com/office/drawing/2014/main" id="{5815BD11-9ED4-4C25-A6DC-ED1296F550B3}"/>
+                  <a16:creationId xmlns:a16="http://schemas.microsoft.com/office/drawing/2014/main" id="{2C6EFB9B-CD26-470E-A319-D2C51E2105BD}"/>
+                </a:ext>
+              </a:extLst>
+            </p:cNvPr>
+            <p:cNvSpPr txBox="1"/>
+            <p:nvPr/>
+          </p:nvSpPr>
+          <p:spPr>
+            <a:xfrm rot="5400000">
+              <a:off x="3063319" y="5376347"/>
+              <a:ext cx="606256" cy="646331"/>
+            </a:xfrm>
+            <a:prstGeom prst="rect">
+              <a:avLst/>
+            </a:prstGeom>
+            <a:noFill/>
+          </p:spPr>
+          <p:txBody>
+            <a:bodyPr wrap="none" rtlCol="0">
+              <a:spAutoFit/>
+            </a:bodyPr>
+            <a:lstStyle/>
+            <a:p>
+              <a:r>
+                <a:rPr kumimoji="1" lang="en-US" altLang="ja-JP" sz="3600" b="1" dirty="0">
+                  <a:latin typeface="Segoe UI" panose="020B0502040204020203" pitchFamily="34" charset="0"/>
+                  <a:cs typeface="Segoe UI" panose="020B0502040204020203" pitchFamily="34" charset="0"/>
+                </a:rPr>
+                <a:t>…</a:t>
+              </a:r>
+            </a:p>
+          </p:txBody>
+        </p:sp>
+        <p:sp>
+          <p:nvSpPr>
+            <p:cNvPr id="14" name="右中かっこ 13">
+              <a:extLst>
+                <a:ext uri="{FF2B5EF4-FFF2-40B4-BE49-F238E27FC236}">
+                  <a16:creationId xmlns:a16="http://schemas.microsoft.com/office/drawing/2014/main" id="{8B74EB1A-E92A-42E6-81A7-5E41DD0E101F}"/>
                 </a:ext>
               </a:extLst>
             </p:cNvPr>
@@ -6882,17 +7203,1287 @@
           </p:nvSpPr>
           <p:spPr>
             <a:xfrm>
-              <a:off x="94267" y="1664617"/>
-              <a:ext cx="4543720" cy="2243579"/>
+              <a:off x="6183985" y="785878"/>
+              <a:ext cx="454644" cy="2643122"/>
+            </a:xfrm>
+            <a:prstGeom prst="rightBrace">
+              <a:avLst/>
+            </a:prstGeom>
+            <a:ln w="38100">
+              <a:solidFill>
+                <a:schemeClr val="tx1"/>
+              </a:solidFill>
+            </a:ln>
+          </p:spPr>
+          <p:style>
+            <a:lnRef idx="1">
+              <a:schemeClr val="accent1"/>
+            </a:lnRef>
+            <a:fillRef idx="0">
+              <a:schemeClr val="accent1"/>
+            </a:fillRef>
+            <a:effectRef idx="0">
+              <a:schemeClr val="accent1"/>
+            </a:effectRef>
+            <a:fontRef idx="minor">
+              <a:schemeClr val="tx1"/>
+            </a:fontRef>
+          </p:style>
+          <p:txBody>
+            <a:bodyPr rtlCol="0" anchor="ctr"/>
+            <a:lstStyle/>
+            <a:p>
+              <a:pPr algn="ctr"/>
+              <a:endParaRPr kumimoji="1" lang="ja-JP" altLang="en-US"/>
+            </a:p>
+          </p:txBody>
+        </p:sp>
+        <p:sp>
+          <p:nvSpPr>
+            <p:cNvPr id="15" name="右中かっこ 14">
+              <a:extLst>
+                <a:ext uri="{FF2B5EF4-FFF2-40B4-BE49-F238E27FC236}">
+                  <a16:creationId xmlns:a16="http://schemas.microsoft.com/office/drawing/2014/main" id="{82C83F60-3EA3-4664-8878-46B99C88DD88}"/>
+                </a:ext>
+              </a:extLst>
+            </p:cNvPr>
+            <p:cNvSpPr/>
+            <p:nvPr/>
+          </p:nvSpPr>
+          <p:spPr>
+            <a:xfrm>
+              <a:off x="6183985" y="3530641"/>
+              <a:ext cx="454644" cy="2362159"/>
+            </a:xfrm>
+            <a:prstGeom prst="rightBrace">
+              <a:avLst/>
+            </a:prstGeom>
+            <a:ln w="38100">
+              <a:solidFill>
+                <a:schemeClr val="tx1"/>
+              </a:solidFill>
+            </a:ln>
+          </p:spPr>
+          <p:style>
+            <a:lnRef idx="1">
+              <a:schemeClr val="accent1"/>
+            </a:lnRef>
+            <a:fillRef idx="0">
+              <a:schemeClr val="accent1"/>
+            </a:fillRef>
+            <a:effectRef idx="0">
+              <a:schemeClr val="accent1"/>
+            </a:effectRef>
+            <a:fontRef idx="minor">
+              <a:schemeClr val="tx1"/>
+            </a:fontRef>
+          </p:style>
+          <p:txBody>
+            <a:bodyPr rtlCol="0" anchor="ctr"/>
+            <a:lstStyle/>
+            <a:p>
+              <a:pPr algn="ctr"/>
+              <a:endParaRPr kumimoji="1" lang="ja-JP" altLang="en-US"/>
+            </a:p>
+          </p:txBody>
+        </p:sp>
+        <p:sp>
+          <p:nvSpPr>
+            <p:cNvPr id="18" name="四角形: 角を丸くする 17">
+              <a:extLst>
+                <a:ext uri="{FF2B5EF4-FFF2-40B4-BE49-F238E27FC236}">
+                  <a16:creationId xmlns:a16="http://schemas.microsoft.com/office/drawing/2014/main" id="{01EC3DAE-7CC2-4E26-ABEB-1C6BF320EE40}"/>
+                </a:ext>
+              </a:extLst>
+            </p:cNvPr>
+            <p:cNvSpPr/>
+            <p:nvPr/>
+          </p:nvSpPr>
+          <p:spPr>
+            <a:xfrm>
+              <a:off x="6887852" y="1600690"/>
+              <a:ext cx="3651315" cy="914400"/>
             </a:xfrm>
             <a:prstGeom prst="roundRect">
               <a:avLst/>
             </a:prstGeom>
+          </p:spPr>
+          <p:style>
+            <a:lnRef idx="1">
+              <a:schemeClr val="accent6"/>
+            </a:lnRef>
+            <a:fillRef idx="3">
+              <a:schemeClr val="accent6"/>
+            </a:fillRef>
+            <a:effectRef idx="2">
+              <a:schemeClr val="accent6"/>
+            </a:effectRef>
+            <a:fontRef idx="minor">
+              <a:schemeClr val="lt1"/>
+            </a:fontRef>
+          </p:style>
+          <p:txBody>
+            <a:bodyPr rtlCol="0" anchor="ctr"/>
+            <a:lstStyle/>
+            <a:p>
+              <a:pPr algn="ctr"/>
+              <a:r>
+                <a:rPr kumimoji="1" lang="en-US" altLang="ja-JP" sz="2800" b="1" dirty="0">
+                  <a:latin typeface="Segoe UI" panose="020B0502040204020203" pitchFamily="34" charset="0"/>
+                  <a:cs typeface="Segoe UI" panose="020B0502040204020203" pitchFamily="34" charset="0"/>
+                </a:rPr>
+                <a:t>Metadata segment</a:t>
+              </a:r>
+              <a:endParaRPr kumimoji="1" lang="ja-JP" altLang="en-US" sz="2800" b="1" dirty="0">
+                <a:latin typeface="Segoe UI" panose="020B0502040204020203" pitchFamily="34" charset="0"/>
+                <a:cs typeface="Segoe UI" panose="020B0502040204020203" pitchFamily="34" charset="0"/>
+              </a:endParaRPr>
+            </a:p>
+          </p:txBody>
+        </p:sp>
+        <p:sp>
+          <p:nvSpPr>
+            <p:cNvPr id="19" name="四角形: 角を丸くする 18">
+              <a:extLst>
+                <a:ext uri="{FF2B5EF4-FFF2-40B4-BE49-F238E27FC236}">
+                  <a16:creationId xmlns:a16="http://schemas.microsoft.com/office/drawing/2014/main" id="{7089E660-4C0C-4A0A-8244-B198EE502581}"/>
+                </a:ext>
+              </a:extLst>
+            </p:cNvPr>
+            <p:cNvSpPr/>
+            <p:nvPr/>
+          </p:nvSpPr>
+          <p:spPr>
+            <a:xfrm>
+              <a:off x="6887852" y="4309440"/>
+              <a:ext cx="3651315" cy="914400"/>
+            </a:xfrm>
+            <a:prstGeom prst="roundRect">
+              <a:avLst/>
+            </a:prstGeom>
+          </p:spPr>
+          <p:style>
+            <a:lnRef idx="1">
+              <a:schemeClr val="accent6"/>
+            </a:lnRef>
+            <a:fillRef idx="3">
+              <a:schemeClr val="accent6"/>
+            </a:fillRef>
+            <a:effectRef idx="2">
+              <a:schemeClr val="accent6"/>
+            </a:effectRef>
+            <a:fontRef idx="minor">
+              <a:schemeClr val="lt1"/>
+            </a:fontRef>
+          </p:style>
+          <p:txBody>
+            <a:bodyPr rtlCol="0" anchor="ctr"/>
+            <a:lstStyle/>
+            <a:p>
+              <a:pPr algn="ctr"/>
+              <a:r>
+                <a:rPr lang="en-US" altLang="ja-JP" sz="2800" b="1" dirty="0">
+                  <a:latin typeface="Segoe UI" panose="020B0502040204020203" pitchFamily="34" charset="0"/>
+                  <a:cs typeface="Segoe UI" panose="020B0502040204020203" pitchFamily="34" charset="0"/>
+                </a:rPr>
+                <a:t>AOT</a:t>
+              </a:r>
+              <a:r>
+                <a:rPr kumimoji="1" lang="en-US" altLang="ja-JP" sz="2800" b="1" dirty="0">
+                  <a:latin typeface="Segoe UI" panose="020B0502040204020203" pitchFamily="34" charset="0"/>
+                  <a:cs typeface="Segoe UI" panose="020B0502040204020203" pitchFamily="34" charset="0"/>
+                </a:rPr>
+                <a:t> segment</a:t>
+              </a:r>
+              <a:endParaRPr kumimoji="1" lang="ja-JP" altLang="en-US" sz="2800" b="1" dirty="0">
+                <a:latin typeface="Segoe UI" panose="020B0502040204020203" pitchFamily="34" charset="0"/>
+                <a:cs typeface="Segoe UI" panose="020B0502040204020203" pitchFamily="34" charset="0"/>
+              </a:endParaRPr>
+            </a:p>
+          </p:txBody>
+        </p:sp>
+        <p:sp>
+          <p:nvSpPr>
+            <p:cNvPr id="21" name="正方形/長方形 20">
+              <a:extLst>
+                <a:ext uri="{FF2B5EF4-FFF2-40B4-BE49-F238E27FC236}">
+                  <a16:creationId xmlns:a16="http://schemas.microsoft.com/office/drawing/2014/main" id="{264788F9-6A39-45D1-B8E7-606E45B56152}"/>
+                </a:ext>
+              </a:extLst>
+            </p:cNvPr>
+            <p:cNvSpPr/>
+            <p:nvPr/>
+          </p:nvSpPr>
+          <p:spPr>
+            <a:xfrm>
+              <a:off x="235666" y="4898218"/>
+              <a:ext cx="5621522" cy="457200"/>
+            </a:xfrm>
+            <a:prstGeom prst="rect">
+              <a:avLst/>
+            </a:prstGeom>
+            <a:solidFill>
+              <a:schemeClr val="accent2"/>
+            </a:solidFill>
+            <a:ln>
+              <a:noFill/>
+            </a:ln>
+          </p:spPr>
+          <p:style>
+            <a:lnRef idx="2">
+              <a:schemeClr val="accent1">
+                <a:shade val="50000"/>
+              </a:schemeClr>
+            </a:lnRef>
+            <a:fillRef idx="1">
+              <a:schemeClr val="accent1"/>
+            </a:fillRef>
+            <a:effectRef idx="0">
+              <a:schemeClr val="accent1"/>
+            </a:effectRef>
+            <a:fontRef idx="minor">
+              <a:schemeClr val="lt1"/>
+            </a:fontRef>
+          </p:style>
+          <p:txBody>
+            <a:bodyPr rtlCol="0" anchor="ctr"/>
+            <a:lstStyle/>
+            <a:p>
+              <a:pPr algn="ctr"/>
+              <a:r>
+                <a:rPr kumimoji="1" lang="en-US" altLang="ja-JP" sz="2400" b="1" dirty="0" err="1">
+                  <a:latin typeface="Segoe UI" panose="020B0502040204020203" pitchFamily="34" charset="0"/>
+                  <a:cs typeface="Segoe UI" panose="020B0502040204020203" pitchFamily="34" charset="0"/>
+                </a:rPr>
+                <a:t>libxpc.dylib</a:t>
+              </a:r>
+              <a:r>
+                <a:rPr kumimoji="1" lang="en-US" altLang="ja-JP" sz="2400" b="1" dirty="0">
+                  <a:latin typeface="Segoe UI" panose="020B0502040204020203" pitchFamily="34" charset="0"/>
+                  <a:cs typeface="Segoe UI" panose="020B0502040204020203" pitchFamily="34" charset="0"/>
+                </a:rPr>
+                <a:t> (translated)</a:t>
+              </a:r>
+              <a:endParaRPr kumimoji="1" lang="ja-JP" altLang="en-US" sz="2400" b="1" dirty="0">
+                <a:latin typeface="Segoe UI" panose="020B0502040204020203" pitchFamily="34" charset="0"/>
+                <a:cs typeface="Segoe UI" panose="020B0502040204020203" pitchFamily="34" charset="0"/>
+              </a:endParaRPr>
+            </a:p>
+          </p:txBody>
+        </p:sp>
+        <p:sp>
+          <p:nvSpPr>
+            <p:cNvPr id="23" name="正方形/長方形 22">
+              <a:extLst>
+                <a:ext uri="{FF2B5EF4-FFF2-40B4-BE49-F238E27FC236}">
+                  <a16:creationId xmlns:a16="http://schemas.microsoft.com/office/drawing/2014/main" id="{70F3A563-7063-4E96-BEAC-1AE411085688}"/>
+                </a:ext>
+              </a:extLst>
+            </p:cNvPr>
+            <p:cNvSpPr/>
+            <p:nvPr/>
+          </p:nvSpPr>
+          <p:spPr>
+            <a:xfrm>
+              <a:off x="229379" y="6086766"/>
+              <a:ext cx="5621522" cy="673220"/>
+            </a:xfrm>
+            <a:prstGeom prst="rect">
+              <a:avLst/>
+            </a:prstGeom>
+            <a:solidFill>
+              <a:schemeClr val="accent2"/>
+            </a:solidFill>
+            <a:ln>
+              <a:noFill/>
+            </a:ln>
+          </p:spPr>
+          <p:style>
+            <a:lnRef idx="2">
+              <a:schemeClr val="accent1">
+                <a:shade val="50000"/>
+              </a:schemeClr>
+            </a:lnRef>
+            <a:fillRef idx="1">
+              <a:schemeClr val="accent1"/>
+            </a:fillRef>
+            <a:effectRef idx="0">
+              <a:schemeClr val="accent1"/>
+            </a:effectRef>
+            <a:fontRef idx="minor">
+              <a:schemeClr val="lt1"/>
+            </a:fontRef>
+          </p:style>
+          <p:txBody>
+            <a:bodyPr rtlCol="0" anchor="ctr"/>
+            <a:lstStyle/>
+            <a:p>
+              <a:pPr algn="ctr"/>
+              <a:r>
+                <a:rPr kumimoji="1" lang="en-US" altLang="ja-JP" sz="2400" b="1" dirty="0">
+                  <a:latin typeface="Segoe UI" panose="020B0502040204020203" pitchFamily="34" charset="0"/>
+                  <a:cs typeface="Segoe UI" panose="020B0502040204020203" pitchFamily="34" charset="0"/>
+                </a:rPr>
+                <a:t>Code signature</a:t>
+              </a:r>
+              <a:endParaRPr kumimoji="1" lang="ja-JP" altLang="en-US" sz="2400" b="1" dirty="0">
+                <a:latin typeface="Segoe UI" panose="020B0502040204020203" pitchFamily="34" charset="0"/>
+                <a:cs typeface="Segoe UI" panose="020B0502040204020203" pitchFamily="34" charset="0"/>
+              </a:endParaRPr>
+            </a:p>
+          </p:txBody>
+        </p:sp>
+      </p:grpSp>
+    </p:spTree>
+    <p:extLst>
+      <p:ext uri="{BB962C8B-B14F-4D97-AF65-F5344CB8AC3E}">
+        <p14:creationId xmlns:p14="http://schemas.microsoft.com/office/powerpoint/2010/main" val="1030082968"/>
+      </p:ext>
+    </p:extLst>
+  </p:cSld>
+  <p:clrMapOvr>
+    <a:masterClrMapping/>
+  </p:clrMapOvr>
+</p:sld>
+</file>
+
+<file path=ppt/slides/slide7.xml><?xml version="1.0" encoding="utf-8"?>
+<p:sld xmlns:a="http://schemas.openxmlformats.org/drawingml/2006/main" xmlns:r="http://schemas.openxmlformats.org/officeDocument/2006/relationships" xmlns:p="http://schemas.openxmlformats.org/presentationml/2006/main">
+  <p:cSld>
+    <p:spTree>
+      <p:nvGrpSpPr>
+        <p:cNvPr id="1" name=""/>
+        <p:cNvGrpSpPr/>
+        <p:nvPr/>
+      </p:nvGrpSpPr>
+      <p:grpSpPr>
+        <a:xfrm>
+          <a:off x="0" y="0"/>
+          <a:ext cx="0" cy="0"/>
+          <a:chOff x="0" y="0"/>
+          <a:chExt cx="0" cy="0"/>
+        </a:xfrm>
+      </p:grpSpPr>
+      <p:grpSp>
+        <p:nvGrpSpPr>
+          <p:cNvPr id="4" name="グループ化 3">
+            <a:extLst>
+              <a:ext uri="{FF2B5EF4-FFF2-40B4-BE49-F238E27FC236}">
+                <a16:creationId xmlns:a16="http://schemas.microsoft.com/office/drawing/2014/main" id="{25920C84-1C8A-4768-8996-E29561CB7DF0}"/>
+              </a:ext>
+            </a:extLst>
+          </p:cNvPr>
+          <p:cNvGrpSpPr/>
+          <p:nvPr/>
+        </p:nvGrpSpPr>
+        <p:grpSpPr>
+          <a:xfrm>
+            <a:off x="69119" y="112167"/>
+            <a:ext cx="11992480" cy="6512584"/>
+            <a:chOff x="69119" y="112167"/>
+            <a:chExt cx="11992480" cy="6512584"/>
+          </a:xfrm>
+        </p:grpSpPr>
+        <p:sp>
+          <p:nvSpPr>
+            <p:cNvPr id="24" name="正方形/長方形 23">
+              <a:extLst>
+                <a:ext uri="{FF2B5EF4-FFF2-40B4-BE49-F238E27FC236}">
+                  <a16:creationId xmlns:a16="http://schemas.microsoft.com/office/drawing/2014/main" id="{CE1CF571-AEBC-4802-B996-6C9269FA05F2}"/>
+                </a:ext>
+              </a:extLst>
+            </p:cNvPr>
+            <p:cNvSpPr/>
+            <p:nvPr/>
+          </p:nvSpPr>
+          <p:spPr>
+            <a:xfrm>
+              <a:off x="69123" y="632692"/>
+              <a:ext cx="5627809" cy="498050"/>
+            </a:xfrm>
+            <a:prstGeom prst="rect">
+              <a:avLst/>
+            </a:prstGeom>
+            <a:solidFill>
+              <a:schemeClr val="accent2"/>
+            </a:solidFill>
+            <a:ln>
+              <a:noFill/>
+            </a:ln>
+          </p:spPr>
+          <p:style>
+            <a:lnRef idx="2">
+              <a:schemeClr val="accent1">
+                <a:shade val="50000"/>
+              </a:schemeClr>
+            </a:lnRef>
+            <a:fillRef idx="1">
+              <a:schemeClr val="accent1"/>
+            </a:fillRef>
+            <a:effectRef idx="0">
+              <a:schemeClr val="accent1"/>
+            </a:effectRef>
+            <a:fontRef idx="minor">
+              <a:schemeClr val="lt1"/>
+            </a:fontRef>
+          </p:style>
+          <p:txBody>
+            <a:bodyPr rtlCol="0" anchor="ctr"/>
+            <a:lstStyle/>
+            <a:p>
+              <a:pPr algn="ctr"/>
+              <a:r>
+                <a:rPr lang="en-US" altLang="ja-JP" sz="2400" b="1" dirty="0">
+                  <a:latin typeface="Segoe UI" panose="020B0502040204020203" pitchFamily="34" charset="0"/>
+                  <a:cs typeface="Segoe UI" panose="020B0502040204020203" pitchFamily="34" charset="0"/>
+                </a:rPr>
+                <a:t>AOT shared cache header   </a:t>
+              </a:r>
+              <a:endParaRPr kumimoji="1" lang="ja-JP" altLang="en-US" sz="2400" b="1" dirty="0">
+                <a:latin typeface="Segoe UI" panose="020B0502040204020203" pitchFamily="34" charset="0"/>
+                <a:cs typeface="Segoe UI" panose="020B0502040204020203" pitchFamily="34" charset="0"/>
+              </a:endParaRPr>
+            </a:p>
+          </p:txBody>
+        </p:sp>
+        <p:sp>
+          <p:nvSpPr>
+            <p:cNvPr id="39" name="正方形/長方形 38">
+              <a:extLst>
+                <a:ext uri="{FF2B5EF4-FFF2-40B4-BE49-F238E27FC236}">
+                  <a16:creationId xmlns:a16="http://schemas.microsoft.com/office/drawing/2014/main" id="{534EF199-B79B-400E-B8DC-AF47E8656B20}"/>
+                </a:ext>
+              </a:extLst>
+            </p:cNvPr>
+            <p:cNvSpPr/>
+            <p:nvPr/>
+          </p:nvSpPr>
+          <p:spPr>
+            <a:xfrm>
+              <a:off x="69121" y="1214245"/>
+              <a:ext cx="5627809" cy="987144"/>
+            </a:xfrm>
+            <a:prstGeom prst="rect">
+              <a:avLst/>
+            </a:prstGeom>
+            <a:solidFill>
+              <a:schemeClr val="accent2"/>
+            </a:solidFill>
+            <a:ln>
+              <a:noFill/>
+            </a:ln>
+          </p:spPr>
+          <p:style>
+            <a:lnRef idx="2">
+              <a:schemeClr val="accent1">
+                <a:shade val="50000"/>
+              </a:schemeClr>
+            </a:lnRef>
+            <a:fillRef idx="1">
+              <a:schemeClr val="accent1"/>
+            </a:fillRef>
+            <a:effectRef idx="0">
+              <a:schemeClr val="accent1"/>
+            </a:effectRef>
+            <a:fontRef idx="minor">
+              <a:schemeClr val="lt1"/>
+            </a:fontRef>
+          </p:style>
+          <p:txBody>
+            <a:bodyPr rtlCol="0" anchor="ctr"/>
+            <a:lstStyle/>
+            <a:p>
+              <a:pPr algn="ctr"/>
+              <a:r>
+                <a:rPr lang="en-US" altLang="ja-JP" sz="2400" b="1" dirty="0" err="1">
+                  <a:latin typeface="Segoe UI" panose="020B0502040204020203" pitchFamily="34" charset="0"/>
+                  <a:cs typeface="Segoe UI" panose="020B0502040204020203" pitchFamily="34" charset="0"/>
+                </a:rPr>
+                <a:t>Meatdata</a:t>
+              </a:r>
+              <a:r>
+                <a:rPr lang="en-US" altLang="ja-JP" sz="2400" b="1" dirty="0">
+                  <a:latin typeface="Segoe UI" panose="020B0502040204020203" pitchFamily="34" charset="0"/>
+                  <a:cs typeface="Segoe UI" panose="020B0502040204020203" pitchFamily="34" charset="0"/>
+                </a:rPr>
+                <a:t> segment</a:t>
+              </a:r>
+              <a:endParaRPr kumimoji="1" lang="ja-JP" altLang="en-US" sz="2400" b="1" dirty="0">
+                <a:latin typeface="Segoe UI" panose="020B0502040204020203" pitchFamily="34" charset="0"/>
+                <a:cs typeface="Segoe UI" panose="020B0502040204020203" pitchFamily="34" charset="0"/>
+              </a:endParaRPr>
+            </a:p>
+          </p:txBody>
+        </p:sp>
+        <p:sp>
+          <p:nvSpPr>
+            <p:cNvPr id="40" name="正方形/長方形 39">
+              <a:extLst>
+                <a:ext uri="{FF2B5EF4-FFF2-40B4-BE49-F238E27FC236}">
+                  <a16:creationId xmlns:a16="http://schemas.microsoft.com/office/drawing/2014/main" id="{EDCB91BE-6754-4616-940D-FD288B360D44}"/>
+                </a:ext>
+              </a:extLst>
+            </p:cNvPr>
+            <p:cNvSpPr/>
+            <p:nvPr/>
+          </p:nvSpPr>
+          <p:spPr>
+            <a:xfrm>
+              <a:off x="69120" y="2284499"/>
+              <a:ext cx="5627809" cy="498050"/>
+            </a:xfrm>
+            <a:prstGeom prst="rect">
+              <a:avLst/>
+            </a:prstGeom>
+            <a:solidFill>
+              <a:schemeClr val="accent6"/>
+            </a:solidFill>
+            <a:ln>
+              <a:noFill/>
+            </a:ln>
+          </p:spPr>
+          <p:style>
+            <a:lnRef idx="2">
+              <a:schemeClr val="accent1">
+                <a:shade val="50000"/>
+              </a:schemeClr>
+            </a:lnRef>
+            <a:fillRef idx="1">
+              <a:schemeClr val="accent1"/>
+            </a:fillRef>
+            <a:effectRef idx="0">
+              <a:schemeClr val="accent1"/>
+            </a:effectRef>
+            <a:fontRef idx="minor">
+              <a:schemeClr val="lt1"/>
+            </a:fontRef>
+          </p:style>
+          <p:txBody>
+            <a:bodyPr rtlCol="0" anchor="ctr"/>
+            <a:lstStyle/>
+            <a:p>
+              <a:pPr algn="ctr"/>
+              <a:r>
+                <a:rPr kumimoji="1" lang="en-US" altLang="ja-JP" sz="2400" b="1" dirty="0">
+                  <a:latin typeface="Segoe UI" panose="020B0502040204020203" pitchFamily="34" charset="0"/>
+                  <a:cs typeface="Segoe UI" panose="020B0502040204020203" pitchFamily="34" charset="0"/>
+                </a:rPr>
+                <a:t>?</a:t>
+              </a:r>
+              <a:endParaRPr kumimoji="1" lang="ja-JP" altLang="en-US" sz="2400" b="1" dirty="0">
+                <a:latin typeface="Segoe UI" panose="020B0502040204020203" pitchFamily="34" charset="0"/>
+                <a:cs typeface="Segoe UI" panose="020B0502040204020203" pitchFamily="34" charset="0"/>
+              </a:endParaRPr>
+            </a:p>
+          </p:txBody>
+        </p:sp>
+        <p:sp>
+          <p:nvSpPr>
+            <p:cNvPr id="41" name="テキスト ボックス 40">
+              <a:extLst>
+                <a:ext uri="{FF2B5EF4-FFF2-40B4-BE49-F238E27FC236}">
+                  <a16:creationId xmlns:a16="http://schemas.microsoft.com/office/drawing/2014/main" id="{B9F6273C-1B20-46AC-960C-2F9B20DFCE49}"/>
+                </a:ext>
+              </a:extLst>
+            </p:cNvPr>
+            <p:cNvSpPr txBox="1"/>
+            <p:nvPr/>
+          </p:nvSpPr>
+          <p:spPr>
+            <a:xfrm>
+              <a:off x="2127049" y="112167"/>
+              <a:ext cx="1511952" cy="523220"/>
+            </a:xfrm>
+            <a:prstGeom prst="rect">
+              <a:avLst/>
+            </a:prstGeom>
             <a:noFill/>
-            <a:ln w="38100">
+          </p:spPr>
+          <p:txBody>
+            <a:bodyPr wrap="none" rtlCol="0">
+              <a:spAutoFit/>
+            </a:bodyPr>
+            <a:lstStyle/>
+            <a:p>
+              <a:r>
+                <a:rPr kumimoji="1" lang="en-US" altLang="ja-JP" sz="2800" dirty="0">
+                  <a:latin typeface="Segoe UI" panose="020B0502040204020203" pitchFamily="34" charset="0"/>
+                  <a:cs typeface="Segoe UI" panose="020B0502040204020203" pitchFamily="34" charset="0"/>
+                </a:rPr>
+                <a:t>Mapped</a:t>
+              </a:r>
+              <a:endParaRPr kumimoji="1" lang="ja-JP" altLang="en-US" sz="2800" dirty="0">
+                <a:latin typeface="Segoe UI" panose="020B0502040204020203" pitchFamily="34" charset="0"/>
+                <a:cs typeface="Segoe UI" panose="020B0502040204020203" pitchFamily="34" charset="0"/>
+              </a:endParaRPr>
+            </a:p>
+          </p:txBody>
+        </p:sp>
+        <p:sp>
+          <p:nvSpPr>
+            <p:cNvPr id="43" name="正方形/長方形 42">
+              <a:extLst>
+                <a:ext uri="{FF2B5EF4-FFF2-40B4-BE49-F238E27FC236}">
+                  <a16:creationId xmlns:a16="http://schemas.microsoft.com/office/drawing/2014/main" id="{8C89FA31-58AB-4E51-9078-1F59CA0E5E6D}"/>
+                </a:ext>
+              </a:extLst>
+            </p:cNvPr>
+            <p:cNvSpPr/>
+            <p:nvPr/>
+          </p:nvSpPr>
+          <p:spPr>
+            <a:xfrm>
+              <a:off x="69120" y="2865659"/>
+              <a:ext cx="5627809" cy="1837991"/>
+            </a:xfrm>
+            <a:prstGeom prst="rect">
+              <a:avLst/>
+            </a:prstGeom>
+            <a:solidFill>
+              <a:schemeClr val="accent2"/>
+            </a:solidFill>
+            <a:ln>
+              <a:noFill/>
+            </a:ln>
+          </p:spPr>
+          <p:style>
+            <a:lnRef idx="2">
+              <a:schemeClr val="accent1">
+                <a:shade val="50000"/>
+              </a:schemeClr>
+            </a:lnRef>
+            <a:fillRef idx="1">
+              <a:schemeClr val="accent1"/>
+            </a:fillRef>
+            <a:effectRef idx="0">
+              <a:schemeClr val="accent1"/>
+            </a:effectRef>
+            <a:fontRef idx="minor">
+              <a:schemeClr val="lt1"/>
+            </a:fontRef>
+          </p:style>
+          <p:txBody>
+            <a:bodyPr rtlCol="0" anchor="ctr"/>
+            <a:lstStyle/>
+            <a:p>
+              <a:pPr algn="ctr"/>
+              <a:r>
+                <a:rPr kumimoji="1" lang="en-US" altLang="ja-JP" sz="2400" b="1" dirty="0">
+                  <a:latin typeface="Segoe UI" panose="020B0502040204020203" pitchFamily="34" charset="0"/>
+                  <a:cs typeface="Segoe UI" panose="020B0502040204020203" pitchFamily="34" charset="0"/>
+                </a:rPr>
+                <a:t>AOT Segment</a:t>
+              </a:r>
+            </a:p>
+            <a:p>
+              <a:pPr algn="ctr"/>
+              <a:r>
+                <a:rPr lang="en-US" altLang="ja-JP" sz="2400" b="1" dirty="0">
+                  <a:latin typeface="Segoe UI" panose="020B0502040204020203" pitchFamily="34" charset="0"/>
+                  <a:cs typeface="Segoe UI" panose="020B0502040204020203" pitchFamily="34" charset="0"/>
+                </a:rPr>
+                <a:t>(containing runtime and translated arm64 code)</a:t>
+              </a:r>
+              <a:endParaRPr kumimoji="1" lang="ja-JP" altLang="en-US" sz="2400" b="1" dirty="0">
+                <a:latin typeface="Segoe UI" panose="020B0502040204020203" pitchFamily="34" charset="0"/>
+                <a:cs typeface="Segoe UI" panose="020B0502040204020203" pitchFamily="34" charset="0"/>
+              </a:endParaRPr>
+            </a:p>
+          </p:txBody>
+        </p:sp>
+        <p:sp>
+          <p:nvSpPr>
+            <p:cNvPr id="44" name="正方形/長方形 43">
+              <a:extLst>
+                <a:ext uri="{FF2B5EF4-FFF2-40B4-BE49-F238E27FC236}">
+                  <a16:creationId xmlns:a16="http://schemas.microsoft.com/office/drawing/2014/main" id="{CE620F6D-7435-44A6-A591-CF496DB88AC5}"/>
+                </a:ext>
+              </a:extLst>
+            </p:cNvPr>
+            <p:cNvSpPr/>
+            <p:nvPr/>
+          </p:nvSpPr>
+          <p:spPr>
+            <a:xfrm>
+              <a:off x="69119" y="4786760"/>
+              <a:ext cx="5627809" cy="1837991"/>
+            </a:xfrm>
+            <a:prstGeom prst="rect">
+              <a:avLst/>
+            </a:prstGeom>
+            <a:solidFill>
+              <a:schemeClr val="accent6"/>
+            </a:solidFill>
+            <a:ln>
+              <a:noFill/>
+            </a:ln>
+          </p:spPr>
+          <p:style>
+            <a:lnRef idx="2">
+              <a:schemeClr val="accent1">
+                <a:shade val="50000"/>
+              </a:schemeClr>
+            </a:lnRef>
+            <a:fillRef idx="1">
+              <a:schemeClr val="accent1"/>
+            </a:fillRef>
+            <a:effectRef idx="0">
+              <a:schemeClr val="accent1"/>
+            </a:effectRef>
+            <a:fontRef idx="minor">
+              <a:schemeClr val="lt1"/>
+            </a:fontRef>
+          </p:style>
+          <p:txBody>
+            <a:bodyPr rtlCol="0" anchor="ctr"/>
+            <a:lstStyle/>
+            <a:p>
+              <a:pPr algn="ctr"/>
+              <a:r>
+                <a:rPr lang="en-US" altLang="ja-JP" sz="2400" b="1" dirty="0">
+                  <a:latin typeface="Segoe UI" panose="020B0502040204020203" pitchFamily="34" charset="0"/>
+                  <a:cs typeface="Segoe UI" panose="020B0502040204020203" pitchFamily="34" charset="0"/>
+                </a:rPr>
+                <a:t>Text</a:t>
+              </a:r>
+              <a:r>
+                <a:rPr kumimoji="1" lang="en-US" altLang="ja-JP" sz="2400" b="1" dirty="0">
+                  <a:latin typeface="Segoe UI" panose="020B0502040204020203" pitchFamily="34" charset="0"/>
+                  <a:cs typeface="Segoe UI" panose="020B0502040204020203" pitchFamily="34" charset="0"/>
+                </a:rPr>
+                <a:t> Segment</a:t>
+              </a:r>
+            </a:p>
+            <a:p>
+              <a:pPr algn="ctr"/>
+              <a:r>
+                <a:rPr lang="en-US" altLang="ja-JP" sz="2400" b="1" dirty="0">
+                  <a:latin typeface="Segoe UI" panose="020B0502040204020203" pitchFamily="34" charset="0"/>
+                  <a:cs typeface="Segoe UI" panose="020B0502040204020203" pitchFamily="34" charset="0"/>
+                </a:rPr>
+                <a:t>(containing  x86_64 code and image path names)</a:t>
+              </a:r>
+              <a:endParaRPr kumimoji="1" lang="ja-JP" altLang="en-US" sz="2400" b="1" dirty="0">
+                <a:latin typeface="Segoe UI" panose="020B0502040204020203" pitchFamily="34" charset="0"/>
+                <a:cs typeface="Segoe UI" panose="020B0502040204020203" pitchFamily="34" charset="0"/>
+              </a:endParaRPr>
+            </a:p>
+          </p:txBody>
+        </p:sp>
+        <p:sp>
+          <p:nvSpPr>
+            <p:cNvPr id="42" name="テキスト ボックス 41">
+              <a:extLst>
+                <a:ext uri="{FF2B5EF4-FFF2-40B4-BE49-F238E27FC236}">
+                  <a16:creationId xmlns:a16="http://schemas.microsoft.com/office/drawing/2014/main" id="{1FAF7630-81B5-4189-BE0F-B0D1A4296723}"/>
+                </a:ext>
+              </a:extLst>
+            </p:cNvPr>
+            <p:cNvSpPr txBox="1"/>
+            <p:nvPr/>
+          </p:nvSpPr>
+          <p:spPr>
+            <a:xfrm>
+              <a:off x="8887655" y="112167"/>
+              <a:ext cx="720069" cy="523220"/>
+            </a:xfrm>
+            <a:prstGeom prst="rect">
+              <a:avLst/>
+            </a:prstGeom>
+            <a:noFill/>
+          </p:spPr>
+          <p:txBody>
+            <a:bodyPr wrap="none" rtlCol="0">
+              <a:spAutoFit/>
+            </a:bodyPr>
+            <a:lstStyle/>
+            <a:p>
+              <a:r>
+                <a:rPr lang="en-US" altLang="ja-JP" sz="2800" dirty="0">
+                  <a:latin typeface="Segoe UI" panose="020B0502040204020203" pitchFamily="34" charset="0"/>
+                  <a:cs typeface="Segoe UI" panose="020B0502040204020203" pitchFamily="34" charset="0"/>
+                </a:rPr>
+                <a:t>F</a:t>
+              </a:r>
+              <a:r>
+                <a:rPr kumimoji="1" lang="en-US" altLang="ja-JP" sz="2800" dirty="0">
+                  <a:latin typeface="Segoe UI" panose="020B0502040204020203" pitchFamily="34" charset="0"/>
+                  <a:cs typeface="Segoe UI" panose="020B0502040204020203" pitchFamily="34" charset="0"/>
+                </a:rPr>
+                <a:t>ile</a:t>
+              </a:r>
+              <a:endParaRPr kumimoji="1" lang="ja-JP" altLang="en-US" sz="2800" dirty="0">
+                <a:latin typeface="Segoe UI" panose="020B0502040204020203" pitchFamily="34" charset="0"/>
+                <a:cs typeface="Segoe UI" panose="020B0502040204020203" pitchFamily="34" charset="0"/>
+              </a:endParaRPr>
+            </a:p>
+          </p:txBody>
+        </p:sp>
+        <p:sp>
+          <p:nvSpPr>
+            <p:cNvPr id="45" name="正方形/長方形 44">
+              <a:extLst>
+                <a:ext uri="{FF2B5EF4-FFF2-40B4-BE49-F238E27FC236}">
+                  <a16:creationId xmlns:a16="http://schemas.microsoft.com/office/drawing/2014/main" id="{B3453CEF-3618-4904-B8D3-AF910F90424B}"/>
+                </a:ext>
+              </a:extLst>
+            </p:cNvPr>
+            <p:cNvSpPr/>
+            <p:nvPr/>
+          </p:nvSpPr>
+          <p:spPr>
+            <a:xfrm>
+              <a:off x="6433790" y="635231"/>
+              <a:ext cx="5627809" cy="498050"/>
+            </a:xfrm>
+            <a:prstGeom prst="rect">
+              <a:avLst/>
+            </a:prstGeom>
+            <a:solidFill>
+              <a:schemeClr val="accent2"/>
+            </a:solidFill>
+            <a:ln>
+              <a:noFill/>
+            </a:ln>
+          </p:spPr>
+          <p:style>
+            <a:lnRef idx="2">
+              <a:schemeClr val="accent1">
+                <a:shade val="50000"/>
+              </a:schemeClr>
+            </a:lnRef>
+            <a:fillRef idx="1">
+              <a:schemeClr val="accent1"/>
+            </a:fillRef>
+            <a:effectRef idx="0">
+              <a:schemeClr val="accent1"/>
+            </a:effectRef>
+            <a:fontRef idx="minor">
+              <a:schemeClr val="lt1"/>
+            </a:fontRef>
+          </p:style>
+          <p:txBody>
+            <a:bodyPr rtlCol="0" anchor="ctr"/>
+            <a:lstStyle/>
+            <a:p>
+              <a:pPr algn="ctr"/>
+              <a:r>
+                <a:rPr lang="en-US" altLang="ja-JP" sz="2400" b="1" dirty="0">
+                  <a:latin typeface="Segoe UI" panose="020B0502040204020203" pitchFamily="34" charset="0"/>
+                  <a:cs typeface="Segoe UI" panose="020B0502040204020203" pitchFamily="34" charset="0"/>
+                </a:rPr>
+                <a:t>AOT shared cache header   </a:t>
+              </a:r>
+              <a:endParaRPr kumimoji="1" lang="ja-JP" altLang="en-US" sz="2400" b="1" dirty="0">
+                <a:latin typeface="Segoe UI" panose="020B0502040204020203" pitchFamily="34" charset="0"/>
+                <a:cs typeface="Segoe UI" panose="020B0502040204020203" pitchFamily="34" charset="0"/>
+              </a:endParaRPr>
+            </a:p>
+          </p:txBody>
+        </p:sp>
+        <p:sp>
+          <p:nvSpPr>
+            <p:cNvPr id="46" name="正方形/長方形 45">
+              <a:extLst>
+                <a:ext uri="{FF2B5EF4-FFF2-40B4-BE49-F238E27FC236}">
+                  <a16:creationId xmlns:a16="http://schemas.microsoft.com/office/drawing/2014/main" id="{712D2CB0-9306-4A24-9B25-90AA016682E4}"/>
+                </a:ext>
+              </a:extLst>
+            </p:cNvPr>
+            <p:cNvSpPr/>
+            <p:nvPr/>
+          </p:nvSpPr>
+          <p:spPr>
+            <a:xfrm>
+              <a:off x="6433788" y="1216784"/>
+              <a:ext cx="5627809" cy="987144"/>
+            </a:xfrm>
+            <a:prstGeom prst="rect">
+              <a:avLst/>
+            </a:prstGeom>
+            <a:solidFill>
+              <a:schemeClr val="accent2"/>
+            </a:solidFill>
+            <a:ln>
+              <a:noFill/>
+            </a:ln>
+          </p:spPr>
+          <p:style>
+            <a:lnRef idx="2">
+              <a:schemeClr val="accent1">
+                <a:shade val="50000"/>
+              </a:schemeClr>
+            </a:lnRef>
+            <a:fillRef idx="1">
+              <a:schemeClr val="accent1"/>
+            </a:fillRef>
+            <a:effectRef idx="0">
+              <a:schemeClr val="accent1"/>
+            </a:effectRef>
+            <a:fontRef idx="minor">
+              <a:schemeClr val="lt1"/>
+            </a:fontRef>
+          </p:style>
+          <p:txBody>
+            <a:bodyPr rtlCol="0" anchor="ctr"/>
+            <a:lstStyle/>
+            <a:p>
+              <a:pPr algn="ctr"/>
+              <a:r>
+                <a:rPr lang="en-US" altLang="ja-JP" sz="2400" b="1" dirty="0" err="1">
+                  <a:latin typeface="Segoe UI" panose="020B0502040204020203" pitchFamily="34" charset="0"/>
+                  <a:cs typeface="Segoe UI" panose="020B0502040204020203" pitchFamily="34" charset="0"/>
+                </a:rPr>
+                <a:t>Meatdata</a:t>
+              </a:r>
+              <a:r>
+                <a:rPr lang="en-US" altLang="ja-JP" sz="2400" b="1" dirty="0">
+                  <a:latin typeface="Segoe UI" panose="020B0502040204020203" pitchFamily="34" charset="0"/>
+                  <a:cs typeface="Segoe UI" panose="020B0502040204020203" pitchFamily="34" charset="0"/>
+                </a:rPr>
+                <a:t> segment</a:t>
+              </a:r>
+              <a:endParaRPr kumimoji="1" lang="ja-JP" altLang="en-US" sz="2400" b="1" dirty="0">
+                <a:latin typeface="Segoe UI" panose="020B0502040204020203" pitchFamily="34" charset="0"/>
+                <a:cs typeface="Segoe UI" panose="020B0502040204020203" pitchFamily="34" charset="0"/>
+              </a:endParaRPr>
+            </a:p>
+          </p:txBody>
+        </p:sp>
+        <p:sp>
+          <p:nvSpPr>
+            <p:cNvPr id="47" name="正方形/長方形 46">
+              <a:extLst>
+                <a:ext uri="{FF2B5EF4-FFF2-40B4-BE49-F238E27FC236}">
+                  <a16:creationId xmlns:a16="http://schemas.microsoft.com/office/drawing/2014/main" id="{92722D5C-9D4D-4056-85B9-5A1F88AEFA99}"/>
+                </a:ext>
+              </a:extLst>
+            </p:cNvPr>
+            <p:cNvSpPr/>
+            <p:nvPr/>
+          </p:nvSpPr>
+          <p:spPr>
+            <a:xfrm>
+              <a:off x="6433784" y="2284499"/>
+              <a:ext cx="5627809" cy="1837991"/>
+            </a:xfrm>
+            <a:prstGeom prst="rect">
+              <a:avLst/>
+            </a:prstGeom>
+            <a:solidFill>
+              <a:schemeClr val="accent2"/>
+            </a:solidFill>
+            <a:ln>
+              <a:noFill/>
+            </a:ln>
+          </p:spPr>
+          <p:style>
+            <a:lnRef idx="2">
+              <a:schemeClr val="accent1">
+                <a:shade val="50000"/>
+              </a:schemeClr>
+            </a:lnRef>
+            <a:fillRef idx="1">
+              <a:schemeClr val="accent1"/>
+            </a:fillRef>
+            <a:effectRef idx="0">
+              <a:schemeClr val="accent1"/>
+            </a:effectRef>
+            <a:fontRef idx="minor">
+              <a:schemeClr val="lt1"/>
+            </a:fontRef>
+          </p:style>
+          <p:txBody>
+            <a:bodyPr rtlCol="0" anchor="ctr"/>
+            <a:lstStyle/>
+            <a:p>
+              <a:pPr algn="ctr"/>
+              <a:r>
+                <a:rPr kumimoji="1" lang="en-US" altLang="ja-JP" sz="2400" b="1" dirty="0">
+                  <a:latin typeface="Segoe UI" panose="020B0502040204020203" pitchFamily="34" charset="0"/>
+                  <a:cs typeface="Segoe UI" panose="020B0502040204020203" pitchFamily="34" charset="0"/>
+                </a:rPr>
+                <a:t>AOT Segment</a:t>
+              </a:r>
+            </a:p>
+            <a:p>
+              <a:pPr algn="ctr"/>
+              <a:r>
+                <a:rPr lang="en-US" altLang="ja-JP" sz="2400" b="1" dirty="0">
+                  <a:latin typeface="Segoe UI" panose="020B0502040204020203" pitchFamily="34" charset="0"/>
+                  <a:cs typeface="Segoe UI" panose="020B0502040204020203" pitchFamily="34" charset="0"/>
+                </a:rPr>
+                <a:t>(containing runtime and translated arm64 code)</a:t>
+              </a:r>
+              <a:endParaRPr kumimoji="1" lang="ja-JP" altLang="en-US" sz="2400" b="1" dirty="0">
+                <a:latin typeface="Segoe UI" panose="020B0502040204020203" pitchFamily="34" charset="0"/>
+                <a:cs typeface="Segoe UI" panose="020B0502040204020203" pitchFamily="34" charset="0"/>
+              </a:endParaRPr>
+            </a:p>
+          </p:txBody>
+        </p:sp>
+        <p:cxnSp>
+          <p:nvCxnSpPr>
+            <p:cNvPr id="52" name="直線コネクタ 51">
+              <a:extLst>
+                <a:ext uri="{FF2B5EF4-FFF2-40B4-BE49-F238E27FC236}">
+                  <a16:creationId xmlns:a16="http://schemas.microsoft.com/office/drawing/2014/main" id="{A3AFF6D7-E953-44CE-A88D-734736513253}"/>
+                </a:ext>
+              </a:extLst>
+            </p:cNvPr>
+            <p:cNvCxnSpPr/>
+            <p:nvPr/>
+          </p:nvCxnSpPr>
+          <p:spPr>
+            <a:xfrm>
+              <a:off x="5696928" y="632692"/>
+              <a:ext cx="736856" cy="0"/>
+            </a:xfrm>
+            <a:prstGeom prst="line">
+              <a:avLst/>
+            </a:prstGeom>
+            <a:ln w="57150">
               <a:solidFill>
                 <a:schemeClr val="tx1"/>
               </a:solidFill>
+              <a:prstDash val="sysDot"/>
+            </a:ln>
+          </p:spPr>
+          <p:style>
+            <a:lnRef idx="1">
+              <a:schemeClr val="accent1"/>
+            </a:lnRef>
+            <a:fillRef idx="0">
+              <a:schemeClr val="accent1"/>
+            </a:fillRef>
+            <a:effectRef idx="0">
+              <a:schemeClr val="accent1"/>
+            </a:effectRef>
+            <a:fontRef idx="minor">
+              <a:schemeClr val="tx1"/>
+            </a:fontRef>
+          </p:style>
+        </p:cxnSp>
+        <p:cxnSp>
+          <p:nvCxnSpPr>
+            <p:cNvPr id="53" name="直線コネクタ 52">
+              <a:extLst>
+                <a:ext uri="{FF2B5EF4-FFF2-40B4-BE49-F238E27FC236}">
+                  <a16:creationId xmlns:a16="http://schemas.microsoft.com/office/drawing/2014/main" id="{2C8146B9-219B-4FC0-83D2-14BF483958D7}"/>
+                </a:ext>
+              </a:extLst>
+            </p:cNvPr>
+            <p:cNvCxnSpPr/>
+            <p:nvPr/>
+          </p:nvCxnSpPr>
+          <p:spPr>
+            <a:xfrm>
+              <a:off x="5696928" y="2201389"/>
+              <a:ext cx="736856" cy="0"/>
+            </a:xfrm>
+            <a:prstGeom prst="line">
+              <a:avLst/>
+            </a:prstGeom>
+            <a:ln w="57150">
+              <a:solidFill>
+                <a:schemeClr val="tx1"/>
+              </a:solidFill>
+              <a:prstDash val="sysDot"/>
+            </a:ln>
+          </p:spPr>
+          <p:style>
+            <a:lnRef idx="1">
+              <a:schemeClr val="accent1"/>
+            </a:lnRef>
+            <a:fillRef idx="0">
+              <a:schemeClr val="accent1"/>
+            </a:fillRef>
+            <a:effectRef idx="0">
+              <a:schemeClr val="accent1"/>
+            </a:effectRef>
+            <a:fontRef idx="minor">
+              <a:schemeClr val="tx1"/>
+            </a:fontRef>
+          </p:style>
+        </p:cxnSp>
+        <p:cxnSp>
+          <p:nvCxnSpPr>
+            <p:cNvPr id="54" name="直線コネクタ 53">
+              <a:extLst>
+                <a:ext uri="{FF2B5EF4-FFF2-40B4-BE49-F238E27FC236}">
+                  <a16:creationId xmlns:a16="http://schemas.microsoft.com/office/drawing/2014/main" id="{109CAE5B-8119-46E9-AD73-D8305D95A4F8}"/>
+                </a:ext>
+              </a:extLst>
+            </p:cNvPr>
+            <p:cNvCxnSpPr>
+              <a:cxnSpLocks/>
+            </p:cNvCxnSpPr>
+            <p:nvPr/>
+          </p:nvCxnSpPr>
+          <p:spPr>
+            <a:xfrm flipV="1">
+              <a:off x="5696928" y="2297199"/>
+              <a:ext cx="736856" cy="578248"/>
+            </a:xfrm>
+            <a:prstGeom prst="line">
+              <a:avLst/>
+            </a:prstGeom>
+            <a:ln w="57150">
+              <a:solidFill>
+                <a:schemeClr val="tx1"/>
+              </a:solidFill>
+              <a:prstDash val="sysDot"/>
+            </a:ln>
+          </p:spPr>
+          <p:style>
+            <a:lnRef idx="1">
+              <a:schemeClr val="accent1"/>
+            </a:lnRef>
+            <a:fillRef idx="0">
+              <a:schemeClr val="accent1"/>
+            </a:fillRef>
+            <a:effectRef idx="0">
+              <a:schemeClr val="accent1"/>
+            </a:effectRef>
+            <a:fontRef idx="minor">
+              <a:schemeClr val="tx1"/>
+            </a:fontRef>
+          </p:style>
+        </p:cxnSp>
+        <p:cxnSp>
+          <p:nvCxnSpPr>
+            <p:cNvPr id="56" name="直線コネクタ 55">
+              <a:extLst>
+                <a:ext uri="{FF2B5EF4-FFF2-40B4-BE49-F238E27FC236}">
+                  <a16:creationId xmlns:a16="http://schemas.microsoft.com/office/drawing/2014/main" id="{46CF24F2-5B64-41BD-856F-A1591EEEFF3E}"/>
+                </a:ext>
+              </a:extLst>
+            </p:cNvPr>
+            <p:cNvCxnSpPr>
+              <a:cxnSpLocks/>
+            </p:cNvCxnSpPr>
+            <p:nvPr/>
+          </p:nvCxnSpPr>
+          <p:spPr>
+            <a:xfrm flipV="1">
+              <a:off x="5696928" y="4125402"/>
+              <a:ext cx="736856" cy="578248"/>
+            </a:xfrm>
+            <a:prstGeom prst="line">
+              <a:avLst/>
+            </a:prstGeom>
+            <a:ln w="57150">
+              <a:solidFill>
+                <a:schemeClr val="tx1"/>
+              </a:solidFill>
+              <a:prstDash val="sysDot"/>
+            </a:ln>
+          </p:spPr>
+          <p:style>
+            <a:lnRef idx="1">
+              <a:schemeClr val="accent1"/>
+            </a:lnRef>
+            <a:fillRef idx="0">
+              <a:schemeClr val="accent1"/>
+            </a:fillRef>
+            <a:effectRef idx="0">
+              <a:schemeClr val="accent1"/>
+            </a:effectRef>
+            <a:fontRef idx="minor">
+              <a:schemeClr val="tx1"/>
+            </a:fontRef>
+          </p:style>
+        </p:cxnSp>
+        <p:sp>
+          <p:nvSpPr>
+            <p:cNvPr id="57" name="正方形/長方形 56">
+              <a:extLst>
+                <a:ext uri="{FF2B5EF4-FFF2-40B4-BE49-F238E27FC236}">
+                  <a16:creationId xmlns:a16="http://schemas.microsoft.com/office/drawing/2014/main" id="{CD7E5061-4DAA-4824-ACFE-3A148DEF4847}"/>
+                </a:ext>
+              </a:extLst>
+            </p:cNvPr>
+            <p:cNvSpPr/>
+            <p:nvPr/>
+          </p:nvSpPr>
+          <p:spPr>
+            <a:xfrm>
+              <a:off x="6433784" y="4215761"/>
+              <a:ext cx="5627809" cy="889639"/>
+            </a:xfrm>
+            <a:prstGeom prst="rect">
+              <a:avLst/>
+            </a:prstGeom>
+            <a:solidFill>
+              <a:schemeClr val="accent2">
+                <a:lumMod val="40000"/>
+                <a:lumOff val="60000"/>
+              </a:schemeClr>
+            </a:solidFill>
+            <a:ln>
+              <a:noFill/>
+            </a:ln>
+          </p:spPr>
+          <p:style>
+            <a:lnRef idx="2">
+              <a:schemeClr val="accent1">
+                <a:shade val="50000"/>
+              </a:schemeClr>
+            </a:lnRef>
+            <a:fillRef idx="1">
+              <a:schemeClr val="accent1"/>
+            </a:fillRef>
+            <a:effectRef idx="0">
+              <a:schemeClr val="accent1"/>
+            </a:effectRef>
+            <a:fontRef idx="minor">
+              <a:schemeClr val="lt1"/>
+            </a:fontRef>
+          </p:style>
+          <p:txBody>
+            <a:bodyPr rtlCol="0" anchor="ctr"/>
+            <a:lstStyle/>
+            <a:p>
+              <a:pPr algn="ctr"/>
+              <a:r>
+                <a:rPr lang="en-US" altLang="ja-JP" sz="2400" b="1" dirty="0">
+                  <a:latin typeface="Segoe UI" panose="020B0502040204020203" pitchFamily="34" charset="0"/>
+                  <a:cs typeface="Segoe UI" panose="020B0502040204020203" pitchFamily="34" charset="0"/>
+                </a:rPr>
+                <a:t>Code signature (not mapped)</a:t>
+              </a:r>
+              <a:endParaRPr kumimoji="1" lang="ja-JP" altLang="en-US" sz="2400" b="1" dirty="0">
+                <a:latin typeface="Segoe UI" panose="020B0502040204020203" pitchFamily="34" charset="0"/>
+                <a:cs typeface="Segoe UI" panose="020B0502040204020203" pitchFamily="34" charset="0"/>
+              </a:endParaRPr>
+            </a:p>
+          </p:txBody>
+        </p:sp>
+        <p:sp>
+          <p:nvSpPr>
+            <p:cNvPr id="2" name="正方形/長方形 1">
+              <a:extLst>
+                <a:ext uri="{FF2B5EF4-FFF2-40B4-BE49-F238E27FC236}">
+                  <a16:creationId xmlns:a16="http://schemas.microsoft.com/office/drawing/2014/main" id="{755E6E1C-9424-41AB-89B5-F36BFAA57E3E}"/>
+                </a:ext>
+              </a:extLst>
+            </p:cNvPr>
+            <p:cNvSpPr/>
+            <p:nvPr/>
+          </p:nvSpPr>
+          <p:spPr>
+            <a:xfrm>
+              <a:off x="6424358" y="5295695"/>
+              <a:ext cx="914400" cy="356049"/>
+            </a:xfrm>
+            <a:prstGeom prst="rect">
+              <a:avLst/>
+            </a:prstGeom>
+            <a:solidFill>
+              <a:schemeClr val="accent2"/>
+            </a:solidFill>
+            <a:ln>
+              <a:noFill/>
             </a:ln>
           </p:spPr>
           <p:style>
@@ -6920,424 +8511,272 @@
             </a:p>
           </p:txBody>
         </p:sp>
-      </p:grpSp>
-      <p:sp>
-        <p:nvSpPr>
-          <p:cNvPr id="10" name="テキスト ボックス 9">
-            <a:extLst>
-              <a:ext uri="{FF2B5EF4-FFF2-40B4-BE49-F238E27FC236}">
-                <a16:creationId xmlns:a16="http://schemas.microsoft.com/office/drawing/2014/main" id="{8DB4E4EE-76B2-46D0-A112-EBA725760402}"/>
-              </a:ext>
-            </a:extLst>
-          </p:cNvPr>
-          <p:cNvSpPr txBox="1"/>
-          <p:nvPr/>
-        </p:nvSpPr>
-        <p:spPr>
-          <a:xfrm rot="5400000">
-            <a:off x="2196445" y="3590529"/>
-            <a:ext cx="606256" cy="646331"/>
-          </a:xfrm>
-          <a:prstGeom prst="rect">
-            <a:avLst/>
-          </a:prstGeom>
-          <a:noFill/>
-        </p:spPr>
-        <p:txBody>
-          <a:bodyPr wrap="none" rtlCol="0">
-            <a:spAutoFit/>
-          </a:bodyPr>
-          <a:lstStyle/>
-          <a:p>
-            <a:r>
-              <a:rPr kumimoji="1" lang="en-US" altLang="ja-JP" sz="3600" b="1" dirty="0">
+        <p:sp>
+          <p:nvSpPr>
+            <p:cNvPr id="20" name="正方形/長方形 19">
+              <a:extLst>
+                <a:ext uri="{FF2B5EF4-FFF2-40B4-BE49-F238E27FC236}">
+                  <a16:creationId xmlns:a16="http://schemas.microsoft.com/office/drawing/2014/main" id="{10D6E916-50E7-4593-A79F-27D9B3A2B337}"/>
+                </a:ext>
+              </a:extLst>
+            </p:cNvPr>
+            <p:cNvSpPr/>
+            <p:nvPr/>
+          </p:nvSpPr>
+          <p:spPr>
+            <a:xfrm>
+              <a:off x="6424358" y="6159197"/>
+              <a:ext cx="914400" cy="356049"/>
+            </a:xfrm>
+            <a:prstGeom prst="rect">
+              <a:avLst/>
+            </a:prstGeom>
+            <a:solidFill>
+              <a:schemeClr val="accent6"/>
+            </a:solidFill>
+            <a:ln>
+              <a:noFill/>
+            </a:ln>
+          </p:spPr>
+          <p:style>
+            <a:lnRef idx="2">
+              <a:schemeClr val="accent1">
+                <a:shade val="50000"/>
+              </a:schemeClr>
+            </a:lnRef>
+            <a:fillRef idx="1">
+              <a:schemeClr val="accent1"/>
+            </a:fillRef>
+            <a:effectRef idx="0">
+              <a:schemeClr val="accent1"/>
+            </a:effectRef>
+            <a:fontRef idx="minor">
+              <a:schemeClr val="lt1"/>
+            </a:fontRef>
+          </p:style>
+          <p:txBody>
+            <a:bodyPr rtlCol="0" anchor="ctr"/>
+            <a:lstStyle/>
+            <a:p>
+              <a:pPr algn="ctr"/>
+              <a:endParaRPr kumimoji="1" lang="ja-JP" altLang="en-US"/>
+            </a:p>
+          </p:txBody>
+        </p:sp>
+        <p:sp>
+          <p:nvSpPr>
+            <p:cNvPr id="21" name="正方形/長方形 20">
+              <a:extLst>
+                <a:ext uri="{FF2B5EF4-FFF2-40B4-BE49-F238E27FC236}">
+                  <a16:creationId xmlns:a16="http://schemas.microsoft.com/office/drawing/2014/main" id="{CF79881B-8F72-412F-9173-CF83A08106C3}"/>
+                </a:ext>
+              </a:extLst>
+            </p:cNvPr>
+            <p:cNvSpPr/>
+            <p:nvPr/>
+          </p:nvSpPr>
+          <p:spPr>
+            <a:xfrm>
+              <a:off x="6424358" y="5727446"/>
+              <a:ext cx="914400" cy="356049"/>
+            </a:xfrm>
+            <a:prstGeom prst="rect">
+              <a:avLst/>
+            </a:prstGeom>
+            <a:solidFill>
+              <a:schemeClr val="accent2">
+                <a:lumMod val="40000"/>
+                <a:lumOff val="60000"/>
+              </a:schemeClr>
+            </a:solidFill>
+            <a:ln>
+              <a:noFill/>
+            </a:ln>
+          </p:spPr>
+          <p:style>
+            <a:lnRef idx="2">
+              <a:schemeClr val="accent1">
+                <a:shade val="50000"/>
+              </a:schemeClr>
+            </a:lnRef>
+            <a:fillRef idx="1">
+              <a:schemeClr val="accent1"/>
+            </a:fillRef>
+            <a:effectRef idx="0">
+              <a:schemeClr val="accent1"/>
+            </a:effectRef>
+            <a:fontRef idx="minor">
+              <a:schemeClr val="lt1"/>
+            </a:fontRef>
+          </p:style>
+          <p:txBody>
+            <a:bodyPr rtlCol="0" anchor="ctr"/>
+            <a:lstStyle/>
+            <a:p>
+              <a:pPr algn="ctr"/>
+              <a:endParaRPr kumimoji="1" lang="ja-JP" altLang="en-US"/>
+            </a:p>
+          </p:txBody>
+        </p:sp>
+        <p:sp>
+          <p:nvSpPr>
+            <p:cNvPr id="3" name="テキスト ボックス 2">
+              <a:extLst>
+                <a:ext uri="{FF2B5EF4-FFF2-40B4-BE49-F238E27FC236}">
+                  <a16:creationId xmlns:a16="http://schemas.microsoft.com/office/drawing/2014/main" id="{16FDC75F-342D-4A0A-B526-35994D6A24B1}"/>
+                </a:ext>
+              </a:extLst>
+            </p:cNvPr>
+            <p:cNvSpPr txBox="1"/>
+            <p:nvPr/>
+          </p:nvSpPr>
+          <p:spPr>
+            <a:xfrm>
+              <a:off x="7343479" y="5295695"/>
+              <a:ext cx="2050561" cy="369332"/>
+            </a:xfrm>
+            <a:prstGeom prst="rect">
+              <a:avLst/>
+            </a:prstGeom>
+            <a:noFill/>
+          </p:spPr>
+          <p:txBody>
+            <a:bodyPr wrap="none" rtlCol="0">
+              <a:spAutoFit/>
+            </a:bodyPr>
+            <a:lstStyle/>
+            <a:p>
+              <a:r>
+                <a:rPr lang="en-US" altLang="ja-JP" dirty="0">
+                  <a:latin typeface="Segoe UI" panose="020B0502040204020203" pitchFamily="34" charset="0"/>
+                  <a:cs typeface="Segoe UI" panose="020B0502040204020203" pitchFamily="34" charset="0"/>
+                </a:rPr>
+                <a:t>Segment m</a:t>
+              </a:r>
+              <a:r>
+                <a:rPr kumimoji="1" lang="en-US" altLang="ja-JP" dirty="0">
+                  <a:latin typeface="Segoe UI" panose="020B0502040204020203" pitchFamily="34" charset="0"/>
+                  <a:cs typeface="Segoe UI" panose="020B0502040204020203" pitchFamily="34" charset="0"/>
+                </a:rPr>
+                <a:t>apped</a:t>
+              </a:r>
+              <a:endParaRPr kumimoji="1" lang="ja-JP" altLang="en-US" dirty="0">
                 <a:latin typeface="Segoe UI" panose="020B0502040204020203" pitchFamily="34" charset="0"/>
                 <a:cs typeface="Segoe UI" panose="020B0502040204020203" pitchFamily="34" charset="0"/>
-              </a:rPr>
-              <a:t>…</a:t>
-            </a:r>
-          </a:p>
-        </p:txBody>
-      </p:sp>
-      <p:sp>
-        <p:nvSpPr>
-          <p:cNvPr id="11" name="正方形/長方形 10">
-            <a:extLst>
-              <a:ext uri="{FF2B5EF4-FFF2-40B4-BE49-F238E27FC236}">
-                <a16:creationId xmlns:a16="http://schemas.microsoft.com/office/drawing/2014/main" id="{EB82AB04-29FB-4B2A-9BA6-BD063F164A67}"/>
-              </a:ext>
-            </a:extLst>
-          </p:cNvPr>
-          <p:cNvSpPr/>
-          <p:nvPr/>
-        </p:nvSpPr>
-        <p:spPr>
-          <a:xfrm>
-            <a:off x="235668" y="4650654"/>
-            <a:ext cx="4260915" cy="457200"/>
-          </a:xfrm>
-          <a:prstGeom prst="rect">
-            <a:avLst/>
-          </a:prstGeom>
-          <a:solidFill>
-            <a:schemeClr val="accent2"/>
-          </a:solidFill>
-          <a:ln>
+              </a:endParaRPr>
+            </a:p>
+          </p:txBody>
+        </p:sp>
+        <p:sp>
+          <p:nvSpPr>
+            <p:cNvPr id="23" name="テキスト ボックス 22">
+              <a:extLst>
+                <a:ext uri="{FF2B5EF4-FFF2-40B4-BE49-F238E27FC236}">
+                  <a16:creationId xmlns:a16="http://schemas.microsoft.com/office/drawing/2014/main" id="{631E3B61-6454-4223-B3F3-D10CD6C31F57}"/>
+                </a:ext>
+              </a:extLst>
+            </p:cNvPr>
+            <p:cNvSpPr txBox="1"/>
+            <p:nvPr/>
+          </p:nvSpPr>
+          <p:spPr>
+            <a:xfrm>
+              <a:off x="7338758" y="5742249"/>
+              <a:ext cx="2462534" cy="369332"/>
+            </a:xfrm>
+            <a:prstGeom prst="rect">
+              <a:avLst/>
+            </a:prstGeom>
             <a:noFill/>
-          </a:ln>
-        </p:spPr>
-        <p:style>
-          <a:lnRef idx="2">
-            <a:schemeClr val="accent1">
-              <a:shade val="50000"/>
-            </a:schemeClr>
-          </a:lnRef>
-          <a:fillRef idx="1">
-            <a:schemeClr val="accent1"/>
-          </a:fillRef>
-          <a:effectRef idx="0">
-            <a:schemeClr val="accent1"/>
-          </a:effectRef>
-          <a:fontRef idx="minor">
-            <a:schemeClr val="lt1"/>
-          </a:fontRef>
-        </p:style>
-        <p:txBody>
-          <a:bodyPr rtlCol="0" anchor="ctr"/>
-          <a:lstStyle/>
-          <a:p>
-            <a:pPr algn="ctr"/>
-            <a:r>
-              <a:rPr lang="en-US" altLang="ja-JP" sz="2400" b="1" dirty="0">
+          </p:spPr>
+          <p:txBody>
+            <a:bodyPr wrap="none" rtlCol="0">
+              <a:spAutoFit/>
+            </a:bodyPr>
+            <a:lstStyle/>
+            <a:p>
+              <a:r>
+                <a:rPr lang="en-US" altLang="ja-JP" dirty="0">
+                  <a:latin typeface="Segoe UI" panose="020B0502040204020203" pitchFamily="34" charset="0"/>
+                  <a:cs typeface="Segoe UI" panose="020B0502040204020203" pitchFamily="34" charset="0"/>
+                </a:rPr>
+                <a:t>Segment not m</a:t>
+              </a:r>
+              <a:r>
+                <a:rPr kumimoji="1" lang="en-US" altLang="ja-JP" dirty="0">
+                  <a:latin typeface="Segoe UI" panose="020B0502040204020203" pitchFamily="34" charset="0"/>
+                  <a:cs typeface="Segoe UI" panose="020B0502040204020203" pitchFamily="34" charset="0"/>
+                </a:rPr>
+                <a:t>apped</a:t>
+              </a:r>
+              <a:endParaRPr kumimoji="1" lang="ja-JP" altLang="en-US" dirty="0">
                 <a:latin typeface="Segoe UI" panose="020B0502040204020203" pitchFamily="34" charset="0"/>
                 <a:cs typeface="Segoe UI" panose="020B0502040204020203" pitchFamily="34" charset="0"/>
-              </a:rPr>
-              <a:t>runtime or AOT file</a:t>
-            </a:r>
-            <a:endParaRPr kumimoji="1" lang="ja-JP" altLang="en-US" sz="2400" b="1" dirty="0">
-              <a:latin typeface="Segoe UI" panose="020B0502040204020203" pitchFamily="34" charset="0"/>
-              <a:cs typeface="Segoe UI" panose="020B0502040204020203" pitchFamily="34" charset="0"/>
-            </a:endParaRPr>
-          </a:p>
-        </p:txBody>
-      </p:sp>
-      <p:sp>
-        <p:nvSpPr>
-          <p:cNvPr id="12" name="正方形/長方形 11">
-            <a:extLst>
-              <a:ext uri="{FF2B5EF4-FFF2-40B4-BE49-F238E27FC236}">
-                <a16:creationId xmlns:a16="http://schemas.microsoft.com/office/drawing/2014/main" id="{8DEF8802-A369-4121-84D7-2085E80525B6}"/>
-              </a:ext>
-            </a:extLst>
-          </p:cNvPr>
-          <p:cNvSpPr/>
-          <p:nvPr/>
-        </p:nvSpPr>
-        <p:spPr>
-          <a:xfrm>
-            <a:off x="235667" y="5293935"/>
-            <a:ext cx="4260915" cy="457200"/>
-          </a:xfrm>
-          <a:prstGeom prst="rect">
-            <a:avLst/>
-          </a:prstGeom>
-          <a:solidFill>
-            <a:schemeClr val="accent2"/>
-          </a:solidFill>
-          <a:ln>
+              </a:endParaRPr>
+            </a:p>
+          </p:txBody>
+        </p:sp>
+        <p:sp>
+          <p:nvSpPr>
+            <p:cNvPr id="25" name="テキスト ボックス 24">
+              <a:extLst>
+                <a:ext uri="{FF2B5EF4-FFF2-40B4-BE49-F238E27FC236}">
+                  <a16:creationId xmlns:a16="http://schemas.microsoft.com/office/drawing/2014/main" id="{D6EBBE28-CED3-4742-A0B9-0619D4FC61F1}"/>
+                </a:ext>
+              </a:extLst>
+            </p:cNvPr>
+            <p:cNvSpPr txBox="1"/>
+            <p:nvPr/>
+          </p:nvSpPr>
+          <p:spPr>
+            <a:xfrm>
+              <a:off x="7338758" y="6159197"/>
+              <a:ext cx="3991414" cy="369332"/>
+            </a:xfrm>
+            <a:prstGeom prst="rect">
+              <a:avLst/>
+            </a:prstGeom>
             <a:noFill/>
-          </a:ln>
-        </p:spPr>
-        <p:style>
-          <a:lnRef idx="2">
-            <a:schemeClr val="accent1">
-              <a:shade val="50000"/>
-            </a:schemeClr>
-          </a:lnRef>
-          <a:fillRef idx="1">
-            <a:schemeClr val="accent1"/>
-          </a:fillRef>
-          <a:effectRef idx="0">
-            <a:schemeClr val="accent1"/>
-          </a:effectRef>
-          <a:fontRef idx="minor">
-            <a:schemeClr val="lt1"/>
-          </a:fontRef>
-        </p:style>
-        <p:txBody>
-          <a:bodyPr rtlCol="0" anchor="ctr"/>
-          <a:lstStyle/>
-          <a:p>
-            <a:pPr algn="ctr"/>
-            <a:r>
-              <a:rPr lang="en-US" altLang="ja-JP" sz="2400" b="1" dirty="0">
+          </p:spPr>
+          <p:txBody>
+            <a:bodyPr wrap="none" rtlCol="0">
+              <a:spAutoFit/>
+            </a:bodyPr>
+            <a:lstStyle/>
+            <a:p>
+              <a:r>
+                <a:rPr kumimoji="1" lang="en-US" altLang="ja-JP" dirty="0">
+                  <a:latin typeface="Segoe UI" panose="020B0502040204020203" pitchFamily="34" charset="0"/>
+                  <a:cs typeface="Segoe UI" panose="020B0502040204020203" pitchFamily="34" charset="0"/>
+                </a:rPr>
+                <a:t>Segment not </a:t>
+              </a:r>
+              <a:r>
+                <a:rPr kumimoji="1" lang="en-US" altLang="ja-JP">
+                  <a:latin typeface="Segoe UI" panose="020B0502040204020203" pitchFamily="34" charset="0"/>
+                  <a:cs typeface="Segoe UI" panose="020B0502040204020203" pitchFamily="34" charset="0"/>
+                </a:rPr>
+                <a:t>in AOT </a:t>
+              </a:r>
+              <a:r>
+                <a:rPr kumimoji="1" lang="en-US" altLang="ja-JP" dirty="0">
+                  <a:latin typeface="Segoe UI" panose="020B0502040204020203" pitchFamily="34" charset="0"/>
+                  <a:cs typeface="Segoe UI" panose="020B0502040204020203" pitchFamily="34" charset="0"/>
+                </a:rPr>
+                <a:t>shared cache file</a:t>
+              </a:r>
+              <a:endParaRPr kumimoji="1" lang="ja-JP" altLang="en-US" dirty="0">
                 <a:latin typeface="Segoe UI" panose="020B0502040204020203" pitchFamily="34" charset="0"/>
                 <a:cs typeface="Segoe UI" panose="020B0502040204020203" pitchFamily="34" charset="0"/>
-              </a:rPr>
-              <a:t>runtime or AOT file</a:t>
-            </a:r>
-            <a:endParaRPr kumimoji="1" lang="ja-JP" altLang="en-US" sz="2400" b="1" dirty="0">
-              <a:latin typeface="Segoe UI" panose="020B0502040204020203" pitchFamily="34" charset="0"/>
-              <a:cs typeface="Segoe UI" panose="020B0502040204020203" pitchFamily="34" charset="0"/>
-            </a:endParaRPr>
-          </a:p>
-        </p:txBody>
-      </p:sp>
-      <p:sp>
-        <p:nvSpPr>
-          <p:cNvPr id="13" name="テキスト ボックス 12">
-            <a:extLst>
-              <a:ext uri="{FF2B5EF4-FFF2-40B4-BE49-F238E27FC236}">
-                <a16:creationId xmlns:a16="http://schemas.microsoft.com/office/drawing/2014/main" id="{2C6EFB9B-CD26-470E-A319-D2C51E2105BD}"/>
-              </a:ext>
-            </a:extLst>
-          </p:cNvPr>
-          <p:cNvSpPr txBox="1"/>
-          <p:nvPr/>
-        </p:nvSpPr>
-        <p:spPr>
-          <a:xfrm rot="5400000">
-            <a:off x="2196444" y="5731098"/>
-            <a:ext cx="606256" cy="646331"/>
-          </a:xfrm>
-          <a:prstGeom prst="rect">
-            <a:avLst/>
-          </a:prstGeom>
-          <a:noFill/>
-        </p:spPr>
-        <p:txBody>
-          <a:bodyPr wrap="none" rtlCol="0">
-            <a:spAutoFit/>
-          </a:bodyPr>
-          <a:lstStyle/>
-          <a:p>
-            <a:r>
-              <a:rPr kumimoji="1" lang="en-US" altLang="ja-JP" sz="3600" b="1" dirty="0">
-                <a:latin typeface="Segoe UI" panose="020B0502040204020203" pitchFamily="34" charset="0"/>
-                <a:cs typeface="Segoe UI" panose="020B0502040204020203" pitchFamily="34" charset="0"/>
-              </a:rPr>
-              <a:t>…</a:t>
-            </a:r>
-          </a:p>
-        </p:txBody>
-      </p:sp>
-      <p:sp>
-        <p:nvSpPr>
-          <p:cNvPr id="14" name="右中かっこ 13">
-            <a:extLst>
-              <a:ext uri="{FF2B5EF4-FFF2-40B4-BE49-F238E27FC236}">
-                <a16:creationId xmlns:a16="http://schemas.microsoft.com/office/drawing/2014/main" id="{8B74EB1A-E92A-42E6-81A7-5E41DD0E101F}"/>
-              </a:ext>
-            </a:extLst>
-          </p:cNvPr>
-          <p:cNvSpPr/>
-          <p:nvPr/>
-        </p:nvSpPr>
-        <p:spPr>
-          <a:xfrm>
-            <a:off x="4826524" y="1187775"/>
-            <a:ext cx="377072" cy="3242820"/>
-          </a:xfrm>
-          <a:prstGeom prst="rightBrace">
-            <a:avLst/>
-          </a:prstGeom>
-          <a:ln w="38100">
-            <a:solidFill>
-              <a:schemeClr val="tx1"/>
-            </a:solidFill>
-          </a:ln>
-        </p:spPr>
-        <p:style>
-          <a:lnRef idx="1">
-            <a:schemeClr val="accent1"/>
-          </a:lnRef>
-          <a:fillRef idx="0">
-            <a:schemeClr val="accent1"/>
-          </a:fillRef>
-          <a:effectRef idx="0">
-            <a:schemeClr val="accent1"/>
-          </a:effectRef>
-          <a:fontRef idx="minor">
-            <a:schemeClr val="tx1"/>
-          </a:fontRef>
-        </p:style>
-        <p:txBody>
-          <a:bodyPr rtlCol="0" anchor="ctr"/>
-          <a:lstStyle/>
-          <a:p>
-            <a:pPr algn="ctr"/>
-            <a:endParaRPr kumimoji="1" lang="ja-JP" altLang="en-US"/>
-          </a:p>
-        </p:txBody>
-      </p:sp>
-      <p:sp>
-        <p:nvSpPr>
-          <p:cNvPr id="15" name="右中かっこ 14">
-            <a:extLst>
-              <a:ext uri="{FF2B5EF4-FFF2-40B4-BE49-F238E27FC236}">
-                <a16:creationId xmlns:a16="http://schemas.microsoft.com/office/drawing/2014/main" id="{82C83F60-3EA3-4664-8878-46B99C88DD88}"/>
-              </a:ext>
-            </a:extLst>
-          </p:cNvPr>
-          <p:cNvSpPr/>
-          <p:nvPr/>
-        </p:nvSpPr>
-        <p:spPr>
-          <a:xfrm>
-            <a:off x="4826524" y="4522505"/>
-            <a:ext cx="377072" cy="2052000"/>
-          </a:xfrm>
-          <a:prstGeom prst="rightBrace">
-            <a:avLst/>
-          </a:prstGeom>
-          <a:ln w="38100">
-            <a:solidFill>
-              <a:schemeClr val="tx1"/>
-            </a:solidFill>
-          </a:ln>
-        </p:spPr>
-        <p:style>
-          <a:lnRef idx="1">
-            <a:schemeClr val="accent1"/>
-          </a:lnRef>
-          <a:fillRef idx="0">
-            <a:schemeClr val="accent1"/>
-          </a:fillRef>
-          <a:effectRef idx="0">
-            <a:schemeClr val="accent1"/>
-          </a:effectRef>
-          <a:fontRef idx="minor">
-            <a:schemeClr val="tx1"/>
-          </a:fontRef>
-        </p:style>
-        <p:txBody>
-          <a:bodyPr rtlCol="0" anchor="ctr"/>
-          <a:lstStyle/>
-          <a:p>
-            <a:pPr algn="ctr"/>
-            <a:endParaRPr kumimoji="1" lang="ja-JP" altLang="en-US"/>
-          </a:p>
-        </p:txBody>
-      </p:sp>
-      <p:sp>
-        <p:nvSpPr>
-          <p:cNvPr id="18" name="四角形: 角を丸くする 17">
-            <a:extLst>
-              <a:ext uri="{FF2B5EF4-FFF2-40B4-BE49-F238E27FC236}">
-                <a16:creationId xmlns:a16="http://schemas.microsoft.com/office/drawing/2014/main" id="{01EC3DAE-7CC2-4E26-ABEB-1C6BF320EE40}"/>
-              </a:ext>
-            </a:extLst>
-          </p:cNvPr>
-          <p:cNvSpPr/>
-          <p:nvPr/>
-        </p:nvSpPr>
-        <p:spPr>
-          <a:xfrm>
-            <a:off x="5530391" y="2351985"/>
-            <a:ext cx="3651315" cy="914400"/>
-          </a:xfrm>
-          <a:prstGeom prst="roundRect">
-            <a:avLst/>
-          </a:prstGeom>
-        </p:spPr>
-        <p:style>
-          <a:lnRef idx="1">
-            <a:schemeClr val="accent6"/>
-          </a:lnRef>
-          <a:fillRef idx="3">
-            <a:schemeClr val="accent6"/>
-          </a:fillRef>
-          <a:effectRef idx="2">
-            <a:schemeClr val="accent6"/>
-          </a:effectRef>
-          <a:fontRef idx="minor">
-            <a:schemeClr val="lt1"/>
-          </a:fontRef>
-        </p:style>
-        <p:txBody>
-          <a:bodyPr rtlCol="0" anchor="ctr"/>
-          <a:lstStyle/>
-          <a:p>
-            <a:pPr algn="ctr"/>
-            <a:r>
-              <a:rPr kumimoji="1" lang="en-US" altLang="ja-JP" sz="2800" b="1" dirty="0" err="1">
-                <a:latin typeface="Segoe UI" panose="020B0502040204020203" pitchFamily="34" charset="0"/>
-                <a:cs typeface="Segoe UI" panose="020B0502040204020203" pitchFamily="34" charset="0"/>
-              </a:rPr>
-              <a:t>MetaData</a:t>
-            </a:r>
-            <a:r>
-              <a:rPr kumimoji="1" lang="en-US" altLang="ja-JP" sz="2800" b="1" dirty="0">
-                <a:latin typeface="Segoe UI" panose="020B0502040204020203" pitchFamily="34" charset="0"/>
-                <a:cs typeface="Segoe UI" panose="020B0502040204020203" pitchFamily="34" charset="0"/>
-              </a:rPr>
-              <a:t> section</a:t>
-            </a:r>
-            <a:endParaRPr kumimoji="1" lang="ja-JP" altLang="en-US" sz="2800" b="1" dirty="0">
-              <a:latin typeface="Segoe UI" panose="020B0502040204020203" pitchFamily="34" charset="0"/>
-              <a:cs typeface="Segoe UI" panose="020B0502040204020203" pitchFamily="34" charset="0"/>
-            </a:endParaRPr>
-          </a:p>
-        </p:txBody>
-      </p:sp>
-      <p:sp>
-        <p:nvSpPr>
-          <p:cNvPr id="19" name="四角形: 角を丸くする 18">
-            <a:extLst>
-              <a:ext uri="{FF2B5EF4-FFF2-40B4-BE49-F238E27FC236}">
-                <a16:creationId xmlns:a16="http://schemas.microsoft.com/office/drawing/2014/main" id="{7089E660-4C0C-4A0A-8244-B198EE502581}"/>
-              </a:ext>
-            </a:extLst>
-          </p:cNvPr>
-          <p:cNvSpPr/>
-          <p:nvPr/>
-        </p:nvSpPr>
-        <p:spPr>
-          <a:xfrm>
-            <a:off x="5530391" y="5091305"/>
-            <a:ext cx="3651315" cy="914400"/>
-          </a:xfrm>
-          <a:prstGeom prst="roundRect">
-            <a:avLst/>
-          </a:prstGeom>
-        </p:spPr>
-        <p:style>
-          <a:lnRef idx="1">
-            <a:schemeClr val="accent6"/>
-          </a:lnRef>
-          <a:fillRef idx="3">
-            <a:schemeClr val="accent6"/>
-          </a:fillRef>
-          <a:effectRef idx="2">
-            <a:schemeClr val="accent6"/>
-          </a:effectRef>
-          <a:fontRef idx="minor">
-            <a:schemeClr val="lt1"/>
-          </a:fontRef>
-        </p:style>
-        <p:txBody>
-          <a:bodyPr rtlCol="0" anchor="ctr"/>
-          <a:lstStyle/>
-          <a:p>
-            <a:pPr algn="ctr"/>
-            <a:r>
-              <a:rPr kumimoji="1" lang="en-US" altLang="ja-JP" sz="2800" b="1" dirty="0">
-                <a:latin typeface="Segoe UI" panose="020B0502040204020203" pitchFamily="34" charset="0"/>
-                <a:cs typeface="Segoe UI" panose="020B0502040204020203" pitchFamily="34" charset="0"/>
-              </a:rPr>
-              <a:t>Code section</a:t>
-            </a:r>
-            <a:endParaRPr kumimoji="1" lang="ja-JP" altLang="en-US" sz="2800" b="1" dirty="0">
-              <a:latin typeface="Segoe UI" panose="020B0502040204020203" pitchFamily="34" charset="0"/>
-              <a:cs typeface="Segoe UI" panose="020B0502040204020203" pitchFamily="34" charset="0"/>
-            </a:endParaRPr>
-          </a:p>
-        </p:txBody>
-      </p:sp>
+              </a:endParaRPr>
+            </a:p>
+          </p:txBody>
+        </p:sp>
+      </p:grpSp>
     </p:spTree>
     <p:extLst>
       <p:ext uri="{BB962C8B-B14F-4D97-AF65-F5344CB8AC3E}">
-        <p14:creationId xmlns:p14="http://schemas.microsoft.com/office/powerpoint/2010/main" val="1030082968"/>
+        <p14:creationId xmlns:p14="http://schemas.microsoft.com/office/powerpoint/2010/main" val="2381725066"/>
       </p:ext>
     </p:extLst>
   </p:cSld>
